--- a/MakeWebsiteProject_1/0_사업보고서.pptx
+++ b/MakeWebsiteProject_1/0_사업보고서.pptx
@@ -2,18 +2,28 @@
 <file path=ppt/presentation.xml><?xml version="1.0" encoding="utf-8"?>
 <p:presentation xmlns:a="http://schemas.openxmlformats.org/drawingml/2006/main" xmlns:r="http://schemas.openxmlformats.org/officeDocument/2006/relationships" xmlns:p="http://schemas.openxmlformats.org/presentationml/2006/main" saveSubsetFonts="1">
   <p:sldMasterIdLst>
-    <p:sldMasterId id="2147483648" r:id="rId1"/>
+    <p:sldMasterId id="2147483677" r:id="rId1"/>
   </p:sldMasterIdLst>
   <p:sldIdLst>
     <p:sldId id="256" r:id="rId2"/>
+    <p:sldId id="257" r:id="rId3"/>
+    <p:sldId id="258" r:id="rId4"/>
+    <p:sldId id="259" r:id="rId5"/>
+    <p:sldId id="260" r:id="rId6"/>
+    <p:sldId id="261" r:id="rId7"/>
+    <p:sldId id="263" r:id="rId8"/>
+    <p:sldId id="264" r:id="rId9"/>
+    <p:sldId id="265" r:id="rId10"/>
+    <p:sldId id="266" r:id="rId11"/>
+    <p:sldId id="267" r:id="rId12"/>
   </p:sldIdLst>
   <p:sldSz cx="12192000" cy="6858000"/>
   <p:notesSz cx="6858000" cy="9144000"/>
   <p:defaultTextStyle>
     <a:defPPr>
-      <a:defRPr lang="ko-KR"/>
+      <a:defRPr lang="en-US"/>
     </a:defPPr>
-    <a:lvl1pPr marL="0" algn="l" defTabSz="914400" rtl="0" eaLnBrk="1" latinLnBrk="1" hangingPunct="1">
+    <a:lvl1pPr marL="0" algn="l" defTabSz="457200" rtl="0" eaLnBrk="1" latinLnBrk="0" hangingPunct="1">
       <a:defRPr sz="1800" kern="1200">
         <a:solidFill>
           <a:schemeClr val="tx1"/>
@@ -23,7 +33,7 @@
         <a:cs typeface="+mn-cs"/>
       </a:defRPr>
     </a:lvl1pPr>
-    <a:lvl2pPr marL="457200" algn="l" defTabSz="914400" rtl="0" eaLnBrk="1" latinLnBrk="1" hangingPunct="1">
+    <a:lvl2pPr marL="457200" algn="l" defTabSz="457200" rtl="0" eaLnBrk="1" latinLnBrk="0" hangingPunct="1">
       <a:defRPr sz="1800" kern="1200">
         <a:solidFill>
           <a:schemeClr val="tx1"/>
@@ -33,7 +43,7 @@
         <a:cs typeface="+mn-cs"/>
       </a:defRPr>
     </a:lvl2pPr>
-    <a:lvl3pPr marL="914400" algn="l" defTabSz="914400" rtl="0" eaLnBrk="1" latinLnBrk="1" hangingPunct="1">
+    <a:lvl3pPr marL="914400" algn="l" defTabSz="457200" rtl="0" eaLnBrk="1" latinLnBrk="0" hangingPunct="1">
       <a:defRPr sz="1800" kern="1200">
         <a:solidFill>
           <a:schemeClr val="tx1"/>
@@ -43,7 +53,7 @@
         <a:cs typeface="+mn-cs"/>
       </a:defRPr>
     </a:lvl3pPr>
-    <a:lvl4pPr marL="1371600" algn="l" defTabSz="914400" rtl="0" eaLnBrk="1" latinLnBrk="1" hangingPunct="1">
+    <a:lvl4pPr marL="1371600" algn="l" defTabSz="457200" rtl="0" eaLnBrk="1" latinLnBrk="0" hangingPunct="1">
       <a:defRPr sz="1800" kern="1200">
         <a:solidFill>
           <a:schemeClr val="tx1"/>
@@ -53,7 +63,7 @@
         <a:cs typeface="+mn-cs"/>
       </a:defRPr>
     </a:lvl4pPr>
-    <a:lvl5pPr marL="1828800" algn="l" defTabSz="914400" rtl="0" eaLnBrk="1" latinLnBrk="1" hangingPunct="1">
+    <a:lvl5pPr marL="1828800" algn="l" defTabSz="457200" rtl="0" eaLnBrk="1" latinLnBrk="0" hangingPunct="1">
       <a:defRPr sz="1800" kern="1200">
         <a:solidFill>
           <a:schemeClr val="tx1"/>
@@ -63,7 +73,7 @@
         <a:cs typeface="+mn-cs"/>
       </a:defRPr>
     </a:lvl5pPr>
-    <a:lvl6pPr marL="2286000" algn="l" defTabSz="914400" rtl="0" eaLnBrk="1" latinLnBrk="1" hangingPunct="1">
+    <a:lvl6pPr marL="2286000" algn="l" defTabSz="457200" rtl="0" eaLnBrk="1" latinLnBrk="0" hangingPunct="1">
       <a:defRPr sz="1800" kern="1200">
         <a:solidFill>
           <a:schemeClr val="tx1"/>
@@ -73,7 +83,7 @@
         <a:cs typeface="+mn-cs"/>
       </a:defRPr>
     </a:lvl6pPr>
-    <a:lvl7pPr marL="2743200" algn="l" defTabSz="914400" rtl="0" eaLnBrk="1" latinLnBrk="1" hangingPunct="1">
+    <a:lvl7pPr marL="2743200" algn="l" defTabSz="457200" rtl="0" eaLnBrk="1" latinLnBrk="0" hangingPunct="1">
       <a:defRPr sz="1800" kern="1200">
         <a:solidFill>
           <a:schemeClr val="tx1"/>
@@ -83,7 +93,7 @@
         <a:cs typeface="+mn-cs"/>
       </a:defRPr>
     </a:lvl7pPr>
-    <a:lvl8pPr marL="3200400" algn="l" defTabSz="914400" rtl="0" eaLnBrk="1" latinLnBrk="1" hangingPunct="1">
+    <a:lvl8pPr marL="3200400" algn="l" defTabSz="457200" rtl="0" eaLnBrk="1" latinLnBrk="0" hangingPunct="1">
       <a:defRPr sz="1800" kern="1200">
         <a:solidFill>
           <a:schemeClr val="tx1"/>
@@ -93,7 +103,7 @@
         <a:cs typeface="+mn-cs"/>
       </a:defRPr>
     </a:lvl8pPr>
-    <a:lvl9pPr marL="3657600" algn="l" defTabSz="914400" rtl="0" eaLnBrk="1" latinLnBrk="1" hangingPunct="1">
+    <a:lvl9pPr marL="3657600" algn="l" defTabSz="457200" rtl="0" eaLnBrk="1" latinLnBrk="0" hangingPunct="1">
       <a:defRPr sz="1800" kern="1200">
         <a:solidFill>
           <a:schemeClr val="tx1"/>
@@ -104,11 +114,16 @@
       </a:defRPr>
     </a:lvl9pPr>
   </p:defaultTextStyle>
+  <p:extLst>
+    <p:ext uri="{EFAFB233-063F-42B5-8137-9DF3F51BA10A}">
+      <p15:sldGuideLst xmlns:p15="http://schemas.microsoft.com/office/powerpoint/2012/main"/>
+    </p:ext>
+  </p:extLst>
 </p:presentation>
 </file>
 
 <file path=ppt/slideLayouts/slideLayout1.xml><?xml version="1.0" encoding="utf-8"?>
-<p:sldLayout xmlns:a="http://schemas.openxmlformats.org/drawingml/2006/main" xmlns:r="http://schemas.openxmlformats.org/officeDocument/2006/relationships" xmlns:p="http://schemas.openxmlformats.org/presentationml/2006/main" type="title" preserve="1">
+<p:sldLayout xmlns:a="http://schemas.openxmlformats.org/drawingml/2006/main" xmlns:r="http://schemas.openxmlformats.org/officeDocument/2006/relationships" xmlns:p="http://schemas.openxmlformats.org/presentationml/2006/main" showMasterSp="0" type="title" preserve="1">
   <p:cSld name="제목 슬라이드">
     <p:spTree>
       <p:nvGrpSpPr>
@@ -124,15 +139,562 @@
           <a:chExt cx="0" cy="0"/>
         </a:xfrm>
       </p:grpSpPr>
-      <p:sp>
-        <p:nvSpPr>
-          <p:cNvPr id="2" name="제목 1">
-            <a:extLst>
-              <a:ext uri="{FF2B5EF4-FFF2-40B4-BE49-F238E27FC236}">
-                <a16:creationId xmlns:a16="http://schemas.microsoft.com/office/drawing/2014/main" id="{756FE1AC-0190-4C20-8041-9C9418FC8AC6}"/>
-              </a:ext>
-            </a:extLst>
-          </p:cNvPr>
+      <p:grpSp>
+        <p:nvGrpSpPr>
+          <p:cNvPr id="16" name="Group 15"/>
+          <p:cNvGrpSpPr/>
+          <p:nvPr/>
+        </p:nvGrpSpPr>
+        <p:grpSpPr>
+          <a:xfrm>
+            <a:off x="0" y="-8467"/>
+            <a:ext cx="12192000" cy="6866467"/>
+            <a:chOff x="0" y="-8467"/>
+            <a:chExt cx="12192000" cy="6866467"/>
+          </a:xfrm>
+        </p:grpSpPr>
+        <p:sp>
+          <p:nvSpPr>
+            <p:cNvPr id="15" name="Freeform 14"/>
+            <p:cNvSpPr/>
+            <p:nvPr/>
+          </p:nvSpPr>
+          <p:spPr>
+            <a:xfrm>
+              <a:off x="0" y="-7862"/>
+              <a:ext cx="863600" cy="5698067"/>
+            </a:xfrm>
+            <a:custGeom>
+              <a:avLst/>
+              <a:gdLst/>
+              <a:ahLst/>
+              <a:cxnLst/>
+              <a:rect l="l" t="t" r="r" b="b"/>
+              <a:pathLst>
+                <a:path w="863600" h="5698067">
+                  <a:moveTo>
+                    <a:pt x="0" y="8467"/>
+                  </a:moveTo>
+                  <a:lnTo>
+                    <a:pt x="863600" y="0"/>
+                  </a:lnTo>
+                  <a:lnTo>
+                    <a:pt x="863600" y="16934"/>
+                  </a:lnTo>
+                  <a:lnTo>
+                    <a:pt x="0" y="5698067"/>
+                  </a:lnTo>
+                  <a:lnTo>
+                    <a:pt x="0" y="8467"/>
+                  </a:lnTo>
+                  <a:close/>
+                </a:path>
+              </a:pathLst>
+            </a:custGeom>
+            <a:solidFill>
+              <a:schemeClr val="accent1">
+                <a:alpha val="70000"/>
+              </a:schemeClr>
+            </a:solidFill>
+            <a:ln>
+              <a:noFill/>
+            </a:ln>
+            <a:effectLst/>
+          </p:spPr>
+          <p:style>
+            <a:lnRef idx="1">
+              <a:schemeClr val="accent1"/>
+            </a:lnRef>
+            <a:fillRef idx="3">
+              <a:schemeClr val="accent1"/>
+            </a:fillRef>
+            <a:effectRef idx="2">
+              <a:schemeClr val="accent1"/>
+            </a:effectRef>
+            <a:fontRef idx="minor">
+              <a:schemeClr val="lt1"/>
+            </a:fontRef>
+          </p:style>
+        </p:sp>
+        <p:cxnSp>
+          <p:nvCxnSpPr>
+            <p:cNvPr id="19" name="Straight Connector 18"/>
+            <p:cNvCxnSpPr/>
+            <p:nvPr/>
+          </p:nvCxnSpPr>
+          <p:spPr>
+            <a:xfrm>
+              <a:off x="9371012" y="0"/>
+              <a:ext cx="1219200" cy="6858000"/>
+            </a:xfrm>
+            <a:prstGeom prst="line">
+              <a:avLst/>
+            </a:prstGeom>
+            <a:ln w="9525">
+              <a:solidFill>
+                <a:schemeClr val="accent1">
+                  <a:alpha val="70000"/>
+                </a:schemeClr>
+              </a:solidFill>
+            </a:ln>
+          </p:spPr>
+          <p:style>
+            <a:lnRef idx="2">
+              <a:schemeClr val="accent1"/>
+            </a:lnRef>
+            <a:fillRef idx="0">
+              <a:schemeClr val="accent1"/>
+            </a:fillRef>
+            <a:effectRef idx="1">
+              <a:schemeClr val="accent1"/>
+            </a:effectRef>
+            <a:fontRef idx="minor">
+              <a:schemeClr val="tx1"/>
+            </a:fontRef>
+          </p:style>
+        </p:cxnSp>
+        <p:cxnSp>
+          <p:nvCxnSpPr>
+            <p:cNvPr id="20" name="Straight Connector 19"/>
+            <p:cNvCxnSpPr/>
+            <p:nvPr/>
+          </p:nvCxnSpPr>
+          <p:spPr>
+            <a:xfrm flipH="1">
+              <a:off x="7425267" y="3681413"/>
+              <a:ext cx="4763558" cy="3176587"/>
+            </a:xfrm>
+            <a:prstGeom prst="line">
+              <a:avLst/>
+            </a:prstGeom>
+            <a:ln w="9525">
+              <a:solidFill>
+                <a:schemeClr val="accent1">
+                  <a:alpha val="70000"/>
+                </a:schemeClr>
+              </a:solidFill>
+            </a:ln>
+          </p:spPr>
+          <p:style>
+            <a:lnRef idx="2">
+              <a:schemeClr val="accent1"/>
+            </a:lnRef>
+            <a:fillRef idx="0">
+              <a:schemeClr val="accent1"/>
+            </a:fillRef>
+            <a:effectRef idx="1">
+              <a:schemeClr val="accent1"/>
+            </a:effectRef>
+            <a:fontRef idx="minor">
+              <a:schemeClr val="tx1"/>
+            </a:fontRef>
+          </p:style>
+        </p:cxnSp>
+        <p:sp>
+          <p:nvSpPr>
+            <p:cNvPr id="21" name="Rectangle 23"/>
+            <p:cNvSpPr/>
+            <p:nvPr/>
+          </p:nvSpPr>
+          <p:spPr>
+            <a:xfrm>
+              <a:off x="9181476" y="-8467"/>
+              <a:ext cx="3007349" cy="6866467"/>
+            </a:xfrm>
+            <a:custGeom>
+              <a:avLst/>
+              <a:gdLst/>
+              <a:ahLst/>
+              <a:cxnLst/>
+              <a:rect l="l" t="t" r="r" b="b"/>
+              <a:pathLst>
+                <a:path w="3007349" h="6866467">
+                  <a:moveTo>
+                    <a:pt x="2045532" y="0"/>
+                  </a:moveTo>
+                  <a:lnTo>
+                    <a:pt x="3007349" y="0"/>
+                  </a:lnTo>
+                  <a:lnTo>
+                    <a:pt x="3007349" y="6866467"/>
+                  </a:lnTo>
+                  <a:lnTo>
+                    <a:pt x="0" y="6866467"/>
+                  </a:lnTo>
+                  <a:lnTo>
+                    <a:pt x="2045532" y="0"/>
+                  </a:lnTo>
+                  <a:close/>
+                </a:path>
+              </a:pathLst>
+            </a:custGeom>
+            <a:solidFill>
+              <a:schemeClr val="accent1">
+                <a:alpha val="36000"/>
+              </a:schemeClr>
+            </a:solidFill>
+            <a:ln>
+              <a:noFill/>
+            </a:ln>
+            <a:effectLst/>
+          </p:spPr>
+          <p:style>
+            <a:lnRef idx="1">
+              <a:schemeClr val="accent1"/>
+            </a:lnRef>
+            <a:fillRef idx="3">
+              <a:schemeClr val="accent1"/>
+            </a:fillRef>
+            <a:effectRef idx="2">
+              <a:schemeClr val="accent1"/>
+            </a:effectRef>
+            <a:fontRef idx="minor">
+              <a:schemeClr val="lt1"/>
+            </a:fontRef>
+          </p:style>
+        </p:sp>
+        <p:sp>
+          <p:nvSpPr>
+            <p:cNvPr id="22" name="Rectangle 25"/>
+            <p:cNvSpPr/>
+            <p:nvPr/>
+          </p:nvSpPr>
+          <p:spPr>
+            <a:xfrm>
+              <a:off x="9603442" y="-8467"/>
+              <a:ext cx="2588558" cy="6866467"/>
+            </a:xfrm>
+            <a:custGeom>
+              <a:avLst/>
+              <a:gdLst/>
+              <a:ahLst/>
+              <a:cxnLst/>
+              <a:rect l="l" t="t" r="r" b="b"/>
+              <a:pathLst>
+                <a:path w="2573311" h="6866467">
+                  <a:moveTo>
+                    <a:pt x="0" y="0"/>
+                  </a:moveTo>
+                  <a:lnTo>
+                    <a:pt x="2573311" y="0"/>
+                  </a:lnTo>
+                  <a:lnTo>
+                    <a:pt x="2573311" y="6866467"/>
+                  </a:lnTo>
+                  <a:lnTo>
+                    <a:pt x="1202336" y="6866467"/>
+                  </a:lnTo>
+                  <a:lnTo>
+                    <a:pt x="0" y="0"/>
+                  </a:lnTo>
+                  <a:close/>
+                </a:path>
+              </a:pathLst>
+            </a:custGeom>
+            <a:solidFill>
+              <a:schemeClr val="accent1">
+                <a:alpha val="20000"/>
+              </a:schemeClr>
+            </a:solidFill>
+            <a:ln>
+              <a:noFill/>
+            </a:ln>
+            <a:effectLst/>
+          </p:spPr>
+          <p:style>
+            <a:lnRef idx="1">
+              <a:schemeClr val="accent1"/>
+            </a:lnRef>
+            <a:fillRef idx="3">
+              <a:schemeClr val="accent1"/>
+            </a:fillRef>
+            <a:effectRef idx="2">
+              <a:schemeClr val="accent1"/>
+            </a:effectRef>
+            <a:fontRef idx="minor">
+              <a:schemeClr val="lt1"/>
+            </a:fontRef>
+          </p:style>
+        </p:sp>
+        <p:sp>
+          <p:nvSpPr>
+            <p:cNvPr id="23" name="Isosceles Triangle 22"/>
+            <p:cNvSpPr/>
+            <p:nvPr/>
+          </p:nvSpPr>
+          <p:spPr>
+            <a:xfrm>
+              <a:off x="8932333" y="3048000"/>
+              <a:ext cx="3259667" cy="3810000"/>
+            </a:xfrm>
+            <a:prstGeom prst="triangle">
+              <a:avLst>
+                <a:gd name="adj" fmla="val 100000"/>
+              </a:avLst>
+            </a:prstGeom>
+            <a:solidFill>
+              <a:schemeClr val="accent1">
+                <a:lumMod val="75000"/>
+                <a:alpha val="66000"/>
+              </a:schemeClr>
+            </a:solidFill>
+            <a:ln>
+              <a:noFill/>
+            </a:ln>
+            <a:effectLst/>
+          </p:spPr>
+          <p:style>
+            <a:lnRef idx="1">
+              <a:schemeClr val="accent1"/>
+            </a:lnRef>
+            <a:fillRef idx="3">
+              <a:schemeClr val="accent1"/>
+            </a:fillRef>
+            <a:effectRef idx="2">
+              <a:schemeClr val="accent1"/>
+            </a:effectRef>
+            <a:fontRef idx="minor">
+              <a:schemeClr val="lt1"/>
+            </a:fontRef>
+          </p:style>
+        </p:sp>
+        <p:sp>
+          <p:nvSpPr>
+            <p:cNvPr id="24" name="Rectangle 27"/>
+            <p:cNvSpPr/>
+            <p:nvPr/>
+          </p:nvSpPr>
+          <p:spPr>
+            <a:xfrm>
+              <a:off x="9334500" y="-8467"/>
+              <a:ext cx="2854326" cy="6866467"/>
+            </a:xfrm>
+            <a:custGeom>
+              <a:avLst/>
+              <a:gdLst/>
+              <a:ahLst/>
+              <a:cxnLst/>
+              <a:rect l="l" t="t" r="r" b="b"/>
+              <a:pathLst>
+                <a:path w="2858013" h="6866467">
+                  <a:moveTo>
+                    <a:pt x="0" y="0"/>
+                  </a:moveTo>
+                  <a:lnTo>
+                    <a:pt x="2858013" y="0"/>
+                  </a:lnTo>
+                  <a:lnTo>
+                    <a:pt x="2858013" y="6866467"/>
+                  </a:lnTo>
+                  <a:lnTo>
+                    <a:pt x="2473942" y="6866467"/>
+                  </a:lnTo>
+                  <a:lnTo>
+                    <a:pt x="0" y="0"/>
+                  </a:lnTo>
+                  <a:close/>
+                </a:path>
+              </a:pathLst>
+            </a:custGeom>
+            <a:solidFill>
+              <a:schemeClr val="accent1">
+                <a:lumMod val="75000"/>
+                <a:alpha val="50000"/>
+              </a:schemeClr>
+            </a:solidFill>
+            <a:ln>
+              <a:noFill/>
+            </a:ln>
+            <a:effectLst/>
+          </p:spPr>
+          <p:style>
+            <a:lnRef idx="1">
+              <a:schemeClr val="accent1"/>
+            </a:lnRef>
+            <a:fillRef idx="3">
+              <a:schemeClr val="accent1"/>
+            </a:fillRef>
+            <a:effectRef idx="2">
+              <a:schemeClr val="accent1"/>
+            </a:effectRef>
+            <a:fontRef idx="minor">
+              <a:schemeClr val="lt1"/>
+            </a:fontRef>
+          </p:style>
+        </p:sp>
+        <p:sp>
+          <p:nvSpPr>
+            <p:cNvPr id="25" name="Rectangle 28"/>
+            <p:cNvSpPr/>
+            <p:nvPr/>
+          </p:nvSpPr>
+          <p:spPr>
+            <a:xfrm>
+              <a:off x="10898730" y="-8467"/>
+              <a:ext cx="1290094" cy="6866467"/>
+            </a:xfrm>
+            <a:custGeom>
+              <a:avLst/>
+              <a:gdLst/>
+              <a:ahLst/>
+              <a:cxnLst/>
+              <a:rect l="l" t="t" r="r" b="b"/>
+              <a:pathLst>
+                <a:path w="1290094" h="6858000">
+                  <a:moveTo>
+                    <a:pt x="1019735" y="0"/>
+                  </a:moveTo>
+                  <a:lnTo>
+                    <a:pt x="1290094" y="0"/>
+                  </a:lnTo>
+                  <a:lnTo>
+                    <a:pt x="1290094" y="6858000"/>
+                  </a:lnTo>
+                  <a:lnTo>
+                    <a:pt x="0" y="6858000"/>
+                  </a:lnTo>
+                  <a:lnTo>
+                    <a:pt x="1019735" y="0"/>
+                  </a:lnTo>
+                  <a:close/>
+                </a:path>
+              </a:pathLst>
+            </a:custGeom>
+            <a:solidFill>
+              <a:schemeClr val="accent2">
+                <a:alpha val="70000"/>
+              </a:schemeClr>
+            </a:solidFill>
+            <a:ln>
+              <a:noFill/>
+            </a:ln>
+            <a:effectLst/>
+          </p:spPr>
+          <p:style>
+            <a:lnRef idx="1">
+              <a:schemeClr val="accent1"/>
+            </a:lnRef>
+            <a:fillRef idx="3">
+              <a:schemeClr val="accent1"/>
+            </a:fillRef>
+            <a:effectRef idx="2">
+              <a:schemeClr val="accent1"/>
+            </a:effectRef>
+            <a:fontRef idx="minor">
+              <a:schemeClr val="lt1"/>
+            </a:fontRef>
+          </p:style>
+        </p:sp>
+        <p:sp>
+          <p:nvSpPr>
+            <p:cNvPr id="26" name="Rectangle 29"/>
+            <p:cNvSpPr/>
+            <p:nvPr/>
+          </p:nvSpPr>
+          <p:spPr>
+            <a:xfrm>
+              <a:off x="10938999" y="-8467"/>
+              <a:ext cx="1249825" cy="6866467"/>
+            </a:xfrm>
+            <a:custGeom>
+              <a:avLst/>
+              <a:gdLst/>
+              <a:ahLst/>
+              <a:cxnLst/>
+              <a:rect l="l" t="t" r="r" b="b"/>
+              <a:pathLst>
+                <a:path w="1249825" h="6858000">
+                  <a:moveTo>
+                    <a:pt x="0" y="0"/>
+                  </a:moveTo>
+                  <a:lnTo>
+                    <a:pt x="1249825" y="0"/>
+                  </a:lnTo>
+                  <a:lnTo>
+                    <a:pt x="1249825" y="6858000"/>
+                  </a:lnTo>
+                  <a:lnTo>
+                    <a:pt x="1109382" y="6858000"/>
+                  </a:lnTo>
+                  <a:lnTo>
+                    <a:pt x="0" y="0"/>
+                  </a:lnTo>
+                  <a:close/>
+                </a:path>
+              </a:pathLst>
+            </a:custGeom>
+            <a:solidFill>
+              <a:schemeClr val="accent2">
+                <a:lumMod val="75000"/>
+                <a:alpha val="80000"/>
+              </a:schemeClr>
+            </a:solidFill>
+            <a:ln>
+              <a:noFill/>
+            </a:ln>
+            <a:effectLst/>
+          </p:spPr>
+          <p:style>
+            <a:lnRef idx="1">
+              <a:schemeClr val="accent1"/>
+            </a:lnRef>
+            <a:fillRef idx="3">
+              <a:schemeClr val="accent1"/>
+            </a:fillRef>
+            <a:effectRef idx="2">
+              <a:schemeClr val="accent1"/>
+            </a:effectRef>
+            <a:fontRef idx="minor">
+              <a:schemeClr val="lt1"/>
+            </a:fontRef>
+          </p:style>
+        </p:sp>
+        <p:sp>
+          <p:nvSpPr>
+            <p:cNvPr id="27" name="Isosceles Triangle 26"/>
+            <p:cNvSpPr/>
+            <p:nvPr/>
+          </p:nvSpPr>
+          <p:spPr>
+            <a:xfrm>
+              <a:off x="10371666" y="3589867"/>
+              <a:ext cx="1817159" cy="3268133"/>
+            </a:xfrm>
+            <a:prstGeom prst="triangle">
+              <a:avLst>
+                <a:gd name="adj" fmla="val 100000"/>
+              </a:avLst>
+            </a:prstGeom>
+            <a:solidFill>
+              <a:schemeClr val="accent1">
+                <a:lumMod val="75000"/>
+                <a:alpha val="66000"/>
+              </a:schemeClr>
+            </a:solidFill>
+            <a:ln>
+              <a:noFill/>
+            </a:ln>
+            <a:effectLst/>
+          </p:spPr>
+          <p:style>
+            <a:lnRef idx="1">
+              <a:schemeClr val="accent1"/>
+            </a:lnRef>
+            <a:fillRef idx="3">
+              <a:schemeClr val="accent1"/>
+            </a:fillRef>
+            <a:effectRef idx="2">
+              <a:schemeClr val="accent1"/>
+            </a:effectRef>
+            <a:fontRef idx="minor">
+              <a:schemeClr val="lt1"/>
+            </a:fontRef>
+          </p:style>
+        </p:sp>
+      </p:grpSp>
+      <p:sp>
+        <p:nvSpPr>
+          <p:cNvPr id="2" name="Title 1"/>
           <p:cNvSpPr>
             <a:spLocks noGrp="1"/>
           </p:cNvSpPr>
@@ -142,15 +704,21 @@
         </p:nvSpPr>
         <p:spPr>
           <a:xfrm>
-            <a:off x="1524000" y="1122363"/>
-            <a:ext cx="9144000" cy="2387600"/>
+            <a:off x="1507067" y="2404534"/>
+            <a:ext cx="7766936" cy="1646302"/>
           </a:xfrm>
         </p:spPr>
         <p:txBody>
-          <a:bodyPr anchor="b"/>
+          <a:bodyPr anchor="b">
+            <a:noAutofit/>
+          </a:bodyPr>
           <a:lstStyle>
-            <a:lvl1pPr algn="ctr">
-              <a:defRPr sz="6000"/>
+            <a:lvl1pPr algn="r">
+              <a:defRPr sz="5400">
+                <a:solidFill>
+                  <a:schemeClr val="accent1"/>
+                </a:solidFill>
+              </a:defRPr>
             </a:lvl1pPr>
           </a:lstStyle>
           <a:p>
@@ -158,18 +726,13 @@
               <a:rPr lang="ko-KR" altLang="en-US"/>
               <a:t>마스터 제목 스타일 편집</a:t>
             </a:r>
-          </a:p>
-        </p:txBody>
-      </p:sp>
-      <p:sp>
-        <p:nvSpPr>
-          <p:cNvPr id="3" name="부제목 2">
-            <a:extLst>
-              <a:ext uri="{FF2B5EF4-FFF2-40B4-BE49-F238E27FC236}">
-                <a16:creationId xmlns:a16="http://schemas.microsoft.com/office/drawing/2014/main" id="{1BD8BB73-C4F5-4519-9B49-DDFBAB38FC0C}"/>
-              </a:ext>
-            </a:extLst>
-          </p:cNvPr>
+            <a:endParaRPr lang="en-US" dirty="0"/>
+          </a:p>
+        </p:txBody>
+      </p:sp>
+      <p:sp>
+        <p:nvSpPr>
+          <p:cNvPr id="3" name="Subtitle 2"/>
           <p:cNvSpPr>
             <a:spLocks noGrp="1"/>
           </p:cNvSpPr>
@@ -179,48 +742,103 @@
         </p:nvSpPr>
         <p:spPr>
           <a:xfrm>
-            <a:off x="1524000" y="3602038"/>
-            <a:ext cx="9144000" cy="1655762"/>
+            <a:off x="1507067" y="4050833"/>
+            <a:ext cx="7766936" cy="1096899"/>
           </a:xfrm>
         </p:spPr>
         <p:txBody>
-          <a:bodyPr/>
+          <a:bodyPr anchor="t"/>
           <a:lstStyle>
-            <a:lvl1pPr marL="0" indent="0" algn="ctr">
-              <a:buNone/>
-              <a:defRPr sz="2400"/>
+            <a:lvl1pPr marL="0" indent="0" algn="r">
+              <a:buNone/>
+              <a:defRPr>
+                <a:solidFill>
+                  <a:schemeClr val="tx1">
+                    <a:lumMod val="50000"/>
+                    <a:lumOff val="50000"/>
+                  </a:schemeClr>
+                </a:solidFill>
+              </a:defRPr>
             </a:lvl1pPr>
             <a:lvl2pPr marL="457200" indent="0" algn="ctr">
               <a:buNone/>
-              <a:defRPr sz="2000"/>
+              <a:defRPr>
+                <a:solidFill>
+                  <a:schemeClr val="tx1">
+                    <a:tint val="75000"/>
+                  </a:schemeClr>
+                </a:solidFill>
+              </a:defRPr>
             </a:lvl2pPr>
             <a:lvl3pPr marL="914400" indent="0" algn="ctr">
               <a:buNone/>
-              <a:defRPr sz="1800"/>
+              <a:defRPr>
+                <a:solidFill>
+                  <a:schemeClr val="tx1">
+                    <a:tint val="75000"/>
+                  </a:schemeClr>
+                </a:solidFill>
+              </a:defRPr>
             </a:lvl3pPr>
             <a:lvl4pPr marL="1371600" indent="0" algn="ctr">
               <a:buNone/>
-              <a:defRPr sz="1600"/>
+              <a:defRPr>
+                <a:solidFill>
+                  <a:schemeClr val="tx1">
+                    <a:tint val="75000"/>
+                  </a:schemeClr>
+                </a:solidFill>
+              </a:defRPr>
             </a:lvl4pPr>
             <a:lvl5pPr marL="1828800" indent="0" algn="ctr">
               <a:buNone/>
-              <a:defRPr sz="1600"/>
+              <a:defRPr>
+                <a:solidFill>
+                  <a:schemeClr val="tx1">
+                    <a:tint val="75000"/>
+                  </a:schemeClr>
+                </a:solidFill>
+              </a:defRPr>
             </a:lvl5pPr>
             <a:lvl6pPr marL="2286000" indent="0" algn="ctr">
               <a:buNone/>
-              <a:defRPr sz="1600"/>
+              <a:defRPr>
+                <a:solidFill>
+                  <a:schemeClr val="tx1">
+                    <a:tint val="75000"/>
+                  </a:schemeClr>
+                </a:solidFill>
+              </a:defRPr>
             </a:lvl6pPr>
             <a:lvl7pPr marL="2743200" indent="0" algn="ctr">
               <a:buNone/>
-              <a:defRPr sz="1600"/>
+              <a:defRPr>
+                <a:solidFill>
+                  <a:schemeClr val="tx1">
+                    <a:tint val="75000"/>
+                  </a:schemeClr>
+                </a:solidFill>
+              </a:defRPr>
             </a:lvl7pPr>
             <a:lvl8pPr marL="3200400" indent="0" algn="ctr">
               <a:buNone/>
-              <a:defRPr sz="1600"/>
+              <a:defRPr>
+                <a:solidFill>
+                  <a:schemeClr val="tx1">
+                    <a:tint val="75000"/>
+                  </a:schemeClr>
+                </a:solidFill>
+              </a:defRPr>
             </a:lvl8pPr>
             <a:lvl9pPr marL="3657600" indent="0" algn="ctr">
               <a:buNone/>
-              <a:defRPr sz="1600"/>
+              <a:defRPr>
+                <a:solidFill>
+                  <a:schemeClr val="tx1">
+                    <a:tint val="75000"/>
+                  </a:schemeClr>
+                </a:solidFill>
+              </a:defRPr>
             </a:lvl9pPr>
           </a:lstStyle>
           <a:p>
@@ -228,18 +846,13 @@
               <a:rPr lang="ko-KR" altLang="en-US"/>
               <a:t>클릭하여 마스터 부제목 스타일 편집</a:t>
             </a:r>
-          </a:p>
-        </p:txBody>
-      </p:sp>
-      <p:sp>
-        <p:nvSpPr>
-          <p:cNvPr id="4" name="날짜 개체 틀 3">
-            <a:extLst>
-              <a:ext uri="{FF2B5EF4-FFF2-40B4-BE49-F238E27FC236}">
-                <a16:creationId xmlns:a16="http://schemas.microsoft.com/office/drawing/2014/main" id="{3E061805-F7C2-4625-B87D-A1CAF4A720E4}"/>
-              </a:ext>
-            </a:extLst>
-          </p:cNvPr>
+            <a:endParaRPr lang="en-US" dirty="0"/>
+          </a:p>
+        </p:txBody>
+      </p:sp>
+      <p:sp>
+        <p:nvSpPr>
+          <p:cNvPr id="4" name="Date Placeholder 3"/>
           <p:cNvSpPr>
             <a:spLocks noGrp="1"/>
           </p:cNvSpPr>
@@ -254,7 +867,7 @@
           <a:p>
             <a:fld id="{402C38B8-41F2-4D74-919D-0994AD1C37C3}" type="datetimeFigureOut">
               <a:rPr lang="ko-KR" altLang="en-US" smtClean="0"/>
-              <a:t>2021-06-24</a:t>
+              <a:t>2021-07-02</a:t>
             </a:fld>
             <a:endParaRPr lang="ko-KR" altLang="en-US"/>
           </a:p>
@@ -262,13 +875,7 @@
       </p:sp>
       <p:sp>
         <p:nvSpPr>
-          <p:cNvPr id="5" name="바닥글 개체 틀 4">
-            <a:extLst>
-              <a:ext uri="{FF2B5EF4-FFF2-40B4-BE49-F238E27FC236}">
-                <a16:creationId xmlns:a16="http://schemas.microsoft.com/office/drawing/2014/main" id="{7661EF31-96D7-404B-8652-F8BDD2A93947}"/>
-              </a:ext>
-            </a:extLst>
-          </p:cNvPr>
+          <p:cNvPr id="5" name="Footer Placeholder 4"/>
           <p:cNvSpPr>
             <a:spLocks noGrp="1"/>
           </p:cNvSpPr>
@@ -287,13 +894,7 @@
       </p:sp>
       <p:sp>
         <p:nvSpPr>
-          <p:cNvPr id="6" name="슬라이드 번호 개체 틀 5">
-            <a:extLst>
-              <a:ext uri="{FF2B5EF4-FFF2-40B4-BE49-F238E27FC236}">
-                <a16:creationId xmlns:a16="http://schemas.microsoft.com/office/drawing/2014/main" id="{4F47B243-495E-4FB9-9159-7EC4AE2469E3}"/>
-              </a:ext>
-            </a:extLst>
-          </p:cNvPr>
+          <p:cNvPr id="6" name="Slide Number Placeholder 5"/>
           <p:cNvSpPr>
             <a:spLocks noGrp="1"/>
           </p:cNvSpPr>
@@ -317,7 +918,7 @@
     </p:spTree>
     <p:extLst>
       <p:ext uri="{BB962C8B-B14F-4D97-AF65-F5344CB8AC3E}">
-        <p14:creationId xmlns:p14="http://schemas.microsoft.com/office/powerpoint/2010/main" val="3528376324"/>
+        <p14:creationId xmlns:p14="http://schemas.microsoft.com/office/powerpoint/2010/main" val="3250003160"/>
       </p:ext>
     </p:extLst>
   </p:cSld>
@@ -328,6 +929,1611 @@
 </file>
 
 <file path=ppt/slideLayouts/slideLayout10.xml><?xml version="1.0" encoding="utf-8"?>
+<p:sldLayout xmlns:a="http://schemas.openxmlformats.org/drawingml/2006/main" xmlns:r="http://schemas.openxmlformats.org/officeDocument/2006/relationships" xmlns:p="http://schemas.openxmlformats.org/presentationml/2006/main" preserve="1">
+  <p:cSld name="제목 및 캡션">
+    <p:spTree>
+      <p:nvGrpSpPr>
+        <p:cNvPr id="1" name=""/>
+        <p:cNvGrpSpPr/>
+        <p:nvPr/>
+      </p:nvGrpSpPr>
+      <p:grpSpPr>
+        <a:xfrm>
+          <a:off x="0" y="0"/>
+          <a:ext cx="0" cy="0"/>
+          <a:chOff x="0" y="0"/>
+          <a:chExt cx="0" cy="0"/>
+        </a:xfrm>
+      </p:grpSpPr>
+      <p:sp>
+        <p:nvSpPr>
+          <p:cNvPr id="2" name="Title 1"/>
+          <p:cNvSpPr>
+            <a:spLocks noGrp="1"/>
+          </p:cNvSpPr>
+          <p:nvPr>
+            <p:ph type="title"/>
+          </p:nvPr>
+        </p:nvSpPr>
+        <p:spPr>
+          <a:xfrm>
+            <a:off x="677335" y="609600"/>
+            <a:ext cx="8596668" cy="3403600"/>
+          </a:xfrm>
+        </p:spPr>
+        <p:txBody>
+          <a:bodyPr anchor="ctr">
+            <a:normAutofit/>
+          </a:bodyPr>
+          <a:lstStyle>
+            <a:lvl1pPr algn="l">
+              <a:defRPr sz="4400" b="0" cap="none"/>
+            </a:lvl1pPr>
+          </a:lstStyle>
+          <a:p>
+            <a:r>
+              <a:rPr lang="ko-KR" altLang="en-US"/>
+              <a:t>마스터 제목 스타일 편집</a:t>
+            </a:r>
+            <a:endParaRPr lang="en-US" dirty="0"/>
+          </a:p>
+        </p:txBody>
+      </p:sp>
+      <p:sp>
+        <p:nvSpPr>
+          <p:cNvPr id="3" name="Text Placeholder 2"/>
+          <p:cNvSpPr>
+            <a:spLocks noGrp="1"/>
+          </p:cNvSpPr>
+          <p:nvPr>
+            <p:ph type="body" idx="1"/>
+          </p:nvPr>
+        </p:nvSpPr>
+        <p:spPr>
+          <a:xfrm>
+            <a:off x="677335" y="4470400"/>
+            <a:ext cx="8596668" cy="1570962"/>
+          </a:xfrm>
+        </p:spPr>
+        <p:txBody>
+          <a:bodyPr anchor="ctr">
+            <a:normAutofit/>
+          </a:bodyPr>
+          <a:lstStyle>
+            <a:lvl1pPr marL="0" indent="0" algn="l">
+              <a:buNone/>
+              <a:defRPr sz="1800">
+                <a:solidFill>
+                  <a:schemeClr val="tx1">
+                    <a:lumMod val="75000"/>
+                    <a:lumOff val="25000"/>
+                  </a:schemeClr>
+                </a:solidFill>
+              </a:defRPr>
+            </a:lvl1pPr>
+            <a:lvl2pPr marL="457200" indent="0">
+              <a:buNone/>
+              <a:defRPr sz="1800">
+                <a:solidFill>
+                  <a:schemeClr val="tx1">
+                    <a:tint val="75000"/>
+                  </a:schemeClr>
+                </a:solidFill>
+              </a:defRPr>
+            </a:lvl2pPr>
+            <a:lvl3pPr marL="914400" indent="0">
+              <a:buNone/>
+              <a:defRPr sz="1600">
+                <a:solidFill>
+                  <a:schemeClr val="tx1">
+                    <a:tint val="75000"/>
+                  </a:schemeClr>
+                </a:solidFill>
+              </a:defRPr>
+            </a:lvl3pPr>
+            <a:lvl4pPr marL="1371600" indent="0">
+              <a:buNone/>
+              <a:defRPr sz="1400">
+                <a:solidFill>
+                  <a:schemeClr val="tx1">
+                    <a:tint val="75000"/>
+                  </a:schemeClr>
+                </a:solidFill>
+              </a:defRPr>
+            </a:lvl4pPr>
+            <a:lvl5pPr marL="1828800" indent="0">
+              <a:buNone/>
+              <a:defRPr sz="1400">
+                <a:solidFill>
+                  <a:schemeClr val="tx1">
+                    <a:tint val="75000"/>
+                  </a:schemeClr>
+                </a:solidFill>
+              </a:defRPr>
+            </a:lvl5pPr>
+            <a:lvl6pPr marL="2286000" indent="0">
+              <a:buNone/>
+              <a:defRPr sz="1400">
+                <a:solidFill>
+                  <a:schemeClr val="tx1">
+                    <a:tint val="75000"/>
+                  </a:schemeClr>
+                </a:solidFill>
+              </a:defRPr>
+            </a:lvl6pPr>
+            <a:lvl7pPr marL="2743200" indent="0">
+              <a:buNone/>
+              <a:defRPr sz="1400">
+                <a:solidFill>
+                  <a:schemeClr val="tx1">
+                    <a:tint val="75000"/>
+                  </a:schemeClr>
+                </a:solidFill>
+              </a:defRPr>
+            </a:lvl7pPr>
+            <a:lvl8pPr marL="3200400" indent="0">
+              <a:buNone/>
+              <a:defRPr sz="1400">
+                <a:solidFill>
+                  <a:schemeClr val="tx1">
+                    <a:tint val="75000"/>
+                  </a:schemeClr>
+                </a:solidFill>
+              </a:defRPr>
+            </a:lvl8pPr>
+            <a:lvl9pPr marL="3657600" indent="0">
+              <a:buNone/>
+              <a:defRPr sz="1400">
+                <a:solidFill>
+                  <a:schemeClr val="tx1">
+                    <a:tint val="75000"/>
+                  </a:schemeClr>
+                </a:solidFill>
+              </a:defRPr>
+            </a:lvl9pPr>
+          </a:lstStyle>
+          <a:p>
+            <a:pPr lvl="0"/>
+            <a:r>
+              <a:rPr lang="ko-KR" altLang="en-US"/>
+              <a:t>마스터 텍스트 스타일을 편집하려면 클릭</a:t>
+            </a:r>
+          </a:p>
+        </p:txBody>
+      </p:sp>
+      <p:sp>
+        <p:nvSpPr>
+          <p:cNvPr id="4" name="Date Placeholder 3"/>
+          <p:cNvSpPr>
+            <a:spLocks noGrp="1"/>
+          </p:cNvSpPr>
+          <p:nvPr>
+            <p:ph type="dt" sz="half" idx="10"/>
+          </p:nvPr>
+        </p:nvSpPr>
+        <p:spPr/>
+        <p:txBody>
+          <a:bodyPr/>
+          <a:lstStyle/>
+          <a:p>
+            <a:fld id="{402C38B8-41F2-4D74-919D-0994AD1C37C3}" type="datetimeFigureOut">
+              <a:rPr lang="ko-KR" altLang="en-US" smtClean="0"/>
+              <a:t>2021-07-02</a:t>
+            </a:fld>
+            <a:endParaRPr lang="ko-KR" altLang="en-US"/>
+          </a:p>
+        </p:txBody>
+      </p:sp>
+      <p:sp>
+        <p:nvSpPr>
+          <p:cNvPr id="5" name="Footer Placeholder 4"/>
+          <p:cNvSpPr>
+            <a:spLocks noGrp="1"/>
+          </p:cNvSpPr>
+          <p:nvPr>
+            <p:ph type="ftr" sz="quarter" idx="11"/>
+          </p:nvPr>
+        </p:nvSpPr>
+        <p:spPr/>
+        <p:txBody>
+          <a:bodyPr/>
+          <a:lstStyle/>
+          <a:p>
+            <a:endParaRPr lang="ko-KR" altLang="en-US"/>
+          </a:p>
+        </p:txBody>
+      </p:sp>
+      <p:sp>
+        <p:nvSpPr>
+          <p:cNvPr id="6" name="Slide Number Placeholder 5"/>
+          <p:cNvSpPr>
+            <a:spLocks noGrp="1"/>
+          </p:cNvSpPr>
+          <p:nvPr>
+            <p:ph type="sldNum" sz="quarter" idx="12"/>
+          </p:nvPr>
+        </p:nvSpPr>
+        <p:spPr/>
+        <p:txBody>
+          <a:bodyPr/>
+          <a:lstStyle/>
+          <a:p>
+            <a:fld id="{4C7728B2-939A-4792-8A4E-3D762B1E55E3}" type="slidenum">
+              <a:rPr lang="ko-KR" altLang="en-US" smtClean="0"/>
+              <a:t>‹#›</a:t>
+            </a:fld>
+            <a:endParaRPr lang="ko-KR" altLang="en-US"/>
+          </a:p>
+        </p:txBody>
+      </p:sp>
+    </p:spTree>
+    <p:extLst>
+      <p:ext uri="{BB962C8B-B14F-4D97-AF65-F5344CB8AC3E}">
+        <p14:creationId xmlns:p14="http://schemas.microsoft.com/office/powerpoint/2010/main" val="1154361768"/>
+      </p:ext>
+    </p:extLst>
+  </p:cSld>
+  <p:clrMapOvr>
+    <a:masterClrMapping/>
+  </p:clrMapOvr>
+</p:sldLayout>
+</file>
+
+<file path=ppt/slideLayouts/slideLayout11.xml><?xml version="1.0" encoding="utf-8"?>
+<p:sldLayout xmlns:a="http://schemas.openxmlformats.org/drawingml/2006/main" xmlns:r="http://schemas.openxmlformats.org/officeDocument/2006/relationships" xmlns:p="http://schemas.openxmlformats.org/presentationml/2006/main" preserve="1">
+  <p:cSld name="캡션 있는 인용문">
+    <p:spTree>
+      <p:nvGrpSpPr>
+        <p:cNvPr id="1" name=""/>
+        <p:cNvGrpSpPr/>
+        <p:nvPr/>
+      </p:nvGrpSpPr>
+      <p:grpSpPr>
+        <a:xfrm>
+          <a:off x="0" y="0"/>
+          <a:ext cx="0" cy="0"/>
+          <a:chOff x="0" y="0"/>
+          <a:chExt cx="0" cy="0"/>
+        </a:xfrm>
+      </p:grpSpPr>
+      <p:sp>
+        <p:nvSpPr>
+          <p:cNvPr id="2" name="Title 1"/>
+          <p:cNvSpPr>
+            <a:spLocks noGrp="1"/>
+          </p:cNvSpPr>
+          <p:nvPr>
+            <p:ph type="title"/>
+          </p:nvPr>
+        </p:nvSpPr>
+        <p:spPr>
+          <a:xfrm>
+            <a:off x="931334" y="609600"/>
+            <a:ext cx="8094134" cy="3022600"/>
+          </a:xfrm>
+        </p:spPr>
+        <p:txBody>
+          <a:bodyPr anchor="ctr">
+            <a:normAutofit/>
+          </a:bodyPr>
+          <a:lstStyle>
+            <a:lvl1pPr algn="l">
+              <a:defRPr sz="4400" b="0" cap="none"/>
+            </a:lvl1pPr>
+          </a:lstStyle>
+          <a:p>
+            <a:r>
+              <a:rPr lang="ko-KR" altLang="en-US"/>
+              <a:t>마스터 제목 스타일 편집</a:t>
+            </a:r>
+            <a:endParaRPr lang="en-US" dirty="0"/>
+          </a:p>
+        </p:txBody>
+      </p:sp>
+      <p:sp>
+        <p:nvSpPr>
+          <p:cNvPr id="23" name="Text Placeholder 9"/>
+          <p:cNvSpPr>
+            <a:spLocks noGrp="1"/>
+          </p:cNvSpPr>
+          <p:nvPr>
+            <p:ph type="body" sz="quarter" idx="13"/>
+          </p:nvPr>
+        </p:nvSpPr>
+        <p:spPr>
+          <a:xfrm>
+            <a:off x="1366139" y="3632200"/>
+            <a:ext cx="7224524" cy="381000"/>
+          </a:xfrm>
+        </p:spPr>
+        <p:txBody>
+          <a:bodyPr anchor="ctr">
+            <a:noAutofit/>
+          </a:bodyPr>
+          <a:lstStyle>
+            <a:lvl1pPr marL="0" indent="0">
+              <a:buFontTx/>
+              <a:buNone/>
+              <a:defRPr sz="1600">
+                <a:solidFill>
+                  <a:schemeClr val="tx1">
+                    <a:lumMod val="50000"/>
+                    <a:lumOff val="50000"/>
+                  </a:schemeClr>
+                </a:solidFill>
+              </a:defRPr>
+            </a:lvl1pPr>
+            <a:lvl2pPr marL="457200" indent="0">
+              <a:buFontTx/>
+              <a:buNone/>
+              <a:defRPr/>
+            </a:lvl2pPr>
+            <a:lvl3pPr marL="914400" indent="0">
+              <a:buFontTx/>
+              <a:buNone/>
+              <a:defRPr/>
+            </a:lvl3pPr>
+            <a:lvl4pPr marL="1371600" indent="0">
+              <a:buFontTx/>
+              <a:buNone/>
+              <a:defRPr/>
+            </a:lvl4pPr>
+            <a:lvl5pPr marL="1828800" indent="0">
+              <a:buFontTx/>
+              <a:buNone/>
+              <a:defRPr/>
+            </a:lvl5pPr>
+          </a:lstStyle>
+          <a:p>
+            <a:pPr lvl="0"/>
+            <a:r>
+              <a:rPr lang="ko-KR" altLang="en-US"/>
+              <a:t>마스터 텍스트 스타일을 편집하려면 클릭</a:t>
+            </a:r>
+          </a:p>
+        </p:txBody>
+      </p:sp>
+      <p:sp>
+        <p:nvSpPr>
+          <p:cNvPr id="3" name="Text Placeholder 2"/>
+          <p:cNvSpPr>
+            <a:spLocks noGrp="1"/>
+          </p:cNvSpPr>
+          <p:nvPr>
+            <p:ph type="body" idx="1"/>
+          </p:nvPr>
+        </p:nvSpPr>
+        <p:spPr>
+          <a:xfrm>
+            <a:off x="677335" y="4470400"/>
+            <a:ext cx="8596668" cy="1570962"/>
+          </a:xfrm>
+        </p:spPr>
+        <p:txBody>
+          <a:bodyPr anchor="ctr">
+            <a:normAutofit/>
+          </a:bodyPr>
+          <a:lstStyle>
+            <a:lvl1pPr marL="0" indent="0" algn="l">
+              <a:buNone/>
+              <a:defRPr sz="1800">
+                <a:solidFill>
+                  <a:schemeClr val="tx1">
+                    <a:lumMod val="75000"/>
+                    <a:lumOff val="25000"/>
+                  </a:schemeClr>
+                </a:solidFill>
+              </a:defRPr>
+            </a:lvl1pPr>
+            <a:lvl2pPr marL="457200" indent="0">
+              <a:buNone/>
+              <a:defRPr sz="1800">
+                <a:solidFill>
+                  <a:schemeClr val="tx1">
+                    <a:tint val="75000"/>
+                  </a:schemeClr>
+                </a:solidFill>
+              </a:defRPr>
+            </a:lvl2pPr>
+            <a:lvl3pPr marL="914400" indent="0">
+              <a:buNone/>
+              <a:defRPr sz="1600">
+                <a:solidFill>
+                  <a:schemeClr val="tx1">
+                    <a:tint val="75000"/>
+                  </a:schemeClr>
+                </a:solidFill>
+              </a:defRPr>
+            </a:lvl3pPr>
+            <a:lvl4pPr marL="1371600" indent="0">
+              <a:buNone/>
+              <a:defRPr sz="1400">
+                <a:solidFill>
+                  <a:schemeClr val="tx1">
+                    <a:tint val="75000"/>
+                  </a:schemeClr>
+                </a:solidFill>
+              </a:defRPr>
+            </a:lvl4pPr>
+            <a:lvl5pPr marL="1828800" indent="0">
+              <a:buNone/>
+              <a:defRPr sz="1400">
+                <a:solidFill>
+                  <a:schemeClr val="tx1">
+                    <a:tint val="75000"/>
+                  </a:schemeClr>
+                </a:solidFill>
+              </a:defRPr>
+            </a:lvl5pPr>
+            <a:lvl6pPr marL="2286000" indent="0">
+              <a:buNone/>
+              <a:defRPr sz="1400">
+                <a:solidFill>
+                  <a:schemeClr val="tx1">
+                    <a:tint val="75000"/>
+                  </a:schemeClr>
+                </a:solidFill>
+              </a:defRPr>
+            </a:lvl6pPr>
+            <a:lvl7pPr marL="2743200" indent="0">
+              <a:buNone/>
+              <a:defRPr sz="1400">
+                <a:solidFill>
+                  <a:schemeClr val="tx1">
+                    <a:tint val="75000"/>
+                  </a:schemeClr>
+                </a:solidFill>
+              </a:defRPr>
+            </a:lvl7pPr>
+            <a:lvl8pPr marL="3200400" indent="0">
+              <a:buNone/>
+              <a:defRPr sz="1400">
+                <a:solidFill>
+                  <a:schemeClr val="tx1">
+                    <a:tint val="75000"/>
+                  </a:schemeClr>
+                </a:solidFill>
+              </a:defRPr>
+            </a:lvl8pPr>
+            <a:lvl9pPr marL="3657600" indent="0">
+              <a:buNone/>
+              <a:defRPr sz="1400">
+                <a:solidFill>
+                  <a:schemeClr val="tx1">
+                    <a:tint val="75000"/>
+                  </a:schemeClr>
+                </a:solidFill>
+              </a:defRPr>
+            </a:lvl9pPr>
+          </a:lstStyle>
+          <a:p>
+            <a:pPr lvl="0"/>
+            <a:r>
+              <a:rPr lang="ko-KR" altLang="en-US"/>
+              <a:t>마스터 텍스트 스타일을 편집하려면 클릭</a:t>
+            </a:r>
+          </a:p>
+        </p:txBody>
+      </p:sp>
+      <p:sp>
+        <p:nvSpPr>
+          <p:cNvPr id="4" name="Date Placeholder 3"/>
+          <p:cNvSpPr>
+            <a:spLocks noGrp="1"/>
+          </p:cNvSpPr>
+          <p:nvPr>
+            <p:ph type="dt" sz="half" idx="10"/>
+          </p:nvPr>
+        </p:nvSpPr>
+        <p:spPr/>
+        <p:txBody>
+          <a:bodyPr/>
+          <a:lstStyle/>
+          <a:p>
+            <a:fld id="{402C38B8-41F2-4D74-919D-0994AD1C37C3}" type="datetimeFigureOut">
+              <a:rPr lang="ko-KR" altLang="en-US" smtClean="0"/>
+              <a:t>2021-07-02</a:t>
+            </a:fld>
+            <a:endParaRPr lang="ko-KR" altLang="en-US"/>
+          </a:p>
+        </p:txBody>
+      </p:sp>
+      <p:sp>
+        <p:nvSpPr>
+          <p:cNvPr id="5" name="Footer Placeholder 4"/>
+          <p:cNvSpPr>
+            <a:spLocks noGrp="1"/>
+          </p:cNvSpPr>
+          <p:nvPr>
+            <p:ph type="ftr" sz="quarter" idx="11"/>
+          </p:nvPr>
+        </p:nvSpPr>
+        <p:spPr/>
+        <p:txBody>
+          <a:bodyPr/>
+          <a:lstStyle/>
+          <a:p>
+            <a:endParaRPr lang="ko-KR" altLang="en-US"/>
+          </a:p>
+        </p:txBody>
+      </p:sp>
+      <p:sp>
+        <p:nvSpPr>
+          <p:cNvPr id="6" name="Slide Number Placeholder 5"/>
+          <p:cNvSpPr>
+            <a:spLocks noGrp="1"/>
+          </p:cNvSpPr>
+          <p:nvPr>
+            <p:ph type="sldNum" sz="quarter" idx="12"/>
+          </p:nvPr>
+        </p:nvSpPr>
+        <p:spPr/>
+        <p:txBody>
+          <a:bodyPr/>
+          <a:lstStyle/>
+          <a:p>
+            <a:fld id="{4C7728B2-939A-4792-8A4E-3D762B1E55E3}" type="slidenum">
+              <a:rPr lang="ko-KR" altLang="en-US" smtClean="0"/>
+              <a:t>‹#›</a:t>
+            </a:fld>
+            <a:endParaRPr lang="ko-KR" altLang="en-US"/>
+          </a:p>
+        </p:txBody>
+      </p:sp>
+      <p:sp>
+        <p:nvSpPr>
+          <p:cNvPr id="24" name="TextBox 23"/>
+          <p:cNvSpPr txBox="1"/>
+          <p:nvPr/>
+        </p:nvSpPr>
+        <p:spPr>
+          <a:xfrm>
+            <a:off x="541870" y="790378"/>
+            <a:ext cx="609600" cy="584776"/>
+          </a:xfrm>
+          <a:prstGeom prst="rect">
+            <a:avLst/>
+          </a:prstGeom>
+        </p:spPr>
+        <p:txBody>
+          <a:bodyPr vert="horz" lIns="91440" tIns="45720" rIns="91440" bIns="45720" rtlCol="0" anchor="ctr">
+            <a:noAutofit/>
+          </a:bodyPr>
+          <a:lstStyle/>
+          <a:p>
+            <a:pPr lvl="0"/>
+            <a:r>
+              <a:rPr lang="en-US" sz="8000" baseline="0" dirty="0">
+                <a:ln w="3175" cmpd="sng">
+                  <a:noFill/>
+                </a:ln>
+                <a:solidFill>
+                  <a:schemeClr val="accent1">
+                    <a:lumMod val="60000"/>
+                    <a:lumOff val="40000"/>
+                  </a:schemeClr>
+                </a:solidFill>
+                <a:effectLst/>
+                <a:latin typeface="Arial"/>
+              </a:rPr>
+              <a:t>“</a:t>
+            </a:r>
+          </a:p>
+        </p:txBody>
+      </p:sp>
+      <p:sp>
+        <p:nvSpPr>
+          <p:cNvPr id="25" name="TextBox 24"/>
+          <p:cNvSpPr txBox="1"/>
+          <p:nvPr/>
+        </p:nvSpPr>
+        <p:spPr>
+          <a:xfrm>
+            <a:off x="8893011" y="2886556"/>
+            <a:ext cx="609600" cy="584776"/>
+          </a:xfrm>
+          <a:prstGeom prst="rect">
+            <a:avLst/>
+          </a:prstGeom>
+        </p:spPr>
+        <p:txBody>
+          <a:bodyPr vert="horz" lIns="91440" tIns="45720" rIns="91440" bIns="45720" rtlCol="0" anchor="ctr">
+            <a:noAutofit/>
+          </a:bodyPr>
+          <a:lstStyle/>
+          <a:p>
+            <a:pPr lvl="0"/>
+            <a:r>
+              <a:rPr lang="en-US" sz="8000" baseline="0" dirty="0">
+                <a:ln w="3175" cmpd="sng">
+                  <a:noFill/>
+                </a:ln>
+                <a:solidFill>
+                  <a:schemeClr val="accent1">
+                    <a:lumMod val="60000"/>
+                    <a:lumOff val="40000"/>
+                  </a:schemeClr>
+                </a:solidFill>
+                <a:effectLst/>
+                <a:latin typeface="Arial"/>
+              </a:rPr>
+              <a:t>”</a:t>
+            </a:r>
+          </a:p>
+        </p:txBody>
+      </p:sp>
+    </p:spTree>
+    <p:extLst>
+      <p:ext uri="{BB962C8B-B14F-4D97-AF65-F5344CB8AC3E}">
+        <p14:creationId xmlns:p14="http://schemas.microsoft.com/office/powerpoint/2010/main" val="1001099956"/>
+      </p:ext>
+    </p:extLst>
+  </p:cSld>
+  <p:clrMapOvr>
+    <a:masterClrMapping/>
+  </p:clrMapOvr>
+</p:sldLayout>
+</file>
+
+<file path=ppt/slideLayouts/slideLayout12.xml><?xml version="1.0" encoding="utf-8"?>
+<p:sldLayout xmlns:a="http://schemas.openxmlformats.org/drawingml/2006/main" xmlns:r="http://schemas.openxmlformats.org/officeDocument/2006/relationships" xmlns:p="http://schemas.openxmlformats.org/presentationml/2006/main" preserve="1">
+  <p:cSld name="명함">
+    <p:spTree>
+      <p:nvGrpSpPr>
+        <p:cNvPr id="1" name=""/>
+        <p:cNvGrpSpPr/>
+        <p:nvPr/>
+      </p:nvGrpSpPr>
+      <p:grpSpPr>
+        <a:xfrm>
+          <a:off x="0" y="0"/>
+          <a:ext cx="0" cy="0"/>
+          <a:chOff x="0" y="0"/>
+          <a:chExt cx="0" cy="0"/>
+        </a:xfrm>
+      </p:grpSpPr>
+      <p:sp>
+        <p:nvSpPr>
+          <p:cNvPr id="2" name="Title 1"/>
+          <p:cNvSpPr>
+            <a:spLocks noGrp="1"/>
+          </p:cNvSpPr>
+          <p:nvPr>
+            <p:ph type="title"/>
+          </p:nvPr>
+        </p:nvSpPr>
+        <p:spPr>
+          <a:xfrm>
+            <a:off x="677335" y="1931988"/>
+            <a:ext cx="8596668" cy="2595460"/>
+          </a:xfrm>
+        </p:spPr>
+        <p:txBody>
+          <a:bodyPr anchor="b">
+            <a:normAutofit/>
+          </a:bodyPr>
+          <a:lstStyle>
+            <a:lvl1pPr algn="l">
+              <a:defRPr sz="4400" b="0" cap="none"/>
+            </a:lvl1pPr>
+          </a:lstStyle>
+          <a:p>
+            <a:r>
+              <a:rPr lang="ko-KR" altLang="en-US"/>
+              <a:t>마스터 제목 스타일 편집</a:t>
+            </a:r>
+            <a:endParaRPr lang="en-US" dirty="0"/>
+          </a:p>
+        </p:txBody>
+      </p:sp>
+      <p:sp>
+        <p:nvSpPr>
+          <p:cNvPr id="3" name="Text Placeholder 2"/>
+          <p:cNvSpPr>
+            <a:spLocks noGrp="1"/>
+          </p:cNvSpPr>
+          <p:nvPr>
+            <p:ph type="body" idx="1"/>
+          </p:nvPr>
+        </p:nvSpPr>
+        <p:spPr>
+          <a:xfrm>
+            <a:off x="677335" y="4527448"/>
+            <a:ext cx="8596668" cy="1513914"/>
+          </a:xfrm>
+        </p:spPr>
+        <p:txBody>
+          <a:bodyPr anchor="t">
+            <a:normAutofit/>
+          </a:bodyPr>
+          <a:lstStyle>
+            <a:lvl1pPr marL="0" indent="0" algn="l">
+              <a:buNone/>
+              <a:defRPr sz="1800">
+                <a:solidFill>
+                  <a:schemeClr val="tx1">
+                    <a:lumMod val="75000"/>
+                    <a:lumOff val="25000"/>
+                  </a:schemeClr>
+                </a:solidFill>
+              </a:defRPr>
+            </a:lvl1pPr>
+            <a:lvl2pPr marL="457200" indent="0">
+              <a:buNone/>
+              <a:defRPr sz="1800">
+                <a:solidFill>
+                  <a:schemeClr val="tx1">
+                    <a:tint val="75000"/>
+                  </a:schemeClr>
+                </a:solidFill>
+              </a:defRPr>
+            </a:lvl2pPr>
+            <a:lvl3pPr marL="914400" indent="0">
+              <a:buNone/>
+              <a:defRPr sz="1600">
+                <a:solidFill>
+                  <a:schemeClr val="tx1">
+                    <a:tint val="75000"/>
+                  </a:schemeClr>
+                </a:solidFill>
+              </a:defRPr>
+            </a:lvl3pPr>
+            <a:lvl4pPr marL="1371600" indent="0">
+              <a:buNone/>
+              <a:defRPr sz="1400">
+                <a:solidFill>
+                  <a:schemeClr val="tx1">
+                    <a:tint val="75000"/>
+                  </a:schemeClr>
+                </a:solidFill>
+              </a:defRPr>
+            </a:lvl4pPr>
+            <a:lvl5pPr marL="1828800" indent="0">
+              <a:buNone/>
+              <a:defRPr sz="1400">
+                <a:solidFill>
+                  <a:schemeClr val="tx1">
+                    <a:tint val="75000"/>
+                  </a:schemeClr>
+                </a:solidFill>
+              </a:defRPr>
+            </a:lvl5pPr>
+            <a:lvl6pPr marL="2286000" indent="0">
+              <a:buNone/>
+              <a:defRPr sz="1400">
+                <a:solidFill>
+                  <a:schemeClr val="tx1">
+                    <a:tint val="75000"/>
+                  </a:schemeClr>
+                </a:solidFill>
+              </a:defRPr>
+            </a:lvl6pPr>
+            <a:lvl7pPr marL="2743200" indent="0">
+              <a:buNone/>
+              <a:defRPr sz="1400">
+                <a:solidFill>
+                  <a:schemeClr val="tx1">
+                    <a:tint val="75000"/>
+                  </a:schemeClr>
+                </a:solidFill>
+              </a:defRPr>
+            </a:lvl7pPr>
+            <a:lvl8pPr marL="3200400" indent="0">
+              <a:buNone/>
+              <a:defRPr sz="1400">
+                <a:solidFill>
+                  <a:schemeClr val="tx1">
+                    <a:tint val="75000"/>
+                  </a:schemeClr>
+                </a:solidFill>
+              </a:defRPr>
+            </a:lvl8pPr>
+            <a:lvl9pPr marL="3657600" indent="0">
+              <a:buNone/>
+              <a:defRPr sz="1400">
+                <a:solidFill>
+                  <a:schemeClr val="tx1">
+                    <a:tint val="75000"/>
+                  </a:schemeClr>
+                </a:solidFill>
+              </a:defRPr>
+            </a:lvl9pPr>
+          </a:lstStyle>
+          <a:p>
+            <a:pPr lvl="0"/>
+            <a:r>
+              <a:rPr lang="ko-KR" altLang="en-US"/>
+              <a:t>마스터 텍스트 스타일을 편집하려면 클릭</a:t>
+            </a:r>
+          </a:p>
+        </p:txBody>
+      </p:sp>
+      <p:sp>
+        <p:nvSpPr>
+          <p:cNvPr id="4" name="Date Placeholder 3"/>
+          <p:cNvSpPr>
+            <a:spLocks noGrp="1"/>
+          </p:cNvSpPr>
+          <p:nvPr>
+            <p:ph type="dt" sz="half" idx="10"/>
+          </p:nvPr>
+        </p:nvSpPr>
+        <p:spPr/>
+        <p:txBody>
+          <a:bodyPr/>
+          <a:lstStyle/>
+          <a:p>
+            <a:fld id="{402C38B8-41F2-4D74-919D-0994AD1C37C3}" type="datetimeFigureOut">
+              <a:rPr lang="ko-KR" altLang="en-US" smtClean="0"/>
+              <a:t>2021-07-02</a:t>
+            </a:fld>
+            <a:endParaRPr lang="ko-KR" altLang="en-US"/>
+          </a:p>
+        </p:txBody>
+      </p:sp>
+      <p:sp>
+        <p:nvSpPr>
+          <p:cNvPr id="5" name="Footer Placeholder 4"/>
+          <p:cNvSpPr>
+            <a:spLocks noGrp="1"/>
+          </p:cNvSpPr>
+          <p:nvPr>
+            <p:ph type="ftr" sz="quarter" idx="11"/>
+          </p:nvPr>
+        </p:nvSpPr>
+        <p:spPr/>
+        <p:txBody>
+          <a:bodyPr/>
+          <a:lstStyle/>
+          <a:p>
+            <a:endParaRPr lang="ko-KR" altLang="en-US"/>
+          </a:p>
+        </p:txBody>
+      </p:sp>
+      <p:sp>
+        <p:nvSpPr>
+          <p:cNvPr id="6" name="Slide Number Placeholder 5"/>
+          <p:cNvSpPr>
+            <a:spLocks noGrp="1"/>
+          </p:cNvSpPr>
+          <p:nvPr>
+            <p:ph type="sldNum" sz="quarter" idx="12"/>
+          </p:nvPr>
+        </p:nvSpPr>
+        <p:spPr/>
+        <p:txBody>
+          <a:bodyPr/>
+          <a:lstStyle/>
+          <a:p>
+            <a:fld id="{4C7728B2-939A-4792-8A4E-3D762B1E55E3}" type="slidenum">
+              <a:rPr lang="ko-KR" altLang="en-US" smtClean="0"/>
+              <a:t>‹#›</a:t>
+            </a:fld>
+            <a:endParaRPr lang="ko-KR" altLang="en-US"/>
+          </a:p>
+        </p:txBody>
+      </p:sp>
+    </p:spTree>
+    <p:extLst>
+      <p:ext uri="{BB962C8B-B14F-4D97-AF65-F5344CB8AC3E}">
+        <p14:creationId xmlns:p14="http://schemas.microsoft.com/office/powerpoint/2010/main" val="4056630996"/>
+      </p:ext>
+    </p:extLst>
+  </p:cSld>
+  <p:clrMapOvr>
+    <a:masterClrMapping/>
+  </p:clrMapOvr>
+</p:sldLayout>
+</file>
+
+<file path=ppt/slideLayouts/slideLayout13.xml><?xml version="1.0" encoding="utf-8"?>
+<p:sldLayout xmlns:a="http://schemas.openxmlformats.org/drawingml/2006/main" xmlns:r="http://schemas.openxmlformats.org/officeDocument/2006/relationships" xmlns:p="http://schemas.openxmlformats.org/presentationml/2006/main" preserve="1">
+  <p:cSld name="인용문 있는 명함">
+    <p:spTree>
+      <p:nvGrpSpPr>
+        <p:cNvPr id="1" name=""/>
+        <p:cNvGrpSpPr/>
+        <p:nvPr/>
+      </p:nvGrpSpPr>
+      <p:grpSpPr>
+        <a:xfrm>
+          <a:off x="0" y="0"/>
+          <a:ext cx="0" cy="0"/>
+          <a:chOff x="0" y="0"/>
+          <a:chExt cx="0" cy="0"/>
+        </a:xfrm>
+      </p:grpSpPr>
+      <p:sp>
+        <p:nvSpPr>
+          <p:cNvPr id="2" name="Title 1"/>
+          <p:cNvSpPr>
+            <a:spLocks noGrp="1"/>
+          </p:cNvSpPr>
+          <p:nvPr>
+            <p:ph type="title"/>
+          </p:nvPr>
+        </p:nvSpPr>
+        <p:spPr>
+          <a:xfrm>
+            <a:off x="931334" y="609600"/>
+            <a:ext cx="8094134" cy="3022600"/>
+          </a:xfrm>
+        </p:spPr>
+        <p:txBody>
+          <a:bodyPr anchor="ctr">
+            <a:normAutofit/>
+          </a:bodyPr>
+          <a:lstStyle>
+            <a:lvl1pPr algn="l">
+              <a:defRPr sz="4400" b="0" cap="none"/>
+            </a:lvl1pPr>
+          </a:lstStyle>
+          <a:p>
+            <a:r>
+              <a:rPr lang="ko-KR" altLang="en-US"/>
+              <a:t>마스터 제목 스타일 편집</a:t>
+            </a:r>
+            <a:endParaRPr lang="en-US" dirty="0"/>
+          </a:p>
+        </p:txBody>
+      </p:sp>
+      <p:sp>
+        <p:nvSpPr>
+          <p:cNvPr id="23" name="Text Placeholder 9"/>
+          <p:cNvSpPr>
+            <a:spLocks noGrp="1"/>
+          </p:cNvSpPr>
+          <p:nvPr>
+            <p:ph type="body" sz="quarter" idx="13"/>
+          </p:nvPr>
+        </p:nvSpPr>
+        <p:spPr>
+          <a:xfrm>
+            <a:off x="677332" y="4013200"/>
+            <a:ext cx="8596669" cy="514248"/>
+          </a:xfrm>
+        </p:spPr>
+        <p:txBody>
+          <a:bodyPr anchor="b">
+            <a:noAutofit/>
+          </a:bodyPr>
+          <a:lstStyle>
+            <a:lvl1pPr marL="0" indent="0">
+              <a:buFontTx/>
+              <a:buNone/>
+              <a:defRPr sz="2400">
+                <a:solidFill>
+                  <a:schemeClr val="tx1">
+                    <a:lumMod val="75000"/>
+                    <a:lumOff val="25000"/>
+                  </a:schemeClr>
+                </a:solidFill>
+              </a:defRPr>
+            </a:lvl1pPr>
+            <a:lvl2pPr marL="457200" indent="0">
+              <a:buFontTx/>
+              <a:buNone/>
+              <a:defRPr/>
+            </a:lvl2pPr>
+            <a:lvl3pPr marL="914400" indent="0">
+              <a:buFontTx/>
+              <a:buNone/>
+              <a:defRPr/>
+            </a:lvl3pPr>
+            <a:lvl4pPr marL="1371600" indent="0">
+              <a:buFontTx/>
+              <a:buNone/>
+              <a:defRPr/>
+            </a:lvl4pPr>
+            <a:lvl5pPr marL="1828800" indent="0">
+              <a:buFontTx/>
+              <a:buNone/>
+              <a:defRPr/>
+            </a:lvl5pPr>
+          </a:lstStyle>
+          <a:p>
+            <a:pPr lvl="0"/>
+            <a:r>
+              <a:rPr lang="ko-KR" altLang="en-US"/>
+              <a:t>마스터 텍스트 스타일을 편집하려면 클릭</a:t>
+            </a:r>
+          </a:p>
+        </p:txBody>
+      </p:sp>
+      <p:sp>
+        <p:nvSpPr>
+          <p:cNvPr id="3" name="Text Placeholder 2"/>
+          <p:cNvSpPr>
+            <a:spLocks noGrp="1"/>
+          </p:cNvSpPr>
+          <p:nvPr>
+            <p:ph type="body" idx="1"/>
+          </p:nvPr>
+        </p:nvSpPr>
+        <p:spPr>
+          <a:xfrm>
+            <a:off x="677335" y="4527448"/>
+            <a:ext cx="8596668" cy="1513914"/>
+          </a:xfrm>
+        </p:spPr>
+        <p:txBody>
+          <a:bodyPr anchor="t">
+            <a:normAutofit/>
+          </a:bodyPr>
+          <a:lstStyle>
+            <a:lvl1pPr marL="0" indent="0" algn="l">
+              <a:buNone/>
+              <a:defRPr sz="1800">
+                <a:solidFill>
+                  <a:schemeClr val="tx1">
+                    <a:lumMod val="50000"/>
+                    <a:lumOff val="50000"/>
+                  </a:schemeClr>
+                </a:solidFill>
+              </a:defRPr>
+            </a:lvl1pPr>
+            <a:lvl2pPr marL="457200" indent="0">
+              <a:buNone/>
+              <a:defRPr sz="1800">
+                <a:solidFill>
+                  <a:schemeClr val="tx1">
+                    <a:tint val="75000"/>
+                  </a:schemeClr>
+                </a:solidFill>
+              </a:defRPr>
+            </a:lvl2pPr>
+            <a:lvl3pPr marL="914400" indent="0">
+              <a:buNone/>
+              <a:defRPr sz="1600">
+                <a:solidFill>
+                  <a:schemeClr val="tx1">
+                    <a:tint val="75000"/>
+                  </a:schemeClr>
+                </a:solidFill>
+              </a:defRPr>
+            </a:lvl3pPr>
+            <a:lvl4pPr marL="1371600" indent="0">
+              <a:buNone/>
+              <a:defRPr sz="1400">
+                <a:solidFill>
+                  <a:schemeClr val="tx1">
+                    <a:tint val="75000"/>
+                  </a:schemeClr>
+                </a:solidFill>
+              </a:defRPr>
+            </a:lvl4pPr>
+            <a:lvl5pPr marL="1828800" indent="0">
+              <a:buNone/>
+              <a:defRPr sz="1400">
+                <a:solidFill>
+                  <a:schemeClr val="tx1">
+                    <a:tint val="75000"/>
+                  </a:schemeClr>
+                </a:solidFill>
+              </a:defRPr>
+            </a:lvl5pPr>
+            <a:lvl6pPr marL="2286000" indent="0">
+              <a:buNone/>
+              <a:defRPr sz="1400">
+                <a:solidFill>
+                  <a:schemeClr val="tx1">
+                    <a:tint val="75000"/>
+                  </a:schemeClr>
+                </a:solidFill>
+              </a:defRPr>
+            </a:lvl6pPr>
+            <a:lvl7pPr marL="2743200" indent="0">
+              <a:buNone/>
+              <a:defRPr sz="1400">
+                <a:solidFill>
+                  <a:schemeClr val="tx1">
+                    <a:tint val="75000"/>
+                  </a:schemeClr>
+                </a:solidFill>
+              </a:defRPr>
+            </a:lvl7pPr>
+            <a:lvl8pPr marL="3200400" indent="0">
+              <a:buNone/>
+              <a:defRPr sz="1400">
+                <a:solidFill>
+                  <a:schemeClr val="tx1">
+                    <a:tint val="75000"/>
+                  </a:schemeClr>
+                </a:solidFill>
+              </a:defRPr>
+            </a:lvl8pPr>
+            <a:lvl9pPr marL="3657600" indent="0">
+              <a:buNone/>
+              <a:defRPr sz="1400">
+                <a:solidFill>
+                  <a:schemeClr val="tx1">
+                    <a:tint val="75000"/>
+                  </a:schemeClr>
+                </a:solidFill>
+              </a:defRPr>
+            </a:lvl9pPr>
+          </a:lstStyle>
+          <a:p>
+            <a:pPr lvl="0"/>
+            <a:r>
+              <a:rPr lang="ko-KR" altLang="en-US"/>
+              <a:t>마스터 텍스트 스타일을 편집하려면 클릭</a:t>
+            </a:r>
+          </a:p>
+        </p:txBody>
+      </p:sp>
+      <p:sp>
+        <p:nvSpPr>
+          <p:cNvPr id="4" name="Date Placeholder 3"/>
+          <p:cNvSpPr>
+            <a:spLocks noGrp="1"/>
+          </p:cNvSpPr>
+          <p:nvPr>
+            <p:ph type="dt" sz="half" idx="10"/>
+          </p:nvPr>
+        </p:nvSpPr>
+        <p:spPr/>
+        <p:txBody>
+          <a:bodyPr/>
+          <a:lstStyle/>
+          <a:p>
+            <a:fld id="{402C38B8-41F2-4D74-919D-0994AD1C37C3}" type="datetimeFigureOut">
+              <a:rPr lang="ko-KR" altLang="en-US" smtClean="0"/>
+              <a:t>2021-07-02</a:t>
+            </a:fld>
+            <a:endParaRPr lang="ko-KR" altLang="en-US"/>
+          </a:p>
+        </p:txBody>
+      </p:sp>
+      <p:sp>
+        <p:nvSpPr>
+          <p:cNvPr id="5" name="Footer Placeholder 4"/>
+          <p:cNvSpPr>
+            <a:spLocks noGrp="1"/>
+          </p:cNvSpPr>
+          <p:nvPr>
+            <p:ph type="ftr" sz="quarter" idx="11"/>
+          </p:nvPr>
+        </p:nvSpPr>
+        <p:spPr/>
+        <p:txBody>
+          <a:bodyPr/>
+          <a:lstStyle/>
+          <a:p>
+            <a:endParaRPr lang="ko-KR" altLang="en-US"/>
+          </a:p>
+        </p:txBody>
+      </p:sp>
+      <p:sp>
+        <p:nvSpPr>
+          <p:cNvPr id="6" name="Slide Number Placeholder 5"/>
+          <p:cNvSpPr>
+            <a:spLocks noGrp="1"/>
+          </p:cNvSpPr>
+          <p:nvPr>
+            <p:ph type="sldNum" sz="quarter" idx="12"/>
+          </p:nvPr>
+        </p:nvSpPr>
+        <p:spPr/>
+        <p:txBody>
+          <a:bodyPr/>
+          <a:lstStyle/>
+          <a:p>
+            <a:fld id="{4C7728B2-939A-4792-8A4E-3D762B1E55E3}" type="slidenum">
+              <a:rPr lang="ko-KR" altLang="en-US" smtClean="0"/>
+              <a:t>‹#›</a:t>
+            </a:fld>
+            <a:endParaRPr lang="ko-KR" altLang="en-US"/>
+          </a:p>
+        </p:txBody>
+      </p:sp>
+      <p:sp>
+        <p:nvSpPr>
+          <p:cNvPr id="24" name="TextBox 23"/>
+          <p:cNvSpPr txBox="1"/>
+          <p:nvPr/>
+        </p:nvSpPr>
+        <p:spPr>
+          <a:xfrm>
+            <a:off x="541870" y="790378"/>
+            <a:ext cx="609600" cy="584776"/>
+          </a:xfrm>
+          <a:prstGeom prst="rect">
+            <a:avLst/>
+          </a:prstGeom>
+        </p:spPr>
+        <p:txBody>
+          <a:bodyPr vert="horz" lIns="91440" tIns="45720" rIns="91440" bIns="45720" rtlCol="0" anchor="ctr">
+            <a:noAutofit/>
+          </a:bodyPr>
+          <a:lstStyle/>
+          <a:p>
+            <a:pPr lvl="0"/>
+            <a:r>
+              <a:rPr lang="en-US" sz="8000" baseline="0" dirty="0">
+                <a:ln w="3175" cmpd="sng">
+                  <a:noFill/>
+                </a:ln>
+                <a:solidFill>
+                  <a:schemeClr val="accent1">
+                    <a:lumMod val="60000"/>
+                    <a:lumOff val="40000"/>
+                  </a:schemeClr>
+                </a:solidFill>
+                <a:effectLst/>
+                <a:latin typeface="Arial"/>
+              </a:rPr>
+              <a:t>“</a:t>
+            </a:r>
+          </a:p>
+        </p:txBody>
+      </p:sp>
+      <p:sp>
+        <p:nvSpPr>
+          <p:cNvPr id="25" name="TextBox 24"/>
+          <p:cNvSpPr txBox="1"/>
+          <p:nvPr/>
+        </p:nvSpPr>
+        <p:spPr>
+          <a:xfrm>
+            <a:off x="8893011" y="2886556"/>
+            <a:ext cx="609600" cy="584776"/>
+          </a:xfrm>
+          <a:prstGeom prst="rect">
+            <a:avLst/>
+          </a:prstGeom>
+        </p:spPr>
+        <p:txBody>
+          <a:bodyPr vert="horz" lIns="91440" tIns="45720" rIns="91440" bIns="45720" rtlCol="0" anchor="ctr">
+            <a:noAutofit/>
+          </a:bodyPr>
+          <a:lstStyle/>
+          <a:p>
+            <a:pPr lvl="0"/>
+            <a:r>
+              <a:rPr lang="en-US" sz="8000" baseline="0" dirty="0">
+                <a:ln w="3175" cmpd="sng">
+                  <a:noFill/>
+                </a:ln>
+                <a:solidFill>
+                  <a:schemeClr val="accent1">
+                    <a:lumMod val="60000"/>
+                    <a:lumOff val="40000"/>
+                  </a:schemeClr>
+                </a:solidFill>
+                <a:effectLst/>
+                <a:latin typeface="Arial"/>
+              </a:rPr>
+              <a:t>”</a:t>
+            </a:r>
+          </a:p>
+        </p:txBody>
+      </p:sp>
+    </p:spTree>
+    <p:extLst>
+      <p:ext uri="{BB962C8B-B14F-4D97-AF65-F5344CB8AC3E}">
+        <p14:creationId xmlns:p14="http://schemas.microsoft.com/office/powerpoint/2010/main" val="3949259928"/>
+      </p:ext>
+    </p:extLst>
+  </p:cSld>
+  <p:clrMapOvr>
+    <a:masterClrMapping/>
+  </p:clrMapOvr>
+</p:sldLayout>
+</file>
+
+<file path=ppt/slideLayouts/slideLayout14.xml><?xml version="1.0" encoding="utf-8"?>
+<p:sldLayout xmlns:a="http://schemas.openxmlformats.org/drawingml/2006/main" xmlns:r="http://schemas.openxmlformats.org/officeDocument/2006/relationships" xmlns:p="http://schemas.openxmlformats.org/presentationml/2006/main" preserve="1">
+  <p:cSld name="참 또는 거짓">
+    <p:spTree>
+      <p:nvGrpSpPr>
+        <p:cNvPr id="1" name=""/>
+        <p:cNvGrpSpPr/>
+        <p:nvPr/>
+      </p:nvGrpSpPr>
+      <p:grpSpPr>
+        <a:xfrm>
+          <a:off x="0" y="0"/>
+          <a:ext cx="0" cy="0"/>
+          <a:chOff x="0" y="0"/>
+          <a:chExt cx="0" cy="0"/>
+        </a:xfrm>
+      </p:grpSpPr>
+      <p:sp>
+        <p:nvSpPr>
+          <p:cNvPr id="2" name="Title 1"/>
+          <p:cNvSpPr>
+            <a:spLocks noGrp="1"/>
+          </p:cNvSpPr>
+          <p:nvPr>
+            <p:ph type="title"/>
+          </p:nvPr>
+        </p:nvSpPr>
+        <p:spPr>
+          <a:xfrm>
+            <a:off x="685799" y="609600"/>
+            <a:ext cx="8588203" cy="3022600"/>
+          </a:xfrm>
+        </p:spPr>
+        <p:txBody>
+          <a:bodyPr anchor="ctr">
+            <a:normAutofit/>
+          </a:bodyPr>
+          <a:lstStyle>
+            <a:lvl1pPr algn="l">
+              <a:defRPr sz="4400" b="0" cap="none"/>
+            </a:lvl1pPr>
+          </a:lstStyle>
+          <a:p>
+            <a:r>
+              <a:rPr lang="ko-KR" altLang="en-US"/>
+              <a:t>마스터 제목 스타일 편집</a:t>
+            </a:r>
+            <a:endParaRPr lang="en-US" dirty="0"/>
+          </a:p>
+        </p:txBody>
+      </p:sp>
+      <p:sp>
+        <p:nvSpPr>
+          <p:cNvPr id="23" name="Text Placeholder 9"/>
+          <p:cNvSpPr>
+            <a:spLocks noGrp="1"/>
+          </p:cNvSpPr>
+          <p:nvPr>
+            <p:ph type="body" sz="quarter" idx="13"/>
+          </p:nvPr>
+        </p:nvSpPr>
+        <p:spPr>
+          <a:xfrm>
+            <a:off x="677332" y="4013200"/>
+            <a:ext cx="8596669" cy="514248"/>
+          </a:xfrm>
+        </p:spPr>
+        <p:txBody>
+          <a:bodyPr anchor="b">
+            <a:noAutofit/>
+          </a:bodyPr>
+          <a:lstStyle>
+            <a:lvl1pPr marL="0" indent="0">
+              <a:buFontTx/>
+              <a:buNone/>
+              <a:defRPr sz="2400">
+                <a:solidFill>
+                  <a:schemeClr val="accent1"/>
+                </a:solidFill>
+              </a:defRPr>
+            </a:lvl1pPr>
+            <a:lvl2pPr marL="457200" indent="0">
+              <a:buFontTx/>
+              <a:buNone/>
+              <a:defRPr/>
+            </a:lvl2pPr>
+            <a:lvl3pPr marL="914400" indent="0">
+              <a:buFontTx/>
+              <a:buNone/>
+              <a:defRPr/>
+            </a:lvl3pPr>
+            <a:lvl4pPr marL="1371600" indent="0">
+              <a:buFontTx/>
+              <a:buNone/>
+              <a:defRPr/>
+            </a:lvl4pPr>
+            <a:lvl5pPr marL="1828800" indent="0">
+              <a:buFontTx/>
+              <a:buNone/>
+              <a:defRPr/>
+            </a:lvl5pPr>
+          </a:lstStyle>
+          <a:p>
+            <a:pPr lvl="0"/>
+            <a:r>
+              <a:rPr lang="ko-KR" altLang="en-US"/>
+              <a:t>마스터 텍스트 스타일을 편집하려면 클릭</a:t>
+            </a:r>
+          </a:p>
+        </p:txBody>
+      </p:sp>
+      <p:sp>
+        <p:nvSpPr>
+          <p:cNvPr id="3" name="Text Placeholder 2"/>
+          <p:cNvSpPr>
+            <a:spLocks noGrp="1"/>
+          </p:cNvSpPr>
+          <p:nvPr>
+            <p:ph type="body" idx="1"/>
+          </p:nvPr>
+        </p:nvSpPr>
+        <p:spPr>
+          <a:xfrm>
+            <a:off x="677335" y="4527448"/>
+            <a:ext cx="8596668" cy="1513914"/>
+          </a:xfrm>
+        </p:spPr>
+        <p:txBody>
+          <a:bodyPr anchor="t">
+            <a:normAutofit/>
+          </a:bodyPr>
+          <a:lstStyle>
+            <a:lvl1pPr marL="0" indent="0" algn="l">
+              <a:buNone/>
+              <a:defRPr sz="1800">
+                <a:solidFill>
+                  <a:schemeClr val="tx1">
+                    <a:lumMod val="50000"/>
+                    <a:lumOff val="50000"/>
+                  </a:schemeClr>
+                </a:solidFill>
+              </a:defRPr>
+            </a:lvl1pPr>
+            <a:lvl2pPr marL="457200" indent="0">
+              <a:buNone/>
+              <a:defRPr sz="1800">
+                <a:solidFill>
+                  <a:schemeClr val="tx1">
+                    <a:tint val="75000"/>
+                  </a:schemeClr>
+                </a:solidFill>
+              </a:defRPr>
+            </a:lvl2pPr>
+            <a:lvl3pPr marL="914400" indent="0">
+              <a:buNone/>
+              <a:defRPr sz="1600">
+                <a:solidFill>
+                  <a:schemeClr val="tx1">
+                    <a:tint val="75000"/>
+                  </a:schemeClr>
+                </a:solidFill>
+              </a:defRPr>
+            </a:lvl3pPr>
+            <a:lvl4pPr marL="1371600" indent="0">
+              <a:buNone/>
+              <a:defRPr sz="1400">
+                <a:solidFill>
+                  <a:schemeClr val="tx1">
+                    <a:tint val="75000"/>
+                  </a:schemeClr>
+                </a:solidFill>
+              </a:defRPr>
+            </a:lvl4pPr>
+            <a:lvl5pPr marL="1828800" indent="0">
+              <a:buNone/>
+              <a:defRPr sz="1400">
+                <a:solidFill>
+                  <a:schemeClr val="tx1">
+                    <a:tint val="75000"/>
+                  </a:schemeClr>
+                </a:solidFill>
+              </a:defRPr>
+            </a:lvl5pPr>
+            <a:lvl6pPr marL="2286000" indent="0">
+              <a:buNone/>
+              <a:defRPr sz="1400">
+                <a:solidFill>
+                  <a:schemeClr val="tx1">
+                    <a:tint val="75000"/>
+                  </a:schemeClr>
+                </a:solidFill>
+              </a:defRPr>
+            </a:lvl6pPr>
+            <a:lvl7pPr marL="2743200" indent="0">
+              <a:buNone/>
+              <a:defRPr sz="1400">
+                <a:solidFill>
+                  <a:schemeClr val="tx1">
+                    <a:tint val="75000"/>
+                  </a:schemeClr>
+                </a:solidFill>
+              </a:defRPr>
+            </a:lvl7pPr>
+            <a:lvl8pPr marL="3200400" indent="0">
+              <a:buNone/>
+              <a:defRPr sz="1400">
+                <a:solidFill>
+                  <a:schemeClr val="tx1">
+                    <a:tint val="75000"/>
+                  </a:schemeClr>
+                </a:solidFill>
+              </a:defRPr>
+            </a:lvl8pPr>
+            <a:lvl9pPr marL="3657600" indent="0">
+              <a:buNone/>
+              <a:defRPr sz="1400">
+                <a:solidFill>
+                  <a:schemeClr val="tx1">
+                    <a:tint val="75000"/>
+                  </a:schemeClr>
+                </a:solidFill>
+              </a:defRPr>
+            </a:lvl9pPr>
+          </a:lstStyle>
+          <a:p>
+            <a:pPr lvl="0"/>
+            <a:r>
+              <a:rPr lang="ko-KR" altLang="en-US"/>
+              <a:t>마스터 텍스트 스타일을 편집하려면 클릭</a:t>
+            </a:r>
+          </a:p>
+        </p:txBody>
+      </p:sp>
+      <p:sp>
+        <p:nvSpPr>
+          <p:cNvPr id="4" name="Date Placeholder 3"/>
+          <p:cNvSpPr>
+            <a:spLocks noGrp="1"/>
+          </p:cNvSpPr>
+          <p:nvPr>
+            <p:ph type="dt" sz="half" idx="10"/>
+          </p:nvPr>
+        </p:nvSpPr>
+        <p:spPr/>
+        <p:txBody>
+          <a:bodyPr/>
+          <a:lstStyle/>
+          <a:p>
+            <a:fld id="{402C38B8-41F2-4D74-919D-0994AD1C37C3}" type="datetimeFigureOut">
+              <a:rPr lang="ko-KR" altLang="en-US" smtClean="0"/>
+              <a:t>2021-07-02</a:t>
+            </a:fld>
+            <a:endParaRPr lang="ko-KR" altLang="en-US"/>
+          </a:p>
+        </p:txBody>
+      </p:sp>
+      <p:sp>
+        <p:nvSpPr>
+          <p:cNvPr id="5" name="Footer Placeholder 4"/>
+          <p:cNvSpPr>
+            <a:spLocks noGrp="1"/>
+          </p:cNvSpPr>
+          <p:nvPr>
+            <p:ph type="ftr" sz="quarter" idx="11"/>
+          </p:nvPr>
+        </p:nvSpPr>
+        <p:spPr/>
+        <p:txBody>
+          <a:bodyPr/>
+          <a:lstStyle/>
+          <a:p>
+            <a:endParaRPr lang="ko-KR" altLang="en-US"/>
+          </a:p>
+        </p:txBody>
+      </p:sp>
+      <p:sp>
+        <p:nvSpPr>
+          <p:cNvPr id="6" name="Slide Number Placeholder 5"/>
+          <p:cNvSpPr>
+            <a:spLocks noGrp="1"/>
+          </p:cNvSpPr>
+          <p:nvPr>
+            <p:ph type="sldNum" sz="quarter" idx="12"/>
+          </p:nvPr>
+        </p:nvSpPr>
+        <p:spPr/>
+        <p:txBody>
+          <a:bodyPr/>
+          <a:lstStyle/>
+          <a:p>
+            <a:fld id="{4C7728B2-939A-4792-8A4E-3D762B1E55E3}" type="slidenum">
+              <a:rPr lang="ko-KR" altLang="en-US" smtClean="0"/>
+              <a:t>‹#›</a:t>
+            </a:fld>
+            <a:endParaRPr lang="ko-KR" altLang="en-US"/>
+          </a:p>
+        </p:txBody>
+      </p:sp>
+    </p:spTree>
+    <p:extLst>
+      <p:ext uri="{BB962C8B-B14F-4D97-AF65-F5344CB8AC3E}">
+        <p14:creationId xmlns:p14="http://schemas.microsoft.com/office/powerpoint/2010/main" val="3516186530"/>
+      </p:ext>
+    </p:extLst>
+  </p:cSld>
+  <p:clrMapOvr>
+    <a:masterClrMapping/>
+  </p:clrMapOvr>
+</p:sldLayout>
+</file>
+
+<file path=ppt/slideLayouts/slideLayout15.xml><?xml version="1.0" encoding="utf-8"?>
 <p:sldLayout xmlns:a="http://schemas.openxmlformats.org/drawingml/2006/main" xmlns:r="http://schemas.openxmlformats.org/officeDocument/2006/relationships" xmlns:p="http://schemas.openxmlformats.org/presentationml/2006/main" type="vertTx" preserve="1">
   <p:cSld name="제목 및 세로 텍스트">
     <p:spTree>
@@ -346,13 +2552,7 @@
       </p:grpSpPr>
       <p:sp>
         <p:nvSpPr>
-          <p:cNvPr id="2" name="제목 1">
-            <a:extLst>
-              <a:ext uri="{FF2B5EF4-FFF2-40B4-BE49-F238E27FC236}">
-                <a16:creationId xmlns:a16="http://schemas.microsoft.com/office/drawing/2014/main" id="{58539BA2-746E-404B-8FAB-CFDE2D608843}"/>
-              </a:ext>
-            </a:extLst>
-          </p:cNvPr>
+          <p:cNvPr id="2" name="Title 1"/>
           <p:cNvSpPr>
             <a:spLocks noGrp="1"/>
           </p:cNvSpPr>
@@ -369,18 +2569,13 @@
               <a:rPr lang="ko-KR" altLang="en-US"/>
               <a:t>마스터 제목 스타일 편집</a:t>
             </a:r>
-          </a:p>
-        </p:txBody>
-      </p:sp>
-      <p:sp>
-        <p:nvSpPr>
-          <p:cNvPr id="3" name="세로 텍스트 개체 틀 2">
-            <a:extLst>
-              <a:ext uri="{FF2B5EF4-FFF2-40B4-BE49-F238E27FC236}">
-                <a16:creationId xmlns:a16="http://schemas.microsoft.com/office/drawing/2014/main" id="{9A5BB47E-A469-4ABC-9BF0-93E882FA9508}"/>
-              </a:ext>
-            </a:extLst>
-          </p:cNvPr>
+            <a:endParaRPr lang="en-US" dirty="0"/>
+          </a:p>
+        </p:txBody>
+      </p:sp>
+      <p:sp>
+        <p:nvSpPr>
+          <p:cNvPr id="3" name="Vertical Text Placeholder 2"/>
           <p:cNvSpPr>
             <a:spLocks noGrp="1"/>
           </p:cNvSpPr>
@@ -426,18 +2621,13 @@
               <a:rPr lang="ko-KR" altLang="en-US"/>
               <a:t>다섯 번째 수준</a:t>
             </a:r>
-          </a:p>
-        </p:txBody>
-      </p:sp>
-      <p:sp>
-        <p:nvSpPr>
-          <p:cNvPr id="4" name="날짜 개체 틀 3">
-            <a:extLst>
-              <a:ext uri="{FF2B5EF4-FFF2-40B4-BE49-F238E27FC236}">
-                <a16:creationId xmlns:a16="http://schemas.microsoft.com/office/drawing/2014/main" id="{179F910E-7902-4241-AED2-B85E022AD0BB}"/>
-              </a:ext>
-            </a:extLst>
-          </p:cNvPr>
+            <a:endParaRPr lang="en-US" dirty="0"/>
+          </a:p>
+        </p:txBody>
+      </p:sp>
+      <p:sp>
+        <p:nvSpPr>
+          <p:cNvPr id="4" name="Date Placeholder 3"/>
           <p:cNvSpPr>
             <a:spLocks noGrp="1"/>
           </p:cNvSpPr>
@@ -452,7 +2642,7 @@
           <a:p>
             <a:fld id="{402C38B8-41F2-4D74-919D-0994AD1C37C3}" type="datetimeFigureOut">
               <a:rPr lang="ko-KR" altLang="en-US" smtClean="0"/>
-              <a:t>2021-06-24</a:t>
+              <a:t>2021-07-02</a:t>
             </a:fld>
             <a:endParaRPr lang="ko-KR" altLang="en-US"/>
           </a:p>
@@ -460,13 +2650,7 @@
       </p:sp>
       <p:sp>
         <p:nvSpPr>
-          <p:cNvPr id="5" name="바닥글 개체 틀 4">
-            <a:extLst>
-              <a:ext uri="{FF2B5EF4-FFF2-40B4-BE49-F238E27FC236}">
-                <a16:creationId xmlns:a16="http://schemas.microsoft.com/office/drawing/2014/main" id="{894C3F39-BFFB-41A1-8A16-2879FA198AE5}"/>
-              </a:ext>
-            </a:extLst>
-          </p:cNvPr>
+          <p:cNvPr id="5" name="Footer Placeholder 4"/>
           <p:cNvSpPr>
             <a:spLocks noGrp="1"/>
           </p:cNvSpPr>
@@ -485,13 +2669,7 @@
       </p:sp>
       <p:sp>
         <p:nvSpPr>
-          <p:cNvPr id="6" name="슬라이드 번호 개체 틀 5">
-            <a:extLst>
-              <a:ext uri="{FF2B5EF4-FFF2-40B4-BE49-F238E27FC236}">
-                <a16:creationId xmlns:a16="http://schemas.microsoft.com/office/drawing/2014/main" id="{D5D39FF4-ACE4-4880-B053-6E1BF029BB36}"/>
-              </a:ext>
-            </a:extLst>
-          </p:cNvPr>
+          <p:cNvPr id="6" name="Slide Number Placeholder 5"/>
           <p:cNvSpPr>
             <a:spLocks noGrp="1"/>
           </p:cNvSpPr>
@@ -515,7 +2693,7 @@
     </p:spTree>
     <p:extLst>
       <p:ext uri="{BB962C8B-B14F-4D97-AF65-F5344CB8AC3E}">
-        <p14:creationId xmlns:p14="http://schemas.microsoft.com/office/powerpoint/2010/main" val="2526857726"/>
+        <p14:creationId xmlns:p14="http://schemas.microsoft.com/office/powerpoint/2010/main" val="1193947380"/>
       </p:ext>
     </p:extLst>
   </p:cSld>
@@ -525,7 +2703,7 @@
 </p:sldLayout>
 </file>
 
-<file path=ppt/slideLayouts/slideLayout11.xml><?xml version="1.0" encoding="utf-8"?>
+<file path=ppt/slideLayouts/slideLayout16.xml><?xml version="1.0" encoding="utf-8"?>
 <p:sldLayout xmlns:a="http://schemas.openxmlformats.org/drawingml/2006/main" xmlns:r="http://schemas.openxmlformats.org/officeDocument/2006/relationships" xmlns:p="http://schemas.openxmlformats.org/presentationml/2006/main" type="vertTitleAndTx" preserve="1">
   <p:cSld name="세로 제목 및 텍스트">
     <p:spTree>
@@ -544,13 +2722,7 @@
       </p:grpSpPr>
       <p:sp>
         <p:nvSpPr>
-          <p:cNvPr id="2" name="세로 제목 1">
-            <a:extLst>
-              <a:ext uri="{FF2B5EF4-FFF2-40B4-BE49-F238E27FC236}">
-                <a16:creationId xmlns:a16="http://schemas.microsoft.com/office/drawing/2014/main" id="{A0369864-19F4-4B4D-ABA9-0374E9F76929}"/>
-              </a:ext>
-            </a:extLst>
-          </p:cNvPr>
+          <p:cNvPr id="2" name="Vertical Title 1"/>
           <p:cNvSpPr>
             <a:spLocks noGrp="1"/>
           </p:cNvSpPr>
@@ -560,30 +2732,25 @@
         </p:nvSpPr>
         <p:spPr>
           <a:xfrm>
-            <a:off x="8724900" y="365125"/>
-            <a:ext cx="2628900" cy="5811838"/>
+            <a:off x="7967673" y="609599"/>
+            <a:ext cx="1304743" cy="5251451"/>
           </a:xfrm>
         </p:spPr>
         <p:txBody>
-          <a:bodyPr vert="eaVert"/>
+          <a:bodyPr vert="eaVert" anchor="ctr"/>
           <a:lstStyle/>
           <a:p>
             <a:r>
               <a:rPr lang="ko-KR" altLang="en-US"/>
               <a:t>마스터 제목 스타일 편집</a:t>
             </a:r>
-          </a:p>
-        </p:txBody>
-      </p:sp>
-      <p:sp>
-        <p:nvSpPr>
-          <p:cNvPr id="3" name="세로 텍스트 개체 틀 2">
-            <a:extLst>
-              <a:ext uri="{FF2B5EF4-FFF2-40B4-BE49-F238E27FC236}">
-                <a16:creationId xmlns:a16="http://schemas.microsoft.com/office/drawing/2014/main" id="{AA7DC803-B6AC-4CBD-877C-C73A333640C9}"/>
-              </a:ext>
-            </a:extLst>
-          </p:cNvPr>
+            <a:endParaRPr lang="en-US" dirty="0"/>
+          </a:p>
+        </p:txBody>
+      </p:sp>
+      <p:sp>
+        <p:nvSpPr>
+          <p:cNvPr id="3" name="Vertical Text Placeholder 2"/>
           <p:cNvSpPr>
             <a:spLocks noGrp="1"/>
           </p:cNvSpPr>
@@ -593,8 +2760,8 @@
         </p:nvSpPr>
         <p:spPr>
           <a:xfrm>
-            <a:off x="838200" y="365125"/>
-            <a:ext cx="7734300" cy="5811838"/>
+            <a:off x="677335" y="609600"/>
+            <a:ext cx="7060150" cy="5251450"/>
           </a:xfrm>
         </p:spPr>
         <p:txBody>
@@ -634,18 +2801,13 @@
               <a:rPr lang="ko-KR" altLang="en-US"/>
               <a:t>다섯 번째 수준</a:t>
             </a:r>
-          </a:p>
-        </p:txBody>
-      </p:sp>
-      <p:sp>
-        <p:nvSpPr>
-          <p:cNvPr id="4" name="날짜 개체 틀 3">
-            <a:extLst>
-              <a:ext uri="{FF2B5EF4-FFF2-40B4-BE49-F238E27FC236}">
-                <a16:creationId xmlns:a16="http://schemas.microsoft.com/office/drawing/2014/main" id="{3BAE153F-32B3-4C09-9AFB-FB8917765FCD}"/>
-              </a:ext>
-            </a:extLst>
-          </p:cNvPr>
+            <a:endParaRPr lang="en-US" dirty="0"/>
+          </a:p>
+        </p:txBody>
+      </p:sp>
+      <p:sp>
+        <p:nvSpPr>
+          <p:cNvPr id="4" name="Date Placeholder 3"/>
           <p:cNvSpPr>
             <a:spLocks noGrp="1"/>
           </p:cNvSpPr>
@@ -660,7 +2822,7 @@
           <a:p>
             <a:fld id="{402C38B8-41F2-4D74-919D-0994AD1C37C3}" type="datetimeFigureOut">
               <a:rPr lang="ko-KR" altLang="en-US" smtClean="0"/>
-              <a:t>2021-06-24</a:t>
+              <a:t>2021-07-02</a:t>
             </a:fld>
             <a:endParaRPr lang="ko-KR" altLang="en-US"/>
           </a:p>
@@ -668,13 +2830,7 @@
       </p:sp>
       <p:sp>
         <p:nvSpPr>
-          <p:cNvPr id="5" name="바닥글 개체 틀 4">
-            <a:extLst>
-              <a:ext uri="{FF2B5EF4-FFF2-40B4-BE49-F238E27FC236}">
-                <a16:creationId xmlns:a16="http://schemas.microsoft.com/office/drawing/2014/main" id="{DF579878-5985-4DB4-9A05-F6BDC3A56C76}"/>
-              </a:ext>
-            </a:extLst>
-          </p:cNvPr>
+          <p:cNvPr id="5" name="Footer Placeholder 4"/>
           <p:cNvSpPr>
             <a:spLocks noGrp="1"/>
           </p:cNvSpPr>
@@ -693,13 +2849,7 @@
       </p:sp>
       <p:sp>
         <p:nvSpPr>
-          <p:cNvPr id="6" name="슬라이드 번호 개체 틀 5">
-            <a:extLst>
-              <a:ext uri="{FF2B5EF4-FFF2-40B4-BE49-F238E27FC236}">
-                <a16:creationId xmlns:a16="http://schemas.microsoft.com/office/drawing/2014/main" id="{55F894C9-7C8A-45AA-8122-2837348ACA90}"/>
-              </a:ext>
-            </a:extLst>
-          </p:cNvPr>
+          <p:cNvPr id="6" name="Slide Number Placeholder 5"/>
           <p:cNvSpPr>
             <a:spLocks noGrp="1"/>
           </p:cNvSpPr>
@@ -723,7 +2873,7 @@
     </p:spTree>
     <p:extLst>
       <p:ext uri="{BB962C8B-B14F-4D97-AF65-F5344CB8AC3E}">
-        <p14:creationId xmlns:p14="http://schemas.microsoft.com/office/powerpoint/2010/main" val="2465689901"/>
+        <p14:creationId xmlns:p14="http://schemas.microsoft.com/office/powerpoint/2010/main" val="532688660"/>
       </p:ext>
     </p:extLst>
   </p:cSld>
@@ -752,13 +2902,7 @@
       </p:grpSpPr>
       <p:sp>
         <p:nvSpPr>
-          <p:cNvPr id="2" name="제목 1">
-            <a:extLst>
-              <a:ext uri="{FF2B5EF4-FFF2-40B4-BE49-F238E27FC236}">
-                <a16:creationId xmlns:a16="http://schemas.microsoft.com/office/drawing/2014/main" id="{CAFCB1FD-4FF9-43FD-BA25-7BD9E10C1FE8}"/>
-              </a:ext>
-            </a:extLst>
-          </p:cNvPr>
+          <p:cNvPr id="2" name="Title 1"/>
           <p:cNvSpPr>
             <a:spLocks noGrp="1"/>
           </p:cNvSpPr>
@@ -775,18 +2919,13 @@
               <a:rPr lang="ko-KR" altLang="en-US"/>
               <a:t>마스터 제목 스타일 편집</a:t>
             </a:r>
-          </a:p>
-        </p:txBody>
-      </p:sp>
-      <p:sp>
-        <p:nvSpPr>
-          <p:cNvPr id="3" name="내용 개체 틀 2">
-            <a:extLst>
-              <a:ext uri="{FF2B5EF4-FFF2-40B4-BE49-F238E27FC236}">
-                <a16:creationId xmlns:a16="http://schemas.microsoft.com/office/drawing/2014/main" id="{BBF5D101-A464-4B11-A5EA-7E742E3F119A}"/>
-              </a:ext>
-            </a:extLst>
-          </p:cNvPr>
+            <a:endParaRPr lang="en-US" dirty="0"/>
+          </a:p>
+        </p:txBody>
+      </p:sp>
+      <p:sp>
+        <p:nvSpPr>
+          <p:cNvPr id="3" name="Content Placeholder 2"/>
           <p:cNvSpPr>
             <a:spLocks noGrp="1"/>
           </p:cNvSpPr>
@@ -832,18 +2971,13 @@
               <a:rPr lang="ko-KR" altLang="en-US"/>
               <a:t>다섯 번째 수준</a:t>
             </a:r>
-          </a:p>
-        </p:txBody>
-      </p:sp>
-      <p:sp>
-        <p:nvSpPr>
-          <p:cNvPr id="4" name="날짜 개체 틀 3">
-            <a:extLst>
-              <a:ext uri="{FF2B5EF4-FFF2-40B4-BE49-F238E27FC236}">
-                <a16:creationId xmlns:a16="http://schemas.microsoft.com/office/drawing/2014/main" id="{735929B5-9F90-4879-8B24-E6241ADB9E8E}"/>
-              </a:ext>
-            </a:extLst>
-          </p:cNvPr>
+            <a:endParaRPr lang="en-US" dirty="0"/>
+          </a:p>
+        </p:txBody>
+      </p:sp>
+      <p:sp>
+        <p:nvSpPr>
+          <p:cNvPr id="4" name="Date Placeholder 3"/>
           <p:cNvSpPr>
             <a:spLocks noGrp="1"/>
           </p:cNvSpPr>
@@ -858,7 +2992,7 @@
           <a:p>
             <a:fld id="{402C38B8-41F2-4D74-919D-0994AD1C37C3}" type="datetimeFigureOut">
               <a:rPr lang="ko-KR" altLang="en-US" smtClean="0"/>
-              <a:t>2021-06-24</a:t>
+              <a:t>2021-07-02</a:t>
             </a:fld>
             <a:endParaRPr lang="ko-KR" altLang="en-US"/>
           </a:p>
@@ -866,13 +3000,7 @@
       </p:sp>
       <p:sp>
         <p:nvSpPr>
-          <p:cNvPr id="5" name="바닥글 개체 틀 4">
-            <a:extLst>
-              <a:ext uri="{FF2B5EF4-FFF2-40B4-BE49-F238E27FC236}">
-                <a16:creationId xmlns:a16="http://schemas.microsoft.com/office/drawing/2014/main" id="{D6FFAB59-ABFA-4F84-87D0-76E3BE0AB71B}"/>
-              </a:ext>
-            </a:extLst>
-          </p:cNvPr>
+          <p:cNvPr id="5" name="Footer Placeholder 4"/>
           <p:cNvSpPr>
             <a:spLocks noGrp="1"/>
           </p:cNvSpPr>
@@ -891,13 +3019,7 @@
       </p:sp>
       <p:sp>
         <p:nvSpPr>
-          <p:cNvPr id="6" name="슬라이드 번호 개체 틀 5">
-            <a:extLst>
-              <a:ext uri="{FF2B5EF4-FFF2-40B4-BE49-F238E27FC236}">
-                <a16:creationId xmlns:a16="http://schemas.microsoft.com/office/drawing/2014/main" id="{04E86CE7-F425-48EB-88B8-C22817283FF3}"/>
-              </a:ext>
-            </a:extLst>
-          </p:cNvPr>
+          <p:cNvPr id="6" name="Slide Number Placeholder 5"/>
           <p:cNvSpPr>
             <a:spLocks noGrp="1"/>
           </p:cNvSpPr>
@@ -921,7 +3043,7 @@
     </p:spTree>
     <p:extLst>
       <p:ext uri="{BB962C8B-B14F-4D97-AF65-F5344CB8AC3E}">
-        <p14:creationId xmlns:p14="http://schemas.microsoft.com/office/powerpoint/2010/main" val="3619184235"/>
+        <p14:creationId xmlns:p14="http://schemas.microsoft.com/office/powerpoint/2010/main" val="3022251971"/>
       </p:ext>
     </p:extLst>
   </p:cSld>
@@ -950,13 +3072,7 @@
       </p:grpSpPr>
       <p:sp>
         <p:nvSpPr>
-          <p:cNvPr id="2" name="제목 1">
-            <a:extLst>
-              <a:ext uri="{FF2B5EF4-FFF2-40B4-BE49-F238E27FC236}">
-                <a16:creationId xmlns:a16="http://schemas.microsoft.com/office/drawing/2014/main" id="{19CF7B52-C479-474F-AEAD-B22F3184978D}"/>
-              </a:ext>
-            </a:extLst>
-          </p:cNvPr>
+          <p:cNvPr id="2" name="Title 1"/>
           <p:cNvSpPr>
             <a:spLocks noGrp="1"/>
           </p:cNvSpPr>
@@ -966,15 +3082,15 @@
         </p:nvSpPr>
         <p:spPr>
           <a:xfrm>
-            <a:off x="831850" y="1709738"/>
-            <a:ext cx="10515600" cy="2852737"/>
+            <a:off x="677335" y="2700867"/>
+            <a:ext cx="8596668" cy="1826581"/>
           </a:xfrm>
         </p:spPr>
         <p:txBody>
           <a:bodyPr anchor="b"/>
           <a:lstStyle>
-            <a:lvl1pPr>
-              <a:defRPr sz="6000"/>
+            <a:lvl1pPr algn="l">
+              <a:defRPr sz="4000" b="0" cap="none"/>
             </a:lvl1pPr>
           </a:lstStyle>
           <a:p>
@@ -982,18 +3098,13 @@
               <a:rPr lang="ko-KR" altLang="en-US"/>
               <a:t>마스터 제목 스타일 편집</a:t>
             </a:r>
-          </a:p>
-        </p:txBody>
-      </p:sp>
-      <p:sp>
-        <p:nvSpPr>
-          <p:cNvPr id="3" name="텍스트 개체 틀 2">
-            <a:extLst>
-              <a:ext uri="{FF2B5EF4-FFF2-40B4-BE49-F238E27FC236}">
-                <a16:creationId xmlns:a16="http://schemas.microsoft.com/office/drawing/2014/main" id="{BE25F713-AE9E-4CD7-83A7-DA4FE60C4AD3}"/>
-              </a:ext>
-            </a:extLst>
-          </p:cNvPr>
+            <a:endParaRPr lang="en-US" dirty="0"/>
+          </a:p>
+        </p:txBody>
+      </p:sp>
+      <p:sp>
+        <p:nvSpPr>
+          <p:cNvPr id="3" name="Text Placeholder 2"/>
           <p:cNvSpPr>
             <a:spLocks noGrp="1"/>
           </p:cNvSpPr>
@@ -1003,26 +3114,27 @@
         </p:nvSpPr>
         <p:spPr>
           <a:xfrm>
-            <a:off x="831850" y="4589463"/>
-            <a:ext cx="10515600" cy="1500187"/>
+            <a:off x="677335" y="4527448"/>
+            <a:ext cx="8596668" cy="860400"/>
           </a:xfrm>
         </p:spPr>
         <p:txBody>
-          <a:bodyPr/>
+          <a:bodyPr anchor="t"/>
           <a:lstStyle>
-            <a:lvl1pPr marL="0" indent="0">
-              <a:buNone/>
-              <a:defRPr sz="2400">
+            <a:lvl1pPr marL="0" indent="0" algn="l">
+              <a:buNone/>
+              <a:defRPr sz="2000">
                 <a:solidFill>
                   <a:schemeClr val="tx1">
-                    <a:tint val="75000"/>
+                    <a:lumMod val="50000"/>
+                    <a:lumOff val="50000"/>
                   </a:schemeClr>
                 </a:solidFill>
               </a:defRPr>
             </a:lvl1pPr>
             <a:lvl2pPr marL="457200" indent="0">
               <a:buNone/>
-              <a:defRPr sz="2000">
+              <a:defRPr sz="1800">
                 <a:solidFill>
                   <a:schemeClr val="tx1">
                     <a:tint val="75000"/>
@@ -1032,7 +3144,7 @@
             </a:lvl2pPr>
             <a:lvl3pPr marL="914400" indent="0">
               <a:buNone/>
-              <a:defRPr sz="1800">
+              <a:defRPr sz="1600">
                 <a:solidFill>
                   <a:schemeClr val="tx1">
                     <a:tint val="75000"/>
@@ -1042,7 +3154,7 @@
             </a:lvl3pPr>
             <a:lvl4pPr marL="1371600" indent="0">
               <a:buNone/>
-              <a:defRPr sz="1600">
+              <a:defRPr sz="1400">
                 <a:solidFill>
                   <a:schemeClr val="tx1">
                     <a:tint val="75000"/>
@@ -1052,7 +3164,7 @@
             </a:lvl4pPr>
             <a:lvl5pPr marL="1828800" indent="0">
               <a:buNone/>
-              <a:defRPr sz="1600">
+              <a:defRPr sz="1400">
                 <a:solidFill>
                   <a:schemeClr val="tx1">
                     <a:tint val="75000"/>
@@ -1062,7 +3174,7 @@
             </a:lvl5pPr>
             <a:lvl6pPr marL="2286000" indent="0">
               <a:buNone/>
-              <a:defRPr sz="1600">
+              <a:defRPr sz="1400">
                 <a:solidFill>
                   <a:schemeClr val="tx1">
                     <a:tint val="75000"/>
@@ -1072,7 +3184,7 @@
             </a:lvl6pPr>
             <a:lvl7pPr marL="2743200" indent="0">
               <a:buNone/>
-              <a:defRPr sz="1600">
+              <a:defRPr sz="1400">
                 <a:solidFill>
                   <a:schemeClr val="tx1">
                     <a:tint val="75000"/>
@@ -1082,7 +3194,7 @@
             </a:lvl7pPr>
             <a:lvl8pPr marL="3200400" indent="0">
               <a:buNone/>
-              <a:defRPr sz="1600">
+              <a:defRPr sz="1400">
                 <a:solidFill>
                   <a:schemeClr val="tx1">
                     <a:tint val="75000"/>
@@ -1092,7 +3204,7 @@
             </a:lvl8pPr>
             <a:lvl9pPr marL="3657600" indent="0">
               <a:buNone/>
-              <a:defRPr sz="1600">
+              <a:defRPr sz="1400">
                 <a:solidFill>
                   <a:schemeClr val="tx1">
                     <a:tint val="75000"/>
@@ -1112,13 +3224,7 @@
       </p:sp>
       <p:sp>
         <p:nvSpPr>
-          <p:cNvPr id="4" name="날짜 개체 틀 3">
-            <a:extLst>
-              <a:ext uri="{FF2B5EF4-FFF2-40B4-BE49-F238E27FC236}">
-                <a16:creationId xmlns:a16="http://schemas.microsoft.com/office/drawing/2014/main" id="{477CEE6C-E3F5-48F6-A1ED-44E69902518C}"/>
-              </a:ext>
-            </a:extLst>
-          </p:cNvPr>
+          <p:cNvPr id="4" name="Date Placeholder 3"/>
           <p:cNvSpPr>
             <a:spLocks noGrp="1"/>
           </p:cNvSpPr>
@@ -1133,7 +3239,7 @@
           <a:p>
             <a:fld id="{402C38B8-41F2-4D74-919D-0994AD1C37C3}" type="datetimeFigureOut">
               <a:rPr lang="ko-KR" altLang="en-US" smtClean="0"/>
-              <a:t>2021-06-24</a:t>
+              <a:t>2021-07-02</a:t>
             </a:fld>
             <a:endParaRPr lang="ko-KR" altLang="en-US"/>
           </a:p>
@@ -1141,13 +3247,7 @@
       </p:sp>
       <p:sp>
         <p:nvSpPr>
-          <p:cNvPr id="5" name="바닥글 개체 틀 4">
-            <a:extLst>
-              <a:ext uri="{FF2B5EF4-FFF2-40B4-BE49-F238E27FC236}">
-                <a16:creationId xmlns:a16="http://schemas.microsoft.com/office/drawing/2014/main" id="{770F6F05-C0E2-469A-87C1-101ED1747445}"/>
-              </a:ext>
-            </a:extLst>
-          </p:cNvPr>
+          <p:cNvPr id="5" name="Footer Placeholder 4"/>
           <p:cNvSpPr>
             <a:spLocks noGrp="1"/>
           </p:cNvSpPr>
@@ -1166,13 +3266,7 @@
       </p:sp>
       <p:sp>
         <p:nvSpPr>
-          <p:cNvPr id="6" name="슬라이드 번호 개체 틀 5">
-            <a:extLst>
-              <a:ext uri="{FF2B5EF4-FFF2-40B4-BE49-F238E27FC236}">
-                <a16:creationId xmlns:a16="http://schemas.microsoft.com/office/drawing/2014/main" id="{900E63AD-CF43-420E-9F32-94288A3B879B}"/>
-              </a:ext>
-            </a:extLst>
-          </p:cNvPr>
+          <p:cNvPr id="6" name="Slide Number Placeholder 5"/>
           <p:cNvSpPr>
             <a:spLocks noGrp="1"/>
           </p:cNvSpPr>
@@ -1196,7 +3290,7 @@
     </p:spTree>
     <p:extLst>
       <p:ext uri="{BB962C8B-B14F-4D97-AF65-F5344CB8AC3E}">
-        <p14:creationId xmlns:p14="http://schemas.microsoft.com/office/powerpoint/2010/main" val="3933185214"/>
+        <p14:creationId xmlns:p14="http://schemas.microsoft.com/office/powerpoint/2010/main" val="2750657708"/>
       </p:ext>
     </p:extLst>
   </p:cSld>
@@ -1225,13 +3319,7 @@
       </p:grpSpPr>
       <p:sp>
         <p:nvSpPr>
-          <p:cNvPr id="2" name="제목 1">
-            <a:extLst>
-              <a:ext uri="{FF2B5EF4-FFF2-40B4-BE49-F238E27FC236}">
-                <a16:creationId xmlns:a16="http://schemas.microsoft.com/office/drawing/2014/main" id="{B86F5D22-F8CD-496F-96AB-5E51D972608D}"/>
-              </a:ext>
-            </a:extLst>
-          </p:cNvPr>
+          <p:cNvPr id="2" name="Title 1"/>
           <p:cNvSpPr>
             <a:spLocks noGrp="1"/>
           </p:cNvSpPr>
@@ -1248,18 +3336,13 @@
               <a:rPr lang="ko-KR" altLang="en-US"/>
               <a:t>마스터 제목 스타일 편집</a:t>
             </a:r>
-          </a:p>
-        </p:txBody>
-      </p:sp>
-      <p:sp>
-        <p:nvSpPr>
-          <p:cNvPr id="3" name="내용 개체 틀 2">
-            <a:extLst>
-              <a:ext uri="{FF2B5EF4-FFF2-40B4-BE49-F238E27FC236}">
-                <a16:creationId xmlns:a16="http://schemas.microsoft.com/office/drawing/2014/main" id="{11410DAB-458C-43B9-813C-B0128AB6732A}"/>
-              </a:ext>
-            </a:extLst>
-          </p:cNvPr>
+            <a:endParaRPr lang="en-US" dirty="0"/>
+          </a:p>
+        </p:txBody>
+      </p:sp>
+      <p:sp>
+        <p:nvSpPr>
+          <p:cNvPr id="3" name="Content Placeholder 2"/>
           <p:cNvSpPr>
             <a:spLocks noGrp="1"/>
           </p:cNvSpPr>
@@ -1269,8 +3352,8 @@
         </p:nvSpPr>
         <p:spPr>
           <a:xfrm>
-            <a:off x="838200" y="1825625"/>
-            <a:ext cx="5181600" cy="4351338"/>
+            <a:off x="677334" y="2160589"/>
+            <a:ext cx="4184035" cy="3880772"/>
           </a:xfrm>
         </p:spPr>
         <p:txBody>
@@ -1310,18 +3393,13 @@
               <a:rPr lang="ko-KR" altLang="en-US"/>
               <a:t>다섯 번째 수준</a:t>
             </a:r>
-          </a:p>
-        </p:txBody>
-      </p:sp>
-      <p:sp>
-        <p:nvSpPr>
-          <p:cNvPr id="4" name="내용 개체 틀 3">
-            <a:extLst>
-              <a:ext uri="{FF2B5EF4-FFF2-40B4-BE49-F238E27FC236}">
-                <a16:creationId xmlns:a16="http://schemas.microsoft.com/office/drawing/2014/main" id="{B3A7AFF0-EF13-4818-AD55-6FEE9996274F}"/>
-              </a:ext>
-            </a:extLst>
-          </p:cNvPr>
+            <a:endParaRPr lang="en-US" dirty="0"/>
+          </a:p>
+        </p:txBody>
+      </p:sp>
+      <p:sp>
+        <p:nvSpPr>
+          <p:cNvPr id="4" name="Content Placeholder 3"/>
           <p:cNvSpPr>
             <a:spLocks noGrp="1"/>
           </p:cNvSpPr>
@@ -1331,8 +3409,8 @@
         </p:nvSpPr>
         <p:spPr>
           <a:xfrm>
-            <a:off x="6172200" y="1825625"/>
-            <a:ext cx="5181600" cy="4351338"/>
+            <a:off x="5089970" y="2160589"/>
+            <a:ext cx="4184034" cy="3880773"/>
           </a:xfrm>
         </p:spPr>
         <p:txBody>
@@ -1372,18 +3450,13 @@
               <a:rPr lang="ko-KR" altLang="en-US"/>
               <a:t>다섯 번째 수준</a:t>
             </a:r>
-          </a:p>
-        </p:txBody>
-      </p:sp>
-      <p:sp>
-        <p:nvSpPr>
-          <p:cNvPr id="5" name="날짜 개체 틀 4">
-            <a:extLst>
-              <a:ext uri="{FF2B5EF4-FFF2-40B4-BE49-F238E27FC236}">
-                <a16:creationId xmlns:a16="http://schemas.microsoft.com/office/drawing/2014/main" id="{EFA3CA18-482C-4869-946F-F0991C2DCBFF}"/>
-              </a:ext>
-            </a:extLst>
-          </p:cNvPr>
+            <a:endParaRPr lang="en-US" dirty="0"/>
+          </a:p>
+        </p:txBody>
+      </p:sp>
+      <p:sp>
+        <p:nvSpPr>
+          <p:cNvPr id="5" name="Date Placeholder 4"/>
           <p:cNvSpPr>
             <a:spLocks noGrp="1"/>
           </p:cNvSpPr>
@@ -1398,7 +3471,7 @@
           <a:p>
             <a:fld id="{402C38B8-41F2-4D74-919D-0994AD1C37C3}" type="datetimeFigureOut">
               <a:rPr lang="ko-KR" altLang="en-US" smtClean="0"/>
-              <a:t>2021-06-24</a:t>
+              <a:t>2021-07-02</a:t>
             </a:fld>
             <a:endParaRPr lang="ko-KR" altLang="en-US"/>
           </a:p>
@@ -1406,13 +3479,7 @@
       </p:sp>
       <p:sp>
         <p:nvSpPr>
-          <p:cNvPr id="6" name="바닥글 개체 틀 5">
-            <a:extLst>
-              <a:ext uri="{FF2B5EF4-FFF2-40B4-BE49-F238E27FC236}">
-                <a16:creationId xmlns:a16="http://schemas.microsoft.com/office/drawing/2014/main" id="{B0EE1334-8EF8-4129-98A6-81BE9FFCB4E6}"/>
-              </a:ext>
-            </a:extLst>
-          </p:cNvPr>
+          <p:cNvPr id="6" name="Footer Placeholder 5"/>
           <p:cNvSpPr>
             <a:spLocks noGrp="1"/>
           </p:cNvSpPr>
@@ -1431,13 +3498,7 @@
       </p:sp>
       <p:sp>
         <p:nvSpPr>
-          <p:cNvPr id="7" name="슬라이드 번호 개체 틀 6">
-            <a:extLst>
-              <a:ext uri="{FF2B5EF4-FFF2-40B4-BE49-F238E27FC236}">
-                <a16:creationId xmlns:a16="http://schemas.microsoft.com/office/drawing/2014/main" id="{59EEFEDC-76CF-44EF-91B6-7C51D7D3C311}"/>
-              </a:ext>
-            </a:extLst>
-          </p:cNvPr>
+          <p:cNvPr id="7" name="Slide Number Placeholder 6"/>
           <p:cNvSpPr>
             <a:spLocks noGrp="1"/>
           </p:cNvSpPr>
@@ -1461,7 +3522,7 @@
     </p:spTree>
     <p:extLst>
       <p:ext uri="{BB962C8B-B14F-4D97-AF65-F5344CB8AC3E}">
-        <p14:creationId xmlns:p14="http://schemas.microsoft.com/office/powerpoint/2010/main" val="564071172"/>
+        <p14:creationId xmlns:p14="http://schemas.microsoft.com/office/powerpoint/2010/main" val="3169012976"/>
       </p:ext>
     </p:extLst>
   </p:cSld>
@@ -1490,65 +3551,55 @@
       </p:grpSpPr>
       <p:sp>
         <p:nvSpPr>
-          <p:cNvPr id="2" name="제목 1">
-            <a:extLst>
-              <a:ext uri="{FF2B5EF4-FFF2-40B4-BE49-F238E27FC236}">
-                <a16:creationId xmlns:a16="http://schemas.microsoft.com/office/drawing/2014/main" id="{A6272686-F5EC-4B02-93EC-F79B97FCEA4A}"/>
-              </a:ext>
-            </a:extLst>
-          </p:cNvPr>
+          <p:cNvPr id="2" name="Title 1"/>
           <p:cNvSpPr>
             <a:spLocks noGrp="1"/>
           </p:cNvSpPr>
           <p:nvPr>
             <p:ph type="title"/>
+          </p:nvPr>
+        </p:nvSpPr>
+        <p:spPr/>
+        <p:txBody>
+          <a:bodyPr/>
+          <a:lstStyle>
+            <a:lvl1pPr>
+              <a:defRPr/>
+            </a:lvl1pPr>
+          </a:lstStyle>
+          <a:p>
+            <a:r>
+              <a:rPr lang="ko-KR" altLang="en-US"/>
+              <a:t>마스터 제목 스타일 편집</a:t>
+            </a:r>
+            <a:endParaRPr lang="en-US" dirty="0"/>
+          </a:p>
+        </p:txBody>
+      </p:sp>
+      <p:sp>
+        <p:nvSpPr>
+          <p:cNvPr id="3" name="Text Placeholder 2"/>
+          <p:cNvSpPr>
+            <a:spLocks noGrp="1"/>
+          </p:cNvSpPr>
+          <p:nvPr>
+            <p:ph type="body" idx="1"/>
           </p:nvPr>
         </p:nvSpPr>
         <p:spPr>
           <a:xfrm>
-            <a:off x="839788" y="365125"/>
-            <a:ext cx="10515600" cy="1325563"/>
+            <a:off x="675745" y="2160983"/>
+            <a:ext cx="4185623" cy="576262"/>
           </a:xfrm>
         </p:spPr>
         <p:txBody>
-          <a:bodyPr/>
-          <a:lstStyle/>
-          <a:p>
-            <a:r>
-              <a:rPr lang="ko-KR" altLang="en-US"/>
-              <a:t>마스터 제목 스타일 편집</a:t>
-            </a:r>
-          </a:p>
-        </p:txBody>
-      </p:sp>
-      <p:sp>
-        <p:nvSpPr>
-          <p:cNvPr id="3" name="텍스트 개체 틀 2">
-            <a:extLst>
-              <a:ext uri="{FF2B5EF4-FFF2-40B4-BE49-F238E27FC236}">
-                <a16:creationId xmlns:a16="http://schemas.microsoft.com/office/drawing/2014/main" id="{C72B5931-4714-431E-9C2E-A252F5B50B1C}"/>
-              </a:ext>
-            </a:extLst>
-          </p:cNvPr>
-          <p:cNvSpPr>
-            <a:spLocks noGrp="1"/>
-          </p:cNvSpPr>
-          <p:nvPr>
-            <p:ph type="body" idx="1"/>
-          </p:nvPr>
-        </p:nvSpPr>
-        <p:spPr>
-          <a:xfrm>
-            <a:off x="839788" y="1681163"/>
-            <a:ext cx="5157787" cy="823912"/>
-          </a:xfrm>
-        </p:spPr>
-        <p:txBody>
-          <a:bodyPr anchor="b"/>
+          <a:bodyPr anchor="b">
+            <a:noAutofit/>
+          </a:bodyPr>
           <a:lstStyle>
             <a:lvl1pPr marL="0" indent="0">
               <a:buNone/>
-              <a:defRPr sz="2400" b="1"/>
+              <a:defRPr sz="2400" b="0"/>
             </a:lvl1pPr>
             <a:lvl2pPr marL="457200" indent="0">
               <a:buNone/>
@@ -1594,13 +3645,7 @@
       </p:sp>
       <p:sp>
         <p:nvSpPr>
-          <p:cNvPr id="4" name="내용 개체 틀 3">
-            <a:extLst>
-              <a:ext uri="{FF2B5EF4-FFF2-40B4-BE49-F238E27FC236}">
-                <a16:creationId xmlns:a16="http://schemas.microsoft.com/office/drawing/2014/main" id="{DB34B7BE-EB2C-4C6C-AD28-55906F45BD80}"/>
-              </a:ext>
-            </a:extLst>
-          </p:cNvPr>
+          <p:cNvPr id="4" name="Content Placeholder 3"/>
           <p:cNvSpPr>
             <a:spLocks noGrp="1"/>
           </p:cNvSpPr>
@@ -1610,12 +3655,14 @@
         </p:nvSpPr>
         <p:spPr>
           <a:xfrm>
-            <a:off x="839788" y="2505075"/>
-            <a:ext cx="5157787" cy="3684588"/>
+            <a:off x="675745" y="2737245"/>
+            <a:ext cx="4185623" cy="3304117"/>
           </a:xfrm>
         </p:spPr>
         <p:txBody>
-          <a:bodyPr/>
+          <a:bodyPr>
+            <a:normAutofit/>
+          </a:bodyPr>
           <a:lstStyle/>
           <a:p>
             <a:pPr lvl="0"/>
@@ -1651,18 +3698,13 @@
               <a:rPr lang="ko-KR" altLang="en-US"/>
               <a:t>다섯 번째 수준</a:t>
             </a:r>
-          </a:p>
-        </p:txBody>
-      </p:sp>
-      <p:sp>
-        <p:nvSpPr>
-          <p:cNvPr id="5" name="텍스트 개체 틀 4">
-            <a:extLst>
-              <a:ext uri="{FF2B5EF4-FFF2-40B4-BE49-F238E27FC236}">
-                <a16:creationId xmlns:a16="http://schemas.microsoft.com/office/drawing/2014/main" id="{8ABF013B-27E4-44D4-A671-CAE84FB9E129}"/>
-              </a:ext>
-            </a:extLst>
-          </p:cNvPr>
+            <a:endParaRPr lang="en-US" dirty="0"/>
+          </a:p>
+        </p:txBody>
+      </p:sp>
+      <p:sp>
+        <p:nvSpPr>
+          <p:cNvPr id="5" name="Text Placeholder 4"/>
           <p:cNvSpPr>
             <a:spLocks noGrp="1"/>
           </p:cNvSpPr>
@@ -1672,16 +3714,18 @@
         </p:nvSpPr>
         <p:spPr>
           <a:xfrm>
-            <a:off x="6172200" y="1681163"/>
-            <a:ext cx="5183188" cy="823912"/>
+            <a:off x="5088383" y="2160983"/>
+            <a:ext cx="4185618" cy="576262"/>
           </a:xfrm>
         </p:spPr>
         <p:txBody>
-          <a:bodyPr anchor="b"/>
+          <a:bodyPr anchor="b">
+            <a:noAutofit/>
+          </a:bodyPr>
           <a:lstStyle>
             <a:lvl1pPr marL="0" indent="0">
               <a:buNone/>
-              <a:defRPr sz="2400" b="1"/>
+              <a:defRPr sz="2400" b="0"/>
             </a:lvl1pPr>
             <a:lvl2pPr marL="457200" indent="0">
               <a:buNone/>
@@ -1727,13 +3771,7 @@
       </p:sp>
       <p:sp>
         <p:nvSpPr>
-          <p:cNvPr id="6" name="내용 개체 틀 5">
-            <a:extLst>
-              <a:ext uri="{FF2B5EF4-FFF2-40B4-BE49-F238E27FC236}">
-                <a16:creationId xmlns:a16="http://schemas.microsoft.com/office/drawing/2014/main" id="{193B51EF-C412-4D41-A354-754D4FC4AC51}"/>
-              </a:ext>
-            </a:extLst>
-          </p:cNvPr>
+          <p:cNvPr id="6" name="Content Placeholder 5"/>
           <p:cNvSpPr>
             <a:spLocks noGrp="1"/>
           </p:cNvSpPr>
@@ -1743,12 +3781,14 @@
         </p:nvSpPr>
         <p:spPr>
           <a:xfrm>
-            <a:off x="6172200" y="2505075"/>
-            <a:ext cx="5183188" cy="3684588"/>
+            <a:off x="5088384" y="2737245"/>
+            <a:ext cx="4185617" cy="3304117"/>
           </a:xfrm>
         </p:spPr>
         <p:txBody>
-          <a:bodyPr/>
+          <a:bodyPr>
+            <a:normAutofit/>
+          </a:bodyPr>
           <a:lstStyle/>
           <a:p>
             <a:pPr lvl="0"/>
@@ -1784,18 +3824,13 @@
               <a:rPr lang="ko-KR" altLang="en-US"/>
               <a:t>다섯 번째 수준</a:t>
             </a:r>
-          </a:p>
-        </p:txBody>
-      </p:sp>
-      <p:sp>
-        <p:nvSpPr>
-          <p:cNvPr id="7" name="날짜 개체 틀 6">
-            <a:extLst>
-              <a:ext uri="{FF2B5EF4-FFF2-40B4-BE49-F238E27FC236}">
-                <a16:creationId xmlns:a16="http://schemas.microsoft.com/office/drawing/2014/main" id="{053BE069-799B-41BF-BAA3-902DC1898157}"/>
-              </a:ext>
-            </a:extLst>
-          </p:cNvPr>
+            <a:endParaRPr lang="en-US" dirty="0"/>
+          </a:p>
+        </p:txBody>
+      </p:sp>
+      <p:sp>
+        <p:nvSpPr>
+          <p:cNvPr id="7" name="Date Placeholder 6"/>
           <p:cNvSpPr>
             <a:spLocks noGrp="1"/>
           </p:cNvSpPr>
@@ -1810,7 +3845,7 @@
           <a:p>
             <a:fld id="{402C38B8-41F2-4D74-919D-0994AD1C37C3}" type="datetimeFigureOut">
               <a:rPr lang="ko-KR" altLang="en-US" smtClean="0"/>
-              <a:t>2021-06-24</a:t>
+              <a:t>2021-07-02</a:t>
             </a:fld>
             <a:endParaRPr lang="ko-KR" altLang="en-US"/>
           </a:p>
@@ -1818,13 +3853,7 @@
       </p:sp>
       <p:sp>
         <p:nvSpPr>
-          <p:cNvPr id="8" name="바닥글 개체 틀 7">
-            <a:extLst>
-              <a:ext uri="{FF2B5EF4-FFF2-40B4-BE49-F238E27FC236}">
-                <a16:creationId xmlns:a16="http://schemas.microsoft.com/office/drawing/2014/main" id="{B9474D07-45C7-4CEB-B7EC-EBED9FBCDB13}"/>
-              </a:ext>
-            </a:extLst>
-          </p:cNvPr>
+          <p:cNvPr id="8" name="Footer Placeholder 7"/>
           <p:cNvSpPr>
             <a:spLocks noGrp="1"/>
           </p:cNvSpPr>
@@ -1843,13 +3872,7 @@
       </p:sp>
       <p:sp>
         <p:nvSpPr>
-          <p:cNvPr id="9" name="슬라이드 번호 개체 틀 8">
-            <a:extLst>
-              <a:ext uri="{FF2B5EF4-FFF2-40B4-BE49-F238E27FC236}">
-                <a16:creationId xmlns:a16="http://schemas.microsoft.com/office/drawing/2014/main" id="{6F9D0D5E-A4EF-4DDF-846D-4626AA57A7BC}"/>
-              </a:ext>
-            </a:extLst>
-          </p:cNvPr>
+          <p:cNvPr id="9" name="Slide Number Placeholder 8"/>
           <p:cNvSpPr>
             <a:spLocks noGrp="1"/>
           </p:cNvSpPr>
@@ -1873,7 +3896,7 @@
     </p:spTree>
     <p:extLst>
       <p:ext uri="{BB962C8B-B14F-4D97-AF65-F5344CB8AC3E}">
-        <p14:creationId xmlns:p14="http://schemas.microsoft.com/office/powerpoint/2010/main" val="1180811299"/>
+        <p14:creationId xmlns:p14="http://schemas.microsoft.com/office/powerpoint/2010/main" val="2132712656"/>
       </p:ext>
     </p:extLst>
   </p:cSld>
@@ -1902,13 +3925,7 @@
       </p:grpSpPr>
       <p:sp>
         <p:nvSpPr>
-          <p:cNvPr id="2" name="제목 1">
-            <a:extLst>
-              <a:ext uri="{FF2B5EF4-FFF2-40B4-BE49-F238E27FC236}">
-                <a16:creationId xmlns:a16="http://schemas.microsoft.com/office/drawing/2014/main" id="{B8AEED16-1AF9-4673-870F-A48A9FA7CC2B}"/>
-              </a:ext>
-            </a:extLst>
-          </p:cNvPr>
+          <p:cNvPr id="2" name="Title 1"/>
           <p:cNvSpPr>
             <a:spLocks noGrp="1"/>
           </p:cNvSpPr>
@@ -1916,7 +3933,12 @@
             <p:ph type="title"/>
           </p:nvPr>
         </p:nvSpPr>
-        <p:spPr/>
+        <p:spPr>
+          <a:xfrm>
+            <a:off x="677334" y="609600"/>
+            <a:ext cx="8596668" cy="1320800"/>
+          </a:xfrm>
+        </p:spPr>
         <p:txBody>
           <a:bodyPr/>
           <a:lstStyle/>
@@ -1925,18 +3947,13 @@
               <a:rPr lang="ko-KR" altLang="en-US"/>
               <a:t>마스터 제목 스타일 편집</a:t>
             </a:r>
-          </a:p>
-        </p:txBody>
-      </p:sp>
-      <p:sp>
-        <p:nvSpPr>
-          <p:cNvPr id="3" name="날짜 개체 틀 2">
-            <a:extLst>
-              <a:ext uri="{FF2B5EF4-FFF2-40B4-BE49-F238E27FC236}">
-                <a16:creationId xmlns:a16="http://schemas.microsoft.com/office/drawing/2014/main" id="{9D3BBE44-3414-4255-814B-830AF395DB44}"/>
-              </a:ext>
-            </a:extLst>
-          </p:cNvPr>
+            <a:endParaRPr lang="en-US" dirty="0"/>
+          </a:p>
+        </p:txBody>
+      </p:sp>
+      <p:sp>
+        <p:nvSpPr>
+          <p:cNvPr id="3" name="Date Placeholder 2"/>
           <p:cNvSpPr>
             <a:spLocks noGrp="1"/>
           </p:cNvSpPr>
@@ -1951,7 +3968,7 @@
           <a:p>
             <a:fld id="{402C38B8-41F2-4D74-919D-0994AD1C37C3}" type="datetimeFigureOut">
               <a:rPr lang="ko-KR" altLang="en-US" smtClean="0"/>
-              <a:t>2021-06-24</a:t>
+              <a:t>2021-07-02</a:t>
             </a:fld>
             <a:endParaRPr lang="ko-KR" altLang="en-US"/>
           </a:p>
@@ -1959,13 +3976,7 @@
       </p:sp>
       <p:sp>
         <p:nvSpPr>
-          <p:cNvPr id="4" name="바닥글 개체 틀 3">
-            <a:extLst>
-              <a:ext uri="{FF2B5EF4-FFF2-40B4-BE49-F238E27FC236}">
-                <a16:creationId xmlns:a16="http://schemas.microsoft.com/office/drawing/2014/main" id="{FDB03350-11B1-430E-8AD3-5C2C46AB86E2}"/>
-              </a:ext>
-            </a:extLst>
-          </p:cNvPr>
+          <p:cNvPr id="4" name="Footer Placeholder 3"/>
           <p:cNvSpPr>
             <a:spLocks noGrp="1"/>
           </p:cNvSpPr>
@@ -1984,13 +3995,7 @@
       </p:sp>
       <p:sp>
         <p:nvSpPr>
-          <p:cNvPr id="5" name="슬라이드 번호 개체 틀 4">
-            <a:extLst>
-              <a:ext uri="{FF2B5EF4-FFF2-40B4-BE49-F238E27FC236}">
-                <a16:creationId xmlns:a16="http://schemas.microsoft.com/office/drawing/2014/main" id="{3D9071F6-009D-4817-A169-BDE3204F978A}"/>
-              </a:ext>
-            </a:extLst>
-          </p:cNvPr>
+          <p:cNvPr id="5" name="Slide Number Placeholder 4"/>
           <p:cNvSpPr>
             <a:spLocks noGrp="1"/>
           </p:cNvSpPr>
@@ -2014,7 +4019,7 @@
     </p:spTree>
     <p:extLst>
       <p:ext uri="{BB962C8B-B14F-4D97-AF65-F5344CB8AC3E}">
-        <p14:creationId xmlns:p14="http://schemas.microsoft.com/office/powerpoint/2010/main" val="4054620510"/>
+        <p14:creationId xmlns:p14="http://schemas.microsoft.com/office/powerpoint/2010/main" val="2652021930"/>
       </p:ext>
     </p:extLst>
   </p:cSld>
@@ -2043,13 +4048,7 @@
       </p:grpSpPr>
       <p:sp>
         <p:nvSpPr>
-          <p:cNvPr id="2" name="날짜 개체 틀 1">
-            <a:extLst>
-              <a:ext uri="{FF2B5EF4-FFF2-40B4-BE49-F238E27FC236}">
-                <a16:creationId xmlns:a16="http://schemas.microsoft.com/office/drawing/2014/main" id="{F20E28FD-99F9-4946-AED3-B1E85FDD5944}"/>
-              </a:ext>
-            </a:extLst>
-          </p:cNvPr>
+          <p:cNvPr id="2" name="Date Placeholder 1"/>
           <p:cNvSpPr>
             <a:spLocks noGrp="1"/>
           </p:cNvSpPr>
@@ -2064,7 +4063,7 @@
           <a:p>
             <a:fld id="{402C38B8-41F2-4D74-919D-0994AD1C37C3}" type="datetimeFigureOut">
               <a:rPr lang="ko-KR" altLang="en-US" smtClean="0"/>
-              <a:t>2021-06-24</a:t>
+              <a:t>2021-07-02</a:t>
             </a:fld>
             <a:endParaRPr lang="ko-KR" altLang="en-US"/>
           </a:p>
@@ -2072,13 +4071,7 @@
       </p:sp>
       <p:sp>
         <p:nvSpPr>
-          <p:cNvPr id="3" name="바닥글 개체 틀 2">
-            <a:extLst>
-              <a:ext uri="{FF2B5EF4-FFF2-40B4-BE49-F238E27FC236}">
-                <a16:creationId xmlns:a16="http://schemas.microsoft.com/office/drawing/2014/main" id="{1F317BAA-D0EC-43F3-8EEE-313D3F950CD0}"/>
-              </a:ext>
-            </a:extLst>
-          </p:cNvPr>
+          <p:cNvPr id="3" name="Footer Placeholder 2"/>
           <p:cNvSpPr>
             <a:spLocks noGrp="1"/>
           </p:cNvSpPr>
@@ -2097,13 +4090,7 @@
       </p:sp>
       <p:sp>
         <p:nvSpPr>
-          <p:cNvPr id="4" name="슬라이드 번호 개체 틀 3">
-            <a:extLst>
-              <a:ext uri="{FF2B5EF4-FFF2-40B4-BE49-F238E27FC236}">
-                <a16:creationId xmlns:a16="http://schemas.microsoft.com/office/drawing/2014/main" id="{1B0E7434-3828-4966-8265-5301BABBA7BD}"/>
-              </a:ext>
-            </a:extLst>
-          </p:cNvPr>
+          <p:cNvPr id="4" name="Slide Number Placeholder 3"/>
           <p:cNvSpPr>
             <a:spLocks noGrp="1"/>
           </p:cNvSpPr>
@@ -2127,7 +4114,7 @@
     </p:spTree>
     <p:extLst>
       <p:ext uri="{BB962C8B-B14F-4D97-AF65-F5344CB8AC3E}">
-        <p14:creationId xmlns:p14="http://schemas.microsoft.com/office/powerpoint/2010/main" val="1080378064"/>
+        <p14:creationId xmlns:p14="http://schemas.microsoft.com/office/powerpoint/2010/main" val="1514149670"/>
       </p:ext>
     </p:extLst>
   </p:cSld>
@@ -2156,13 +4143,7 @@
       </p:grpSpPr>
       <p:sp>
         <p:nvSpPr>
-          <p:cNvPr id="2" name="제목 1">
-            <a:extLst>
-              <a:ext uri="{FF2B5EF4-FFF2-40B4-BE49-F238E27FC236}">
-                <a16:creationId xmlns:a16="http://schemas.microsoft.com/office/drawing/2014/main" id="{9327AFC1-24B9-4C66-BF29-6F9EAF6AEFA4}"/>
-              </a:ext>
-            </a:extLst>
-          </p:cNvPr>
+          <p:cNvPr id="2" name="Title 1"/>
           <p:cNvSpPr>
             <a:spLocks noGrp="1"/>
           </p:cNvSpPr>
@@ -2172,15 +4153,17 @@
         </p:nvSpPr>
         <p:spPr>
           <a:xfrm>
-            <a:off x="839788" y="457200"/>
-            <a:ext cx="3932237" cy="1600200"/>
+            <a:off x="677334" y="1498604"/>
+            <a:ext cx="3854528" cy="1278466"/>
           </a:xfrm>
         </p:spPr>
         <p:txBody>
-          <a:bodyPr anchor="b"/>
+          <a:bodyPr anchor="b">
+            <a:normAutofit/>
+          </a:bodyPr>
           <a:lstStyle>
             <a:lvl1pPr>
-              <a:defRPr sz="3200"/>
+              <a:defRPr sz="2000"/>
             </a:lvl1pPr>
           </a:lstStyle>
           <a:p>
@@ -2188,18 +4171,13 @@
               <a:rPr lang="ko-KR" altLang="en-US"/>
               <a:t>마스터 제목 스타일 편집</a:t>
             </a:r>
-          </a:p>
-        </p:txBody>
-      </p:sp>
-      <p:sp>
-        <p:nvSpPr>
-          <p:cNvPr id="3" name="내용 개체 틀 2">
-            <a:extLst>
-              <a:ext uri="{FF2B5EF4-FFF2-40B4-BE49-F238E27FC236}">
-                <a16:creationId xmlns:a16="http://schemas.microsoft.com/office/drawing/2014/main" id="{5AB7E735-8297-42AB-AE5D-4C6FF04A4C6B}"/>
-              </a:ext>
-            </a:extLst>
-          </p:cNvPr>
+            <a:endParaRPr lang="en-US" dirty="0"/>
+          </a:p>
+        </p:txBody>
+      </p:sp>
+      <p:sp>
+        <p:nvSpPr>
+          <p:cNvPr id="3" name="Content Placeholder 2"/>
           <p:cNvSpPr>
             <a:spLocks noGrp="1"/>
           </p:cNvSpPr>
@@ -2209,41 +4187,15 @@
         </p:nvSpPr>
         <p:spPr>
           <a:xfrm>
-            <a:off x="5183188" y="987425"/>
-            <a:ext cx="6172200" cy="4873625"/>
+            <a:off x="4760461" y="514924"/>
+            <a:ext cx="4513541" cy="5526437"/>
           </a:xfrm>
         </p:spPr>
         <p:txBody>
-          <a:bodyPr/>
-          <a:lstStyle>
-            <a:lvl1pPr>
-              <a:defRPr sz="3200"/>
-            </a:lvl1pPr>
-            <a:lvl2pPr>
-              <a:defRPr sz="2800"/>
-            </a:lvl2pPr>
-            <a:lvl3pPr>
-              <a:defRPr sz="2400"/>
-            </a:lvl3pPr>
-            <a:lvl4pPr>
-              <a:defRPr sz="2000"/>
-            </a:lvl4pPr>
-            <a:lvl5pPr>
-              <a:defRPr sz="2000"/>
-            </a:lvl5pPr>
-            <a:lvl6pPr>
-              <a:defRPr sz="2000"/>
-            </a:lvl6pPr>
-            <a:lvl7pPr>
-              <a:defRPr sz="2000"/>
-            </a:lvl7pPr>
-            <a:lvl8pPr>
-              <a:defRPr sz="2000"/>
-            </a:lvl8pPr>
-            <a:lvl9pPr>
-              <a:defRPr sz="2000"/>
-            </a:lvl9pPr>
-          </a:lstStyle>
+          <a:bodyPr>
+            <a:normAutofit/>
+          </a:bodyPr>
+          <a:lstStyle/>
           <a:p>
             <a:pPr lvl="0"/>
             <a:r>
@@ -2278,18 +4230,13 @@
               <a:rPr lang="ko-KR" altLang="en-US"/>
               <a:t>다섯 번째 수준</a:t>
             </a:r>
-          </a:p>
-        </p:txBody>
-      </p:sp>
-      <p:sp>
-        <p:nvSpPr>
-          <p:cNvPr id="4" name="텍스트 개체 틀 3">
-            <a:extLst>
-              <a:ext uri="{FF2B5EF4-FFF2-40B4-BE49-F238E27FC236}">
-                <a16:creationId xmlns:a16="http://schemas.microsoft.com/office/drawing/2014/main" id="{E42F823E-B806-4772-B838-E0F4071FE8F6}"/>
-              </a:ext>
-            </a:extLst>
-          </p:cNvPr>
+            <a:endParaRPr lang="en-US" dirty="0"/>
+          </a:p>
+        </p:txBody>
+      </p:sp>
+      <p:sp>
+        <p:nvSpPr>
+          <p:cNvPr id="4" name="Text Placeholder 3"/>
           <p:cNvSpPr>
             <a:spLocks noGrp="1"/>
           </p:cNvSpPr>
@@ -2299,46 +4246,48 @@
         </p:nvSpPr>
         <p:spPr>
           <a:xfrm>
-            <a:off x="839788" y="2057400"/>
-            <a:ext cx="3932237" cy="3811588"/>
+            <a:off x="677334" y="2777069"/>
+            <a:ext cx="3854528" cy="2584449"/>
           </a:xfrm>
         </p:spPr>
         <p:txBody>
-          <a:bodyPr/>
+          <a:bodyPr>
+            <a:normAutofit/>
+          </a:bodyPr>
           <a:lstStyle>
             <a:lvl1pPr marL="0" indent="0">
               <a:buNone/>
-              <a:defRPr sz="1600"/>
+              <a:defRPr sz="1400"/>
             </a:lvl1pPr>
-            <a:lvl2pPr marL="457200" indent="0">
+            <a:lvl2pPr marL="457063" indent="0">
               <a:buNone/>
               <a:defRPr sz="1400"/>
             </a:lvl2pPr>
-            <a:lvl3pPr marL="914400" indent="0">
+            <a:lvl3pPr marL="914126" indent="0">
               <a:buNone/>
               <a:defRPr sz="1200"/>
             </a:lvl3pPr>
-            <a:lvl4pPr marL="1371600" indent="0">
+            <a:lvl4pPr marL="1371189" indent="0">
               <a:buNone/>
               <a:defRPr sz="1000"/>
             </a:lvl4pPr>
-            <a:lvl5pPr marL="1828800" indent="0">
+            <a:lvl5pPr marL="1828251" indent="0">
               <a:buNone/>
               <a:defRPr sz="1000"/>
             </a:lvl5pPr>
-            <a:lvl6pPr marL="2286000" indent="0">
+            <a:lvl6pPr marL="2285314" indent="0">
               <a:buNone/>
               <a:defRPr sz="1000"/>
             </a:lvl6pPr>
-            <a:lvl7pPr marL="2743200" indent="0">
+            <a:lvl7pPr marL="2742377" indent="0">
               <a:buNone/>
               <a:defRPr sz="1000"/>
             </a:lvl7pPr>
-            <a:lvl8pPr marL="3200400" indent="0">
+            <a:lvl8pPr marL="3199440" indent="0">
               <a:buNone/>
               <a:defRPr sz="1000"/>
             </a:lvl8pPr>
-            <a:lvl9pPr marL="3657600" indent="0">
+            <a:lvl9pPr marL="3656503" indent="0">
               <a:buNone/>
               <a:defRPr sz="1000"/>
             </a:lvl9pPr>
@@ -2354,13 +4303,7 @@
       </p:sp>
       <p:sp>
         <p:nvSpPr>
-          <p:cNvPr id="5" name="날짜 개체 틀 4">
-            <a:extLst>
-              <a:ext uri="{FF2B5EF4-FFF2-40B4-BE49-F238E27FC236}">
-                <a16:creationId xmlns:a16="http://schemas.microsoft.com/office/drawing/2014/main" id="{E79B105F-15CF-411D-A5FB-EF36D387823D}"/>
-              </a:ext>
-            </a:extLst>
-          </p:cNvPr>
+          <p:cNvPr id="5" name="Date Placeholder 4"/>
           <p:cNvSpPr>
             <a:spLocks noGrp="1"/>
           </p:cNvSpPr>
@@ -2375,7 +4318,7 @@
           <a:p>
             <a:fld id="{402C38B8-41F2-4D74-919D-0994AD1C37C3}" type="datetimeFigureOut">
               <a:rPr lang="ko-KR" altLang="en-US" smtClean="0"/>
-              <a:t>2021-06-24</a:t>
+              <a:t>2021-07-02</a:t>
             </a:fld>
             <a:endParaRPr lang="ko-KR" altLang="en-US"/>
           </a:p>
@@ -2383,13 +4326,7 @@
       </p:sp>
       <p:sp>
         <p:nvSpPr>
-          <p:cNvPr id="6" name="바닥글 개체 틀 5">
-            <a:extLst>
-              <a:ext uri="{FF2B5EF4-FFF2-40B4-BE49-F238E27FC236}">
-                <a16:creationId xmlns:a16="http://schemas.microsoft.com/office/drawing/2014/main" id="{F85CCA5C-E658-4627-AFF3-298AD4FB9165}"/>
-              </a:ext>
-            </a:extLst>
-          </p:cNvPr>
+          <p:cNvPr id="6" name="Footer Placeholder 5"/>
           <p:cNvSpPr>
             <a:spLocks noGrp="1"/>
           </p:cNvSpPr>
@@ -2408,13 +4345,7 @@
       </p:sp>
       <p:sp>
         <p:nvSpPr>
-          <p:cNvPr id="7" name="슬라이드 번호 개체 틀 6">
-            <a:extLst>
-              <a:ext uri="{FF2B5EF4-FFF2-40B4-BE49-F238E27FC236}">
-                <a16:creationId xmlns:a16="http://schemas.microsoft.com/office/drawing/2014/main" id="{AF529B66-E05C-4134-92B6-A75A2D342A4D}"/>
-              </a:ext>
-            </a:extLst>
-          </p:cNvPr>
+          <p:cNvPr id="7" name="Slide Number Placeholder 6"/>
           <p:cNvSpPr>
             <a:spLocks noGrp="1"/>
           </p:cNvSpPr>
@@ -2438,7 +4369,7 @@
     </p:spTree>
     <p:extLst>
       <p:ext uri="{BB962C8B-B14F-4D97-AF65-F5344CB8AC3E}">
-        <p14:creationId xmlns:p14="http://schemas.microsoft.com/office/powerpoint/2010/main" val="4037608889"/>
+        <p14:creationId xmlns:p14="http://schemas.microsoft.com/office/powerpoint/2010/main" val="1238723159"/>
       </p:ext>
     </p:extLst>
   </p:cSld>
@@ -2467,13 +4398,7 @@
       </p:grpSpPr>
       <p:sp>
         <p:nvSpPr>
-          <p:cNvPr id="2" name="제목 1">
-            <a:extLst>
-              <a:ext uri="{FF2B5EF4-FFF2-40B4-BE49-F238E27FC236}">
-                <a16:creationId xmlns:a16="http://schemas.microsoft.com/office/drawing/2014/main" id="{348A5084-78F7-40CF-AFDE-28E5320266CA}"/>
-              </a:ext>
-            </a:extLst>
-          </p:cNvPr>
+          <p:cNvPr id="2" name="Title 1"/>
           <p:cNvSpPr>
             <a:spLocks noGrp="1"/>
           </p:cNvSpPr>
@@ -2483,15 +4408,17 @@
         </p:nvSpPr>
         <p:spPr>
           <a:xfrm>
-            <a:off x="839788" y="457200"/>
-            <a:ext cx="3932237" cy="1600200"/>
+            <a:off x="677334" y="4800600"/>
+            <a:ext cx="8596667" cy="566738"/>
           </a:xfrm>
         </p:spPr>
         <p:txBody>
-          <a:bodyPr anchor="b"/>
+          <a:bodyPr anchor="b">
+            <a:normAutofit/>
+          </a:bodyPr>
           <a:lstStyle>
-            <a:lvl1pPr>
-              <a:defRPr sz="3200"/>
+            <a:lvl1pPr algn="l">
+              <a:defRPr sz="2400" b="0"/>
             </a:lvl1pPr>
           </a:lstStyle>
           <a:p>
@@ -2499,20 +4426,15 @@
               <a:rPr lang="ko-KR" altLang="en-US"/>
               <a:t>마스터 제목 스타일 편집</a:t>
             </a:r>
-          </a:p>
-        </p:txBody>
-      </p:sp>
-      <p:sp>
-        <p:nvSpPr>
-          <p:cNvPr id="3" name="그림 개체 틀 2">
-            <a:extLst>
-              <a:ext uri="{FF2B5EF4-FFF2-40B4-BE49-F238E27FC236}">
-                <a16:creationId xmlns:a16="http://schemas.microsoft.com/office/drawing/2014/main" id="{A933B493-AB19-457D-A0A1-12EEBF8A5B36}"/>
-              </a:ext>
-            </a:extLst>
-          </p:cNvPr>
-          <p:cNvSpPr>
-            <a:spLocks noGrp="1"/>
+            <a:endParaRPr lang="en-US" dirty="0"/>
+          </a:p>
+        </p:txBody>
+      </p:sp>
+      <p:sp>
+        <p:nvSpPr>
+          <p:cNvPr id="3" name="Picture Placeholder 2"/>
+          <p:cNvSpPr>
+            <a:spLocks noGrp="1" noChangeAspect="1"/>
           </p:cNvSpPr>
           <p:nvPr>
             <p:ph type="pic" idx="1"/>
@@ -2520,118 +4442,120 @@
         </p:nvSpPr>
         <p:spPr>
           <a:xfrm>
-            <a:off x="5183188" y="987425"/>
-            <a:ext cx="6172200" cy="4873625"/>
+            <a:off x="677334" y="609600"/>
+            <a:ext cx="8596668" cy="3845718"/>
           </a:xfrm>
         </p:spPr>
         <p:txBody>
-          <a:bodyPr/>
+          <a:bodyPr anchor="t">
+            <a:normAutofit/>
+          </a:bodyPr>
           <a:lstStyle>
-            <a:lvl1pPr marL="0" indent="0">
-              <a:buNone/>
-              <a:defRPr sz="3200"/>
-            </a:lvl1pPr>
-            <a:lvl2pPr marL="457200" indent="0">
-              <a:buNone/>
-              <a:defRPr sz="2800"/>
-            </a:lvl2pPr>
-            <a:lvl3pPr marL="914400" indent="0">
-              <a:buNone/>
-              <a:defRPr sz="2400"/>
-            </a:lvl3pPr>
-            <a:lvl4pPr marL="1371600" indent="0">
-              <a:buNone/>
-              <a:defRPr sz="2000"/>
-            </a:lvl4pPr>
-            <a:lvl5pPr marL="1828800" indent="0">
-              <a:buNone/>
-              <a:defRPr sz="2000"/>
-            </a:lvl5pPr>
-            <a:lvl6pPr marL="2286000" indent="0">
-              <a:buNone/>
-              <a:defRPr sz="2000"/>
-            </a:lvl6pPr>
-            <a:lvl7pPr marL="2743200" indent="0">
-              <a:buNone/>
-              <a:defRPr sz="2000"/>
-            </a:lvl7pPr>
-            <a:lvl8pPr marL="3200400" indent="0">
-              <a:buNone/>
-              <a:defRPr sz="2000"/>
-            </a:lvl8pPr>
-            <a:lvl9pPr marL="3657600" indent="0">
-              <a:buNone/>
-              <a:defRPr sz="2000"/>
-            </a:lvl9pPr>
-          </a:lstStyle>
-          <a:p>
-            <a:endParaRPr lang="ko-KR" altLang="en-US"/>
-          </a:p>
-        </p:txBody>
-      </p:sp>
-      <p:sp>
-        <p:nvSpPr>
-          <p:cNvPr id="4" name="텍스트 개체 틀 3">
-            <a:extLst>
-              <a:ext uri="{FF2B5EF4-FFF2-40B4-BE49-F238E27FC236}">
-                <a16:creationId xmlns:a16="http://schemas.microsoft.com/office/drawing/2014/main" id="{53C69BBB-7FEC-4439-A12B-40A82A5DA75D}"/>
-              </a:ext>
-            </a:extLst>
-          </p:cNvPr>
-          <p:cNvSpPr>
-            <a:spLocks noGrp="1"/>
-          </p:cNvSpPr>
-          <p:nvPr>
-            <p:ph type="body" sz="half" idx="2"/>
-          </p:nvPr>
-        </p:nvSpPr>
-        <p:spPr>
-          <a:xfrm>
-            <a:off x="839788" y="2057400"/>
-            <a:ext cx="3932237" cy="3811588"/>
-          </a:xfrm>
-        </p:spPr>
-        <p:txBody>
-          <a:bodyPr/>
-          <a:lstStyle>
-            <a:lvl1pPr marL="0" indent="0">
+            <a:lvl1pPr marL="0" indent="0" algn="ctr">
               <a:buNone/>
               <a:defRPr sz="1600"/>
             </a:lvl1pPr>
             <a:lvl2pPr marL="457200" indent="0">
               <a:buNone/>
-              <a:defRPr sz="1400"/>
+              <a:defRPr sz="1600"/>
             </a:lvl2pPr>
             <a:lvl3pPr marL="914400" indent="0">
               <a:buNone/>
-              <a:defRPr sz="1200"/>
+              <a:defRPr sz="1600"/>
             </a:lvl3pPr>
             <a:lvl4pPr marL="1371600" indent="0">
               <a:buNone/>
-              <a:defRPr sz="1000"/>
+              <a:defRPr sz="1600"/>
             </a:lvl4pPr>
             <a:lvl5pPr marL="1828800" indent="0">
               <a:buNone/>
-              <a:defRPr sz="1000"/>
+              <a:defRPr sz="1600"/>
             </a:lvl5pPr>
             <a:lvl6pPr marL="2286000" indent="0">
               <a:buNone/>
-              <a:defRPr sz="1000"/>
+              <a:defRPr sz="1600"/>
             </a:lvl6pPr>
             <a:lvl7pPr marL="2743200" indent="0">
               <a:buNone/>
-              <a:defRPr sz="1000"/>
+              <a:defRPr sz="1600"/>
             </a:lvl7pPr>
             <a:lvl8pPr marL="3200400" indent="0">
               <a:buNone/>
-              <a:defRPr sz="1000"/>
+              <a:defRPr sz="1600"/>
             </a:lvl8pPr>
             <a:lvl9pPr marL="3657600" indent="0">
               <a:buNone/>
-              <a:defRPr sz="1000"/>
+              <a:defRPr sz="1600"/>
             </a:lvl9pPr>
           </a:lstStyle>
           <a:p>
+            <a:r>
+              <a:rPr lang="ko-KR" altLang="en-US"/>
+              <a:t>그림을 추가하려면 아이콘을 클릭하십시오</a:t>
+            </a:r>
+            <a:endParaRPr lang="en-US" dirty="0"/>
+          </a:p>
+        </p:txBody>
+      </p:sp>
+      <p:sp>
+        <p:nvSpPr>
+          <p:cNvPr id="4" name="Text Placeholder 3"/>
+          <p:cNvSpPr>
+            <a:spLocks noGrp="1"/>
+          </p:cNvSpPr>
+          <p:nvPr>
+            <p:ph type="body" sz="half" idx="2"/>
+          </p:nvPr>
+        </p:nvSpPr>
+        <p:spPr>
+          <a:xfrm>
+            <a:off x="677334" y="5367338"/>
+            <a:ext cx="8596667" cy="674024"/>
+          </a:xfrm>
+        </p:spPr>
+        <p:txBody>
+          <a:bodyPr>
+            <a:normAutofit/>
+          </a:bodyPr>
+          <a:lstStyle>
+            <a:lvl1pPr marL="0" indent="0">
+              <a:buNone/>
+              <a:defRPr sz="1200"/>
+            </a:lvl1pPr>
+            <a:lvl2pPr marL="457200" indent="0">
+              <a:buNone/>
+              <a:defRPr sz="1200"/>
+            </a:lvl2pPr>
+            <a:lvl3pPr marL="914400" indent="0">
+              <a:buNone/>
+              <a:defRPr sz="1000"/>
+            </a:lvl3pPr>
+            <a:lvl4pPr marL="1371600" indent="0">
+              <a:buNone/>
+              <a:defRPr sz="900"/>
+            </a:lvl4pPr>
+            <a:lvl5pPr marL="1828800" indent="0">
+              <a:buNone/>
+              <a:defRPr sz="900"/>
+            </a:lvl5pPr>
+            <a:lvl6pPr marL="2286000" indent="0">
+              <a:buNone/>
+              <a:defRPr sz="900"/>
+            </a:lvl6pPr>
+            <a:lvl7pPr marL="2743200" indent="0">
+              <a:buNone/>
+              <a:defRPr sz="900"/>
+            </a:lvl7pPr>
+            <a:lvl8pPr marL="3200400" indent="0">
+              <a:buNone/>
+              <a:defRPr sz="900"/>
+            </a:lvl8pPr>
+            <a:lvl9pPr marL="3657600" indent="0">
+              <a:buNone/>
+              <a:defRPr sz="900"/>
+            </a:lvl9pPr>
+          </a:lstStyle>
+          <a:p>
             <a:pPr lvl="0"/>
             <a:r>
               <a:rPr lang="ko-KR" altLang="en-US"/>
@@ -2642,18 +4566,12 @@
       </p:sp>
       <p:sp>
         <p:nvSpPr>
-          <p:cNvPr id="5" name="날짜 개체 틀 4">
-            <a:extLst>
-              <a:ext uri="{FF2B5EF4-FFF2-40B4-BE49-F238E27FC236}">
-                <a16:creationId xmlns:a16="http://schemas.microsoft.com/office/drawing/2014/main" id="{00A1D454-90B0-43FC-A9B6-B4C9BA7341AC}"/>
-              </a:ext>
-            </a:extLst>
-          </p:cNvPr>
-          <p:cNvSpPr>
-            <a:spLocks noGrp="1"/>
-          </p:cNvSpPr>
-          <p:nvPr>
-            <p:ph type="dt" sz="half" idx="10"/>
+          <p:cNvPr id="6" name="Footer Placeholder 5"/>
+          <p:cNvSpPr>
+            <a:spLocks noGrp="1"/>
+          </p:cNvSpPr>
+          <p:nvPr>
+            <p:ph type="ftr" sz="quarter" idx="11"/>
           </p:nvPr>
         </p:nvSpPr>
         <p:spPr/>
@@ -2661,48 +4579,13 @@
           <a:bodyPr/>
           <a:lstStyle/>
           <a:p>
-            <a:fld id="{402C38B8-41F2-4D74-919D-0994AD1C37C3}" type="datetimeFigureOut">
-              <a:rPr lang="ko-KR" altLang="en-US" smtClean="0"/>
-              <a:t>2021-06-24</a:t>
-            </a:fld>
             <a:endParaRPr lang="ko-KR" altLang="en-US"/>
           </a:p>
         </p:txBody>
       </p:sp>
       <p:sp>
         <p:nvSpPr>
-          <p:cNvPr id="6" name="바닥글 개체 틀 5">
-            <a:extLst>
-              <a:ext uri="{FF2B5EF4-FFF2-40B4-BE49-F238E27FC236}">
-                <a16:creationId xmlns:a16="http://schemas.microsoft.com/office/drawing/2014/main" id="{9AA597A5-3288-477E-906A-94BB38ED3C10}"/>
-              </a:ext>
-            </a:extLst>
-          </p:cNvPr>
-          <p:cNvSpPr>
-            <a:spLocks noGrp="1"/>
-          </p:cNvSpPr>
-          <p:nvPr>
-            <p:ph type="ftr" sz="quarter" idx="11"/>
-          </p:nvPr>
-        </p:nvSpPr>
-        <p:spPr/>
-        <p:txBody>
-          <a:bodyPr/>
-          <a:lstStyle/>
-          <a:p>
-            <a:endParaRPr lang="ko-KR" altLang="en-US"/>
-          </a:p>
-        </p:txBody>
-      </p:sp>
-      <p:sp>
-        <p:nvSpPr>
-          <p:cNvPr id="7" name="슬라이드 번호 개체 틀 6">
-            <a:extLst>
-              <a:ext uri="{FF2B5EF4-FFF2-40B4-BE49-F238E27FC236}">
-                <a16:creationId xmlns:a16="http://schemas.microsoft.com/office/drawing/2014/main" id="{CD37F826-B70F-4EBD-BEA3-FD54829D453B}"/>
-              </a:ext>
-            </a:extLst>
-          </p:cNvPr>
+          <p:cNvPr id="7" name="Slide Number Placeholder 6"/>
           <p:cNvSpPr>
             <a:spLocks noGrp="1"/>
           </p:cNvSpPr>
@@ -2723,10 +4606,33 @@
           </a:p>
         </p:txBody>
       </p:sp>
+      <p:sp>
+        <p:nvSpPr>
+          <p:cNvPr id="5" name="Date Placeholder 4"/>
+          <p:cNvSpPr>
+            <a:spLocks noGrp="1"/>
+          </p:cNvSpPr>
+          <p:nvPr>
+            <p:ph type="dt" sz="half" idx="10"/>
+          </p:nvPr>
+        </p:nvSpPr>
+        <p:spPr/>
+        <p:txBody>
+          <a:bodyPr/>
+          <a:lstStyle/>
+          <a:p>
+            <a:fld id="{402C38B8-41F2-4D74-919D-0994AD1C37C3}" type="datetimeFigureOut">
+              <a:rPr lang="ko-KR" altLang="en-US" smtClean="0"/>
+              <a:t>2021-07-02</a:t>
+            </a:fld>
+            <a:endParaRPr lang="ko-KR" altLang="en-US"/>
+          </a:p>
+        </p:txBody>
+      </p:sp>
     </p:spTree>
     <p:extLst>
       <p:ext uri="{BB962C8B-B14F-4D97-AF65-F5344CB8AC3E}">
-        <p14:creationId xmlns:p14="http://schemas.microsoft.com/office/powerpoint/2010/main" val="1993017945"/>
+        <p14:creationId xmlns:p14="http://schemas.microsoft.com/office/powerpoint/2010/main" val="1234865377"/>
       </p:ext>
     </p:extLst>
   </p:cSld>
@@ -2758,15 +4664,540 @@
           <a:chExt cx="0" cy="0"/>
         </a:xfrm>
       </p:grpSpPr>
-      <p:sp>
-        <p:nvSpPr>
-          <p:cNvPr id="2" name="제목 개체 틀 1">
-            <a:extLst>
-              <a:ext uri="{FF2B5EF4-FFF2-40B4-BE49-F238E27FC236}">
-                <a16:creationId xmlns:a16="http://schemas.microsoft.com/office/drawing/2014/main" id="{B8319B01-DB1B-46E0-8497-FF014AE557C0}"/>
-              </a:ext>
-            </a:extLst>
-          </p:cNvPr>
+      <p:grpSp>
+        <p:nvGrpSpPr>
+          <p:cNvPr id="44" name="Group 43"/>
+          <p:cNvGrpSpPr/>
+          <p:nvPr/>
+        </p:nvGrpSpPr>
+        <p:grpSpPr>
+          <a:xfrm>
+            <a:off x="0" y="-8467"/>
+            <a:ext cx="12192000" cy="6866467"/>
+            <a:chOff x="0" y="-8467"/>
+            <a:chExt cx="12192000" cy="6866467"/>
+          </a:xfrm>
+        </p:grpSpPr>
+        <p:cxnSp>
+          <p:nvCxnSpPr>
+            <p:cNvPr id="20" name="Straight Connector 19"/>
+            <p:cNvCxnSpPr/>
+            <p:nvPr/>
+          </p:nvCxnSpPr>
+          <p:spPr>
+            <a:xfrm>
+              <a:off x="9371012" y="0"/>
+              <a:ext cx="1219200" cy="6858000"/>
+            </a:xfrm>
+            <a:prstGeom prst="line">
+              <a:avLst/>
+            </a:prstGeom>
+            <a:ln w="9525">
+              <a:solidFill>
+                <a:schemeClr val="accent1">
+                  <a:alpha val="70000"/>
+                </a:schemeClr>
+              </a:solidFill>
+            </a:ln>
+          </p:spPr>
+          <p:style>
+            <a:lnRef idx="2">
+              <a:schemeClr val="accent1"/>
+            </a:lnRef>
+            <a:fillRef idx="0">
+              <a:schemeClr val="accent1"/>
+            </a:fillRef>
+            <a:effectRef idx="1">
+              <a:schemeClr val="accent1"/>
+            </a:effectRef>
+            <a:fontRef idx="minor">
+              <a:schemeClr val="tx1"/>
+            </a:fontRef>
+          </p:style>
+        </p:cxnSp>
+        <p:cxnSp>
+          <p:nvCxnSpPr>
+            <p:cNvPr id="21" name="Straight Connector 20"/>
+            <p:cNvCxnSpPr/>
+            <p:nvPr/>
+          </p:nvCxnSpPr>
+          <p:spPr>
+            <a:xfrm flipH="1">
+              <a:off x="7425267" y="3681413"/>
+              <a:ext cx="4763558" cy="3176587"/>
+            </a:xfrm>
+            <a:prstGeom prst="line">
+              <a:avLst/>
+            </a:prstGeom>
+            <a:ln w="9525">
+              <a:solidFill>
+                <a:schemeClr val="accent1">
+                  <a:alpha val="70000"/>
+                </a:schemeClr>
+              </a:solidFill>
+            </a:ln>
+          </p:spPr>
+          <p:style>
+            <a:lnRef idx="2">
+              <a:schemeClr val="accent1"/>
+            </a:lnRef>
+            <a:fillRef idx="0">
+              <a:schemeClr val="accent1"/>
+            </a:fillRef>
+            <a:effectRef idx="1">
+              <a:schemeClr val="accent1"/>
+            </a:effectRef>
+            <a:fontRef idx="minor">
+              <a:schemeClr val="tx1"/>
+            </a:fontRef>
+          </p:style>
+        </p:cxnSp>
+        <p:sp>
+          <p:nvSpPr>
+            <p:cNvPr id="22" name="Rectangle 23"/>
+            <p:cNvSpPr/>
+            <p:nvPr/>
+          </p:nvSpPr>
+          <p:spPr>
+            <a:xfrm>
+              <a:off x="9181476" y="-8467"/>
+              <a:ext cx="3007349" cy="6866467"/>
+            </a:xfrm>
+            <a:custGeom>
+              <a:avLst/>
+              <a:gdLst/>
+              <a:ahLst/>
+              <a:cxnLst/>
+              <a:rect l="l" t="t" r="r" b="b"/>
+              <a:pathLst>
+                <a:path w="3007349" h="6866467">
+                  <a:moveTo>
+                    <a:pt x="2045532" y="0"/>
+                  </a:moveTo>
+                  <a:lnTo>
+                    <a:pt x="3007349" y="0"/>
+                  </a:lnTo>
+                  <a:lnTo>
+                    <a:pt x="3007349" y="6866467"/>
+                  </a:lnTo>
+                  <a:lnTo>
+                    <a:pt x="0" y="6866467"/>
+                  </a:lnTo>
+                  <a:lnTo>
+                    <a:pt x="2045532" y="0"/>
+                  </a:lnTo>
+                  <a:close/>
+                </a:path>
+              </a:pathLst>
+            </a:custGeom>
+            <a:solidFill>
+              <a:schemeClr val="accent1">
+                <a:alpha val="36000"/>
+              </a:schemeClr>
+            </a:solidFill>
+            <a:ln>
+              <a:noFill/>
+            </a:ln>
+            <a:effectLst/>
+          </p:spPr>
+          <p:style>
+            <a:lnRef idx="1">
+              <a:schemeClr val="accent1"/>
+            </a:lnRef>
+            <a:fillRef idx="3">
+              <a:schemeClr val="accent1"/>
+            </a:fillRef>
+            <a:effectRef idx="2">
+              <a:schemeClr val="accent1"/>
+            </a:effectRef>
+            <a:fontRef idx="minor">
+              <a:schemeClr val="lt1"/>
+            </a:fontRef>
+          </p:style>
+        </p:sp>
+        <p:sp>
+          <p:nvSpPr>
+            <p:cNvPr id="23" name="Rectangle 25"/>
+            <p:cNvSpPr/>
+            <p:nvPr/>
+          </p:nvSpPr>
+          <p:spPr>
+            <a:xfrm>
+              <a:off x="9603442" y="-8467"/>
+              <a:ext cx="2588558" cy="6866467"/>
+            </a:xfrm>
+            <a:custGeom>
+              <a:avLst/>
+              <a:gdLst/>
+              <a:ahLst/>
+              <a:cxnLst/>
+              <a:rect l="l" t="t" r="r" b="b"/>
+              <a:pathLst>
+                <a:path w="2573311" h="6866467">
+                  <a:moveTo>
+                    <a:pt x="0" y="0"/>
+                  </a:moveTo>
+                  <a:lnTo>
+                    <a:pt x="2573311" y="0"/>
+                  </a:lnTo>
+                  <a:lnTo>
+                    <a:pt x="2573311" y="6866467"/>
+                  </a:lnTo>
+                  <a:lnTo>
+                    <a:pt x="1202336" y="6866467"/>
+                  </a:lnTo>
+                  <a:lnTo>
+                    <a:pt x="0" y="0"/>
+                  </a:lnTo>
+                  <a:close/>
+                </a:path>
+              </a:pathLst>
+            </a:custGeom>
+            <a:solidFill>
+              <a:schemeClr val="accent1">
+                <a:alpha val="20000"/>
+              </a:schemeClr>
+            </a:solidFill>
+            <a:ln>
+              <a:noFill/>
+            </a:ln>
+            <a:effectLst/>
+          </p:spPr>
+          <p:style>
+            <a:lnRef idx="1">
+              <a:schemeClr val="accent1"/>
+            </a:lnRef>
+            <a:fillRef idx="3">
+              <a:schemeClr val="accent1"/>
+            </a:fillRef>
+            <a:effectRef idx="2">
+              <a:schemeClr val="accent1"/>
+            </a:effectRef>
+            <a:fontRef idx="minor">
+              <a:schemeClr val="lt1"/>
+            </a:fontRef>
+          </p:style>
+        </p:sp>
+        <p:sp>
+          <p:nvSpPr>
+            <p:cNvPr id="24" name="Isosceles Triangle 23"/>
+            <p:cNvSpPr/>
+            <p:nvPr/>
+          </p:nvSpPr>
+          <p:spPr>
+            <a:xfrm>
+              <a:off x="8932333" y="3048000"/>
+              <a:ext cx="3259667" cy="3810000"/>
+            </a:xfrm>
+            <a:prstGeom prst="triangle">
+              <a:avLst>
+                <a:gd name="adj" fmla="val 100000"/>
+              </a:avLst>
+            </a:prstGeom>
+            <a:solidFill>
+              <a:schemeClr val="accent1">
+                <a:lumMod val="75000"/>
+                <a:alpha val="66000"/>
+              </a:schemeClr>
+            </a:solidFill>
+            <a:ln>
+              <a:noFill/>
+            </a:ln>
+            <a:effectLst/>
+          </p:spPr>
+          <p:style>
+            <a:lnRef idx="1">
+              <a:schemeClr val="accent1"/>
+            </a:lnRef>
+            <a:fillRef idx="3">
+              <a:schemeClr val="accent1"/>
+            </a:fillRef>
+            <a:effectRef idx="2">
+              <a:schemeClr val="accent1"/>
+            </a:effectRef>
+            <a:fontRef idx="minor">
+              <a:schemeClr val="lt1"/>
+            </a:fontRef>
+          </p:style>
+        </p:sp>
+        <p:sp>
+          <p:nvSpPr>
+            <p:cNvPr id="25" name="Rectangle 27"/>
+            <p:cNvSpPr/>
+            <p:nvPr/>
+          </p:nvSpPr>
+          <p:spPr>
+            <a:xfrm>
+              <a:off x="9334500" y="-8467"/>
+              <a:ext cx="2854326" cy="6866467"/>
+            </a:xfrm>
+            <a:custGeom>
+              <a:avLst/>
+              <a:gdLst/>
+              <a:ahLst/>
+              <a:cxnLst/>
+              <a:rect l="l" t="t" r="r" b="b"/>
+              <a:pathLst>
+                <a:path w="2858013" h="6866467">
+                  <a:moveTo>
+                    <a:pt x="0" y="0"/>
+                  </a:moveTo>
+                  <a:lnTo>
+                    <a:pt x="2858013" y="0"/>
+                  </a:lnTo>
+                  <a:lnTo>
+                    <a:pt x="2858013" y="6866467"/>
+                  </a:lnTo>
+                  <a:lnTo>
+                    <a:pt x="2473942" y="6866467"/>
+                  </a:lnTo>
+                  <a:lnTo>
+                    <a:pt x="0" y="0"/>
+                  </a:lnTo>
+                  <a:close/>
+                </a:path>
+              </a:pathLst>
+            </a:custGeom>
+            <a:solidFill>
+              <a:schemeClr val="accent1">
+                <a:lumMod val="75000"/>
+                <a:alpha val="50000"/>
+              </a:schemeClr>
+            </a:solidFill>
+            <a:ln>
+              <a:noFill/>
+            </a:ln>
+            <a:effectLst/>
+          </p:spPr>
+          <p:style>
+            <a:lnRef idx="1">
+              <a:schemeClr val="accent1"/>
+            </a:lnRef>
+            <a:fillRef idx="3">
+              <a:schemeClr val="accent1"/>
+            </a:fillRef>
+            <a:effectRef idx="2">
+              <a:schemeClr val="accent1"/>
+            </a:effectRef>
+            <a:fontRef idx="minor">
+              <a:schemeClr val="lt1"/>
+            </a:fontRef>
+          </p:style>
+        </p:sp>
+        <p:sp>
+          <p:nvSpPr>
+            <p:cNvPr id="26" name="Rectangle 28"/>
+            <p:cNvSpPr/>
+            <p:nvPr/>
+          </p:nvSpPr>
+          <p:spPr>
+            <a:xfrm>
+              <a:off x="10898730" y="-8467"/>
+              <a:ext cx="1290094" cy="6866467"/>
+            </a:xfrm>
+            <a:custGeom>
+              <a:avLst/>
+              <a:gdLst/>
+              <a:ahLst/>
+              <a:cxnLst/>
+              <a:rect l="l" t="t" r="r" b="b"/>
+              <a:pathLst>
+                <a:path w="1290094" h="6858000">
+                  <a:moveTo>
+                    <a:pt x="1019735" y="0"/>
+                  </a:moveTo>
+                  <a:lnTo>
+                    <a:pt x="1290094" y="0"/>
+                  </a:lnTo>
+                  <a:lnTo>
+                    <a:pt x="1290094" y="6858000"/>
+                  </a:lnTo>
+                  <a:lnTo>
+                    <a:pt x="0" y="6858000"/>
+                  </a:lnTo>
+                  <a:lnTo>
+                    <a:pt x="1019735" y="0"/>
+                  </a:lnTo>
+                  <a:close/>
+                </a:path>
+              </a:pathLst>
+            </a:custGeom>
+            <a:solidFill>
+              <a:schemeClr val="accent2">
+                <a:alpha val="70000"/>
+              </a:schemeClr>
+            </a:solidFill>
+            <a:ln>
+              <a:noFill/>
+            </a:ln>
+            <a:effectLst/>
+          </p:spPr>
+          <p:style>
+            <a:lnRef idx="1">
+              <a:schemeClr val="accent1"/>
+            </a:lnRef>
+            <a:fillRef idx="3">
+              <a:schemeClr val="accent1"/>
+            </a:fillRef>
+            <a:effectRef idx="2">
+              <a:schemeClr val="accent1"/>
+            </a:effectRef>
+            <a:fontRef idx="minor">
+              <a:schemeClr val="lt1"/>
+            </a:fontRef>
+          </p:style>
+        </p:sp>
+        <p:sp>
+          <p:nvSpPr>
+            <p:cNvPr id="27" name="Rectangle 29"/>
+            <p:cNvSpPr/>
+            <p:nvPr/>
+          </p:nvSpPr>
+          <p:spPr>
+            <a:xfrm>
+              <a:off x="10938999" y="-8467"/>
+              <a:ext cx="1249825" cy="6866467"/>
+            </a:xfrm>
+            <a:custGeom>
+              <a:avLst/>
+              <a:gdLst/>
+              <a:ahLst/>
+              <a:cxnLst/>
+              <a:rect l="l" t="t" r="r" b="b"/>
+              <a:pathLst>
+                <a:path w="1249825" h="6858000">
+                  <a:moveTo>
+                    <a:pt x="0" y="0"/>
+                  </a:moveTo>
+                  <a:lnTo>
+                    <a:pt x="1249825" y="0"/>
+                  </a:lnTo>
+                  <a:lnTo>
+                    <a:pt x="1249825" y="6858000"/>
+                  </a:lnTo>
+                  <a:lnTo>
+                    <a:pt x="1109382" y="6858000"/>
+                  </a:lnTo>
+                  <a:lnTo>
+                    <a:pt x="0" y="0"/>
+                  </a:lnTo>
+                  <a:close/>
+                </a:path>
+              </a:pathLst>
+            </a:custGeom>
+            <a:solidFill>
+              <a:schemeClr val="accent2">
+                <a:lumMod val="75000"/>
+                <a:alpha val="80000"/>
+              </a:schemeClr>
+            </a:solidFill>
+            <a:ln>
+              <a:noFill/>
+            </a:ln>
+            <a:effectLst/>
+          </p:spPr>
+          <p:style>
+            <a:lnRef idx="1">
+              <a:schemeClr val="accent1"/>
+            </a:lnRef>
+            <a:fillRef idx="3">
+              <a:schemeClr val="accent1"/>
+            </a:fillRef>
+            <a:effectRef idx="2">
+              <a:schemeClr val="accent1"/>
+            </a:effectRef>
+            <a:fontRef idx="minor">
+              <a:schemeClr val="lt1"/>
+            </a:fontRef>
+          </p:style>
+        </p:sp>
+        <p:sp>
+          <p:nvSpPr>
+            <p:cNvPr id="28" name="Isosceles Triangle 27"/>
+            <p:cNvSpPr/>
+            <p:nvPr/>
+          </p:nvSpPr>
+          <p:spPr>
+            <a:xfrm>
+              <a:off x="10371666" y="3589867"/>
+              <a:ext cx="1817159" cy="3268133"/>
+            </a:xfrm>
+            <a:prstGeom prst="triangle">
+              <a:avLst>
+                <a:gd name="adj" fmla="val 100000"/>
+              </a:avLst>
+            </a:prstGeom>
+            <a:solidFill>
+              <a:schemeClr val="accent1">
+                <a:lumMod val="75000"/>
+                <a:alpha val="66000"/>
+              </a:schemeClr>
+            </a:solidFill>
+            <a:ln>
+              <a:noFill/>
+            </a:ln>
+            <a:effectLst/>
+          </p:spPr>
+          <p:style>
+            <a:lnRef idx="1">
+              <a:schemeClr val="accent1"/>
+            </a:lnRef>
+            <a:fillRef idx="3">
+              <a:schemeClr val="accent1"/>
+            </a:fillRef>
+            <a:effectRef idx="2">
+              <a:schemeClr val="accent1"/>
+            </a:effectRef>
+            <a:fontRef idx="minor">
+              <a:schemeClr val="lt1"/>
+            </a:fontRef>
+          </p:style>
+        </p:sp>
+        <p:sp>
+          <p:nvSpPr>
+            <p:cNvPr id="19" name="Isosceles Triangle 18"/>
+            <p:cNvSpPr/>
+            <p:nvPr/>
+          </p:nvSpPr>
+          <p:spPr>
+            <a:xfrm>
+              <a:off x="0" y="4013200"/>
+              <a:ext cx="448733" cy="2844800"/>
+            </a:xfrm>
+            <a:prstGeom prst="triangle">
+              <a:avLst>
+                <a:gd name="adj" fmla="val 0"/>
+              </a:avLst>
+            </a:prstGeom>
+            <a:solidFill>
+              <a:schemeClr val="accent1">
+                <a:alpha val="70000"/>
+              </a:schemeClr>
+            </a:solidFill>
+            <a:ln>
+              <a:noFill/>
+            </a:ln>
+            <a:effectLst/>
+          </p:spPr>
+          <p:style>
+            <a:lnRef idx="1">
+              <a:schemeClr val="accent1"/>
+            </a:lnRef>
+            <a:fillRef idx="3">
+              <a:schemeClr val="accent1"/>
+            </a:fillRef>
+            <a:effectRef idx="2">
+              <a:schemeClr val="accent1"/>
+            </a:effectRef>
+            <a:fontRef idx="minor">
+              <a:schemeClr val="lt1"/>
+            </a:fontRef>
+          </p:style>
+        </p:sp>
+      </p:grpSp>
+      <p:sp>
+        <p:nvSpPr>
+          <p:cNvPr id="2" name="Title Placeholder 1"/>
           <p:cNvSpPr>
             <a:spLocks noGrp="1"/>
           </p:cNvSpPr>
@@ -2776,15 +5207,15 @@
         </p:nvSpPr>
         <p:spPr>
           <a:xfrm>
-            <a:off x="838200" y="365125"/>
-            <a:ext cx="10515600" cy="1325563"/>
+            <a:off x="677334" y="609600"/>
+            <a:ext cx="8596668" cy="1320800"/>
           </a:xfrm>
           <a:prstGeom prst="rect">
             <a:avLst/>
           </a:prstGeom>
         </p:spPr>
         <p:txBody>
-          <a:bodyPr vert="horz" lIns="91440" tIns="45720" rIns="91440" bIns="45720" rtlCol="0" anchor="ctr">
+          <a:bodyPr vert="horz" lIns="91440" tIns="45720" rIns="91440" bIns="45720" rtlCol="0" anchor="t">
             <a:normAutofit/>
           </a:bodyPr>
           <a:lstStyle/>
@@ -2793,18 +5224,13 @@
               <a:rPr lang="ko-KR" altLang="en-US"/>
               <a:t>마스터 제목 스타일 편집</a:t>
             </a:r>
-          </a:p>
-        </p:txBody>
-      </p:sp>
-      <p:sp>
-        <p:nvSpPr>
-          <p:cNvPr id="3" name="텍스트 개체 틀 2">
-            <a:extLst>
-              <a:ext uri="{FF2B5EF4-FFF2-40B4-BE49-F238E27FC236}">
-                <a16:creationId xmlns:a16="http://schemas.microsoft.com/office/drawing/2014/main" id="{FB682FAD-B7A8-4B2D-9CBF-3898B7FB4FB0}"/>
-              </a:ext>
-            </a:extLst>
-          </p:cNvPr>
+            <a:endParaRPr lang="en-US" dirty="0"/>
+          </a:p>
+        </p:txBody>
+      </p:sp>
+      <p:sp>
+        <p:nvSpPr>
+          <p:cNvPr id="3" name="Text Placeholder 2"/>
           <p:cNvSpPr>
             <a:spLocks noGrp="1"/>
           </p:cNvSpPr>
@@ -2814,8 +5240,8 @@
         </p:nvSpPr>
         <p:spPr>
           <a:xfrm>
-            <a:off x="838200" y="1825625"/>
-            <a:ext cx="10515600" cy="4351338"/>
+            <a:off x="677334" y="2160589"/>
+            <a:ext cx="8596668" cy="3880773"/>
           </a:xfrm>
           <a:prstGeom prst="rect">
             <a:avLst/>
@@ -2860,18 +5286,13 @@
               <a:rPr lang="ko-KR" altLang="en-US"/>
               <a:t>다섯 번째 수준</a:t>
             </a:r>
-          </a:p>
-        </p:txBody>
-      </p:sp>
-      <p:sp>
-        <p:nvSpPr>
-          <p:cNvPr id="4" name="날짜 개체 틀 3">
-            <a:extLst>
-              <a:ext uri="{FF2B5EF4-FFF2-40B4-BE49-F238E27FC236}">
-                <a16:creationId xmlns:a16="http://schemas.microsoft.com/office/drawing/2014/main" id="{36C8BAEE-3026-44FE-9B11-48D09922531D}"/>
-              </a:ext>
-            </a:extLst>
-          </p:cNvPr>
+            <a:endParaRPr lang="en-US" dirty="0"/>
+          </a:p>
+        </p:txBody>
+      </p:sp>
+      <p:sp>
+        <p:nvSpPr>
+          <p:cNvPr id="4" name="Date Placeholder 3"/>
           <p:cNvSpPr>
             <a:spLocks noGrp="1"/>
           </p:cNvSpPr>
@@ -2881,8 +5302,8 @@
         </p:nvSpPr>
         <p:spPr>
           <a:xfrm>
-            <a:off x="838200" y="6356350"/>
-            <a:ext cx="2743200" cy="365125"/>
+            <a:off x="7205133" y="6041362"/>
+            <a:ext cx="911939" cy="365125"/>
           </a:xfrm>
           <a:prstGeom prst="rect">
             <a:avLst/>
@@ -2891,8 +5312,8 @@
         <p:txBody>
           <a:bodyPr vert="horz" lIns="91440" tIns="45720" rIns="91440" bIns="45720" rtlCol="0" anchor="ctr"/>
           <a:lstStyle>
-            <a:lvl1pPr algn="l">
-              <a:defRPr sz="1200">
+            <a:lvl1pPr algn="r">
+              <a:defRPr sz="900">
                 <a:solidFill>
                   <a:schemeClr val="tx1">
                     <a:tint val="75000"/>
@@ -2904,7 +5325,7 @@
           <a:p>
             <a:fld id="{402C38B8-41F2-4D74-919D-0994AD1C37C3}" type="datetimeFigureOut">
               <a:rPr lang="ko-KR" altLang="en-US" smtClean="0"/>
-              <a:t>2021-06-24</a:t>
+              <a:t>2021-07-02</a:t>
             </a:fld>
             <a:endParaRPr lang="ko-KR" altLang="en-US"/>
           </a:p>
@@ -2912,13 +5333,7 @@
       </p:sp>
       <p:sp>
         <p:nvSpPr>
-          <p:cNvPr id="5" name="바닥글 개체 틀 4">
-            <a:extLst>
-              <a:ext uri="{FF2B5EF4-FFF2-40B4-BE49-F238E27FC236}">
-                <a16:creationId xmlns:a16="http://schemas.microsoft.com/office/drawing/2014/main" id="{177CBB4D-EBDA-4C8D-893B-AD2C54E2BEA1}"/>
-              </a:ext>
-            </a:extLst>
-          </p:cNvPr>
+          <p:cNvPr id="5" name="Footer Placeholder 4"/>
           <p:cNvSpPr>
             <a:spLocks noGrp="1"/>
           </p:cNvSpPr>
@@ -2928,8 +5343,8 @@
         </p:nvSpPr>
         <p:spPr>
           <a:xfrm>
-            <a:off x="4038600" y="6356350"/>
-            <a:ext cx="4114800" cy="365125"/>
+            <a:off x="677334" y="6041362"/>
+            <a:ext cx="6297612" cy="365125"/>
           </a:xfrm>
           <a:prstGeom prst="rect">
             <a:avLst/>
@@ -2938,8 +5353,8 @@
         <p:txBody>
           <a:bodyPr vert="horz" lIns="91440" tIns="45720" rIns="91440" bIns="45720" rtlCol="0" anchor="ctr"/>
           <a:lstStyle>
-            <a:lvl1pPr algn="ctr">
-              <a:defRPr sz="1200">
+            <a:lvl1pPr algn="l">
+              <a:defRPr sz="900">
                 <a:solidFill>
                   <a:schemeClr val="tx1">
                     <a:tint val="75000"/>
@@ -2955,13 +5370,7 @@
       </p:sp>
       <p:sp>
         <p:nvSpPr>
-          <p:cNvPr id="6" name="슬라이드 번호 개체 틀 5">
-            <a:extLst>
-              <a:ext uri="{FF2B5EF4-FFF2-40B4-BE49-F238E27FC236}">
-                <a16:creationId xmlns:a16="http://schemas.microsoft.com/office/drawing/2014/main" id="{1BEAF5B7-A74C-436E-9C71-3B9EB483CEE5}"/>
-              </a:ext>
-            </a:extLst>
-          </p:cNvPr>
+          <p:cNvPr id="6" name="Slide Number Placeholder 5"/>
           <p:cNvSpPr>
             <a:spLocks noGrp="1"/>
           </p:cNvSpPr>
@@ -2971,8 +5380,8 @@
         </p:nvSpPr>
         <p:spPr>
           <a:xfrm>
-            <a:off x="8610600" y="6356350"/>
-            <a:ext cx="2743200" cy="365125"/>
+            <a:off x="8590663" y="6041362"/>
+            <a:ext cx="683339" cy="365125"/>
           </a:xfrm>
           <a:prstGeom prst="rect">
             <a:avLst/>
@@ -2982,11 +5391,9 @@
           <a:bodyPr vert="horz" lIns="91440" tIns="45720" rIns="91440" bIns="45720" rtlCol="0" anchor="ctr"/>
           <a:lstStyle>
             <a:lvl1pPr algn="r">
-              <a:defRPr sz="1200">
+              <a:defRPr sz="900">
                 <a:solidFill>
-                  <a:schemeClr val="tx1">
-                    <a:tint val="75000"/>
-                  </a:schemeClr>
+                  <a:schemeClr val="accent1"/>
                 </a:solidFill>
               </a:defRPr>
             </a:lvl1pPr>
@@ -3003,55 +5410,335 @@
     </p:spTree>
     <p:extLst>
       <p:ext uri="{BB962C8B-B14F-4D97-AF65-F5344CB8AC3E}">
-        <p14:creationId xmlns:p14="http://schemas.microsoft.com/office/powerpoint/2010/main" val="993271516"/>
+        <p14:creationId xmlns:p14="http://schemas.microsoft.com/office/powerpoint/2010/main" val="1171086320"/>
       </p:ext>
     </p:extLst>
   </p:cSld>
   <p:clrMap bg1="lt1" tx1="dk1" bg2="lt2" tx2="dk2" accent1="accent1" accent2="accent2" accent3="accent3" accent4="accent4" accent5="accent5" accent6="accent6" hlink="hlink" folHlink="folHlink"/>
   <p:sldLayoutIdLst>
-    <p:sldLayoutId id="2147483649" r:id="rId1"/>
-    <p:sldLayoutId id="2147483650" r:id="rId2"/>
-    <p:sldLayoutId id="2147483651" r:id="rId3"/>
-    <p:sldLayoutId id="2147483652" r:id="rId4"/>
-    <p:sldLayoutId id="2147483653" r:id="rId5"/>
-    <p:sldLayoutId id="2147483654" r:id="rId6"/>
-    <p:sldLayoutId id="2147483655" r:id="rId7"/>
-    <p:sldLayoutId id="2147483656" r:id="rId8"/>
-    <p:sldLayoutId id="2147483657" r:id="rId9"/>
-    <p:sldLayoutId id="2147483658" r:id="rId10"/>
-    <p:sldLayoutId id="2147483659" r:id="rId11"/>
+    <p:sldLayoutId id="2147483678" r:id="rId1"/>
+    <p:sldLayoutId id="2147483679" r:id="rId2"/>
+    <p:sldLayoutId id="2147483680" r:id="rId3"/>
+    <p:sldLayoutId id="2147483681" r:id="rId4"/>
+    <p:sldLayoutId id="2147483682" r:id="rId5"/>
+    <p:sldLayoutId id="2147483683" r:id="rId6"/>
+    <p:sldLayoutId id="2147483684" r:id="rId7"/>
+    <p:sldLayoutId id="2147483685" r:id="rId8"/>
+    <p:sldLayoutId id="2147483686" r:id="rId9"/>
+    <p:sldLayoutId id="2147483687" r:id="rId10"/>
+    <p:sldLayoutId id="2147483688" r:id="rId11"/>
+    <p:sldLayoutId id="2147483689" r:id="rId12"/>
+    <p:sldLayoutId id="2147483690" r:id="rId13"/>
+    <p:sldLayoutId id="2147483691" r:id="rId14"/>
+    <p:sldLayoutId id="2147483692" r:id="rId15"/>
+    <p:sldLayoutId id="2147483693" r:id="rId16"/>
   </p:sldLayoutIdLst>
   <p:txStyles>
     <p:titleStyle>
-      <a:lvl1pPr algn="l" defTabSz="914400" rtl="0" eaLnBrk="1" latinLnBrk="1" hangingPunct="1">
-        <a:lnSpc>
-          <a:spcPct val="90000"/>
-        </a:lnSpc>
+      <a:lvl1pPr algn="l" defTabSz="457200" rtl="0" eaLnBrk="1" latinLnBrk="1" hangingPunct="1">
         <a:spcBef>
           <a:spcPct val="0"/>
         </a:spcBef>
         <a:buNone/>
-        <a:defRPr sz="4400" kern="1200">
+        <a:defRPr sz="3600" kern="1200">
           <a:solidFill>
-            <a:schemeClr val="tx1"/>
+            <a:schemeClr val="accent1"/>
           </a:solidFill>
           <a:latin typeface="+mj-lt"/>
           <a:ea typeface="+mj-ea"/>
           <a:cs typeface="+mj-cs"/>
         </a:defRPr>
       </a:lvl1pPr>
+      <a:lvl2pPr eaLnBrk="1" latinLnBrk="1" hangingPunct="1">
+        <a:defRPr>
+          <a:solidFill>
+            <a:schemeClr val="tx2"/>
+          </a:solidFill>
+        </a:defRPr>
+      </a:lvl2pPr>
+      <a:lvl3pPr eaLnBrk="1" latinLnBrk="1" hangingPunct="1">
+        <a:defRPr>
+          <a:solidFill>
+            <a:schemeClr val="tx2"/>
+          </a:solidFill>
+        </a:defRPr>
+      </a:lvl3pPr>
+      <a:lvl4pPr eaLnBrk="1" latinLnBrk="1" hangingPunct="1">
+        <a:defRPr>
+          <a:solidFill>
+            <a:schemeClr val="tx2"/>
+          </a:solidFill>
+        </a:defRPr>
+      </a:lvl4pPr>
+      <a:lvl5pPr eaLnBrk="1" latinLnBrk="1" hangingPunct="1">
+        <a:defRPr>
+          <a:solidFill>
+            <a:schemeClr val="tx2"/>
+          </a:solidFill>
+        </a:defRPr>
+      </a:lvl5pPr>
+      <a:lvl6pPr eaLnBrk="1" latinLnBrk="1" hangingPunct="1">
+        <a:defRPr>
+          <a:solidFill>
+            <a:schemeClr val="tx2"/>
+          </a:solidFill>
+        </a:defRPr>
+      </a:lvl6pPr>
+      <a:lvl7pPr eaLnBrk="1" latinLnBrk="1" hangingPunct="1">
+        <a:defRPr>
+          <a:solidFill>
+            <a:schemeClr val="tx2"/>
+          </a:solidFill>
+        </a:defRPr>
+      </a:lvl7pPr>
+      <a:lvl8pPr eaLnBrk="1" latinLnBrk="1" hangingPunct="1">
+        <a:defRPr>
+          <a:solidFill>
+            <a:schemeClr val="tx2"/>
+          </a:solidFill>
+        </a:defRPr>
+      </a:lvl8pPr>
+      <a:lvl9pPr eaLnBrk="1" latinLnBrk="1" hangingPunct="1">
+        <a:defRPr>
+          <a:solidFill>
+            <a:schemeClr val="tx2"/>
+          </a:solidFill>
+        </a:defRPr>
+      </a:lvl9pPr>
     </p:titleStyle>
     <p:bodyStyle>
-      <a:lvl1pPr marL="228600" indent="-228600" algn="l" defTabSz="914400" rtl="0" eaLnBrk="1" latinLnBrk="1" hangingPunct="1">
-        <a:lnSpc>
-          <a:spcPct val="90000"/>
-        </a:lnSpc>
+      <a:lvl1pPr marL="342900" indent="-342900" algn="l" defTabSz="457200" rtl="0" eaLnBrk="1" latinLnBrk="1" hangingPunct="1">
         <a:spcBef>
           <a:spcPts val="1000"/>
         </a:spcBef>
-        <a:buFont typeface="Arial" panose="020B0604020202020204" pitchFamily="34" charset="0"/>
-        <a:buChar char="•"/>
-        <a:defRPr sz="2800" kern="1200">
+        <a:spcAft>
+          <a:spcPts val="0"/>
+        </a:spcAft>
+        <a:buClr>
+          <a:schemeClr val="accent1"/>
+        </a:buClr>
+        <a:buSzPct val="80000"/>
+        <a:buFont typeface="Wingdings 3" charset="2"/>
+        <a:buChar char=""/>
+        <a:defRPr sz="1800" kern="1200">
+          <a:solidFill>
+            <a:schemeClr val="tx1">
+              <a:lumMod val="75000"/>
+              <a:lumOff val="25000"/>
+            </a:schemeClr>
+          </a:solidFill>
+          <a:latin typeface="+mn-lt"/>
+          <a:ea typeface="+mn-ea"/>
+          <a:cs typeface="+mn-cs"/>
+        </a:defRPr>
+      </a:lvl1pPr>
+      <a:lvl2pPr marL="742950" indent="-285750" algn="l" defTabSz="457200" rtl="0" eaLnBrk="1" latinLnBrk="1" hangingPunct="1">
+        <a:spcBef>
+          <a:spcPts val="1000"/>
+        </a:spcBef>
+        <a:spcAft>
+          <a:spcPts val="0"/>
+        </a:spcAft>
+        <a:buClr>
+          <a:schemeClr val="accent1"/>
+        </a:buClr>
+        <a:buSzPct val="80000"/>
+        <a:buFont typeface="Wingdings 3" charset="2"/>
+        <a:buChar char=""/>
+        <a:defRPr sz="1600" kern="1200">
+          <a:solidFill>
+            <a:schemeClr val="tx1">
+              <a:lumMod val="75000"/>
+              <a:lumOff val="25000"/>
+            </a:schemeClr>
+          </a:solidFill>
+          <a:latin typeface="+mn-lt"/>
+          <a:ea typeface="+mn-ea"/>
+          <a:cs typeface="+mn-cs"/>
+        </a:defRPr>
+      </a:lvl2pPr>
+      <a:lvl3pPr marL="1143000" indent="-228600" algn="l" defTabSz="457200" rtl="0" eaLnBrk="1" latinLnBrk="1" hangingPunct="1">
+        <a:spcBef>
+          <a:spcPts val="1000"/>
+        </a:spcBef>
+        <a:spcAft>
+          <a:spcPts val="0"/>
+        </a:spcAft>
+        <a:buClr>
+          <a:schemeClr val="accent1"/>
+        </a:buClr>
+        <a:buSzPct val="80000"/>
+        <a:buFont typeface="Wingdings 3" charset="2"/>
+        <a:buChar char=""/>
+        <a:defRPr sz="1400" kern="1200">
+          <a:solidFill>
+            <a:schemeClr val="tx1">
+              <a:lumMod val="75000"/>
+              <a:lumOff val="25000"/>
+            </a:schemeClr>
+          </a:solidFill>
+          <a:latin typeface="+mn-lt"/>
+          <a:ea typeface="+mn-ea"/>
+          <a:cs typeface="+mn-cs"/>
+        </a:defRPr>
+      </a:lvl3pPr>
+      <a:lvl4pPr marL="1600200" indent="-228600" algn="l" defTabSz="457200" rtl="0" eaLnBrk="1" latinLnBrk="1" hangingPunct="1">
+        <a:spcBef>
+          <a:spcPts val="1000"/>
+        </a:spcBef>
+        <a:spcAft>
+          <a:spcPts val="0"/>
+        </a:spcAft>
+        <a:buClr>
+          <a:schemeClr val="accent1"/>
+        </a:buClr>
+        <a:buSzPct val="80000"/>
+        <a:buFont typeface="Wingdings 3" charset="2"/>
+        <a:buChar char=""/>
+        <a:defRPr sz="1200" kern="1200">
+          <a:solidFill>
+            <a:schemeClr val="tx1">
+              <a:lumMod val="75000"/>
+              <a:lumOff val="25000"/>
+            </a:schemeClr>
+          </a:solidFill>
+          <a:latin typeface="+mn-lt"/>
+          <a:ea typeface="+mn-ea"/>
+          <a:cs typeface="+mn-cs"/>
+        </a:defRPr>
+      </a:lvl4pPr>
+      <a:lvl5pPr marL="2057400" indent="-228600" algn="l" defTabSz="457200" rtl="0" eaLnBrk="1" latinLnBrk="1" hangingPunct="1">
+        <a:spcBef>
+          <a:spcPts val="1000"/>
+        </a:spcBef>
+        <a:spcAft>
+          <a:spcPts val="0"/>
+        </a:spcAft>
+        <a:buClr>
+          <a:schemeClr val="accent1"/>
+        </a:buClr>
+        <a:buSzPct val="80000"/>
+        <a:buFont typeface="Wingdings 3" charset="2"/>
+        <a:buChar char=""/>
+        <a:defRPr sz="1200" kern="1200">
+          <a:solidFill>
+            <a:schemeClr val="tx1">
+              <a:lumMod val="75000"/>
+              <a:lumOff val="25000"/>
+            </a:schemeClr>
+          </a:solidFill>
+          <a:latin typeface="+mn-lt"/>
+          <a:ea typeface="+mn-ea"/>
+          <a:cs typeface="+mn-cs"/>
+        </a:defRPr>
+      </a:lvl5pPr>
+      <a:lvl6pPr marL="2514600" indent="-228600" algn="l" defTabSz="457200" rtl="0" eaLnBrk="1" latinLnBrk="1" hangingPunct="1">
+        <a:spcBef>
+          <a:spcPts val="1000"/>
+        </a:spcBef>
+        <a:spcAft>
+          <a:spcPts val="0"/>
+        </a:spcAft>
+        <a:buClr>
+          <a:schemeClr val="accent1"/>
+        </a:buClr>
+        <a:buSzPct val="80000"/>
+        <a:buFont typeface="Wingdings 3" charset="2"/>
+        <a:buChar char=""/>
+        <a:defRPr sz="1200" kern="1200">
+          <a:solidFill>
+            <a:schemeClr val="tx1">
+              <a:lumMod val="75000"/>
+              <a:lumOff val="25000"/>
+            </a:schemeClr>
+          </a:solidFill>
+          <a:latin typeface="+mn-lt"/>
+          <a:ea typeface="+mn-ea"/>
+          <a:cs typeface="+mn-cs"/>
+        </a:defRPr>
+      </a:lvl6pPr>
+      <a:lvl7pPr marL="2971800" indent="-228600" algn="l" defTabSz="457200" rtl="0" eaLnBrk="1" latinLnBrk="1" hangingPunct="1">
+        <a:spcBef>
+          <a:spcPts val="1000"/>
+        </a:spcBef>
+        <a:spcAft>
+          <a:spcPts val="0"/>
+        </a:spcAft>
+        <a:buClr>
+          <a:schemeClr val="accent1"/>
+        </a:buClr>
+        <a:buSzPct val="80000"/>
+        <a:buFont typeface="Wingdings 3" charset="2"/>
+        <a:buChar char=""/>
+        <a:defRPr sz="1200" kern="1200">
+          <a:solidFill>
+            <a:schemeClr val="tx1">
+              <a:lumMod val="75000"/>
+              <a:lumOff val="25000"/>
+            </a:schemeClr>
+          </a:solidFill>
+          <a:latin typeface="+mn-lt"/>
+          <a:ea typeface="+mn-ea"/>
+          <a:cs typeface="+mn-cs"/>
+        </a:defRPr>
+      </a:lvl7pPr>
+      <a:lvl8pPr marL="3429000" indent="-228600" algn="l" defTabSz="457200" rtl="0" eaLnBrk="1" latinLnBrk="1" hangingPunct="1">
+        <a:spcBef>
+          <a:spcPts val="1000"/>
+        </a:spcBef>
+        <a:spcAft>
+          <a:spcPts val="0"/>
+        </a:spcAft>
+        <a:buClr>
+          <a:schemeClr val="accent1"/>
+        </a:buClr>
+        <a:buSzPct val="80000"/>
+        <a:buFont typeface="Wingdings 3" charset="2"/>
+        <a:buChar char=""/>
+        <a:defRPr sz="1200" kern="1200">
+          <a:solidFill>
+            <a:schemeClr val="tx1">
+              <a:lumMod val="75000"/>
+              <a:lumOff val="25000"/>
+            </a:schemeClr>
+          </a:solidFill>
+          <a:latin typeface="+mn-lt"/>
+          <a:ea typeface="+mn-ea"/>
+          <a:cs typeface="+mn-cs"/>
+        </a:defRPr>
+      </a:lvl8pPr>
+      <a:lvl9pPr marL="3886200" indent="-228600" algn="l" defTabSz="457200" rtl="0" eaLnBrk="1" latinLnBrk="1" hangingPunct="1">
+        <a:spcBef>
+          <a:spcPts val="1000"/>
+        </a:spcBef>
+        <a:spcAft>
+          <a:spcPts val="0"/>
+        </a:spcAft>
+        <a:buClr>
+          <a:schemeClr val="accent1"/>
+        </a:buClr>
+        <a:buSzPct val="80000"/>
+        <a:buFont typeface="Wingdings 3" charset="2"/>
+        <a:buChar char=""/>
+        <a:defRPr sz="1200" kern="1200">
+          <a:solidFill>
+            <a:schemeClr val="tx1">
+              <a:lumMod val="75000"/>
+              <a:lumOff val="25000"/>
+            </a:schemeClr>
+          </a:solidFill>
+          <a:latin typeface="+mn-lt"/>
+          <a:ea typeface="+mn-ea"/>
+          <a:cs typeface="+mn-cs"/>
+        </a:defRPr>
+      </a:lvl9pPr>
+    </p:bodyStyle>
+    <p:otherStyle>
+      <a:defPPr>
+        <a:defRPr lang="en-US"/>
+      </a:defPPr>
+      <a:lvl1pPr marL="0" algn="l" defTabSz="457200" rtl="0" eaLnBrk="1" latinLnBrk="1" hangingPunct="1">
+        <a:defRPr sz="1800" kern="1200">
           <a:solidFill>
             <a:schemeClr val="tx1"/>
           </a:solidFill>
@@ -3060,16 +5747,8 @@
           <a:cs typeface="+mn-cs"/>
         </a:defRPr>
       </a:lvl1pPr>
-      <a:lvl2pPr marL="685800" indent="-228600" algn="l" defTabSz="914400" rtl="0" eaLnBrk="1" latinLnBrk="1" hangingPunct="1">
-        <a:lnSpc>
-          <a:spcPct val="90000"/>
-        </a:lnSpc>
-        <a:spcBef>
-          <a:spcPts val="500"/>
-        </a:spcBef>
-        <a:buFont typeface="Arial" panose="020B0604020202020204" pitchFamily="34" charset="0"/>
-        <a:buChar char="•"/>
-        <a:defRPr sz="2400" kern="1200">
+      <a:lvl2pPr marL="457200" algn="l" defTabSz="457200" rtl="0" eaLnBrk="1" latinLnBrk="1" hangingPunct="1">
+        <a:defRPr sz="1800" kern="1200">
           <a:solidFill>
             <a:schemeClr val="tx1"/>
           </a:solidFill>
@@ -3078,16 +5757,8 @@
           <a:cs typeface="+mn-cs"/>
         </a:defRPr>
       </a:lvl2pPr>
-      <a:lvl3pPr marL="1143000" indent="-228600" algn="l" defTabSz="914400" rtl="0" eaLnBrk="1" latinLnBrk="1" hangingPunct="1">
-        <a:lnSpc>
-          <a:spcPct val="90000"/>
-        </a:lnSpc>
-        <a:spcBef>
-          <a:spcPts val="500"/>
-        </a:spcBef>
-        <a:buFont typeface="Arial" panose="020B0604020202020204" pitchFamily="34" charset="0"/>
-        <a:buChar char="•"/>
-        <a:defRPr sz="2000" kern="1200">
+      <a:lvl3pPr marL="914400" algn="l" defTabSz="457200" rtl="0" eaLnBrk="1" latinLnBrk="1" hangingPunct="1">
+        <a:defRPr sz="1800" kern="1200">
           <a:solidFill>
             <a:schemeClr val="tx1"/>
           </a:solidFill>
@@ -3096,15 +5767,7 @@
           <a:cs typeface="+mn-cs"/>
         </a:defRPr>
       </a:lvl3pPr>
-      <a:lvl4pPr marL="1600200" indent="-228600" algn="l" defTabSz="914400" rtl="0" eaLnBrk="1" latinLnBrk="1" hangingPunct="1">
-        <a:lnSpc>
-          <a:spcPct val="90000"/>
-        </a:lnSpc>
-        <a:spcBef>
-          <a:spcPts val="500"/>
-        </a:spcBef>
-        <a:buFont typeface="Arial" panose="020B0604020202020204" pitchFamily="34" charset="0"/>
-        <a:buChar char="•"/>
+      <a:lvl4pPr marL="1371600" algn="l" defTabSz="457200" rtl="0" eaLnBrk="1" latinLnBrk="1" hangingPunct="1">
         <a:defRPr sz="1800" kern="1200">
           <a:solidFill>
             <a:schemeClr val="tx1"/>
@@ -3114,15 +5777,7 @@
           <a:cs typeface="+mn-cs"/>
         </a:defRPr>
       </a:lvl4pPr>
-      <a:lvl5pPr marL="2057400" indent="-228600" algn="l" defTabSz="914400" rtl="0" eaLnBrk="1" latinLnBrk="1" hangingPunct="1">
-        <a:lnSpc>
-          <a:spcPct val="90000"/>
-        </a:lnSpc>
-        <a:spcBef>
-          <a:spcPts val="500"/>
-        </a:spcBef>
-        <a:buFont typeface="Arial" panose="020B0604020202020204" pitchFamily="34" charset="0"/>
-        <a:buChar char="•"/>
+      <a:lvl5pPr marL="1828800" algn="l" defTabSz="457200" rtl="0" eaLnBrk="1" latinLnBrk="1" hangingPunct="1">
         <a:defRPr sz="1800" kern="1200">
           <a:solidFill>
             <a:schemeClr val="tx1"/>
@@ -3132,15 +5787,7 @@
           <a:cs typeface="+mn-cs"/>
         </a:defRPr>
       </a:lvl5pPr>
-      <a:lvl6pPr marL="2514600" indent="-228600" algn="l" defTabSz="914400" rtl="0" eaLnBrk="1" latinLnBrk="1" hangingPunct="1">
-        <a:lnSpc>
-          <a:spcPct val="90000"/>
-        </a:lnSpc>
-        <a:spcBef>
-          <a:spcPts val="500"/>
-        </a:spcBef>
-        <a:buFont typeface="Arial" panose="020B0604020202020204" pitchFamily="34" charset="0"/>
-        <a:buChar char="•"/>
+      <a:lvl6pPr marL="2286000" algn="l" defTabSz="457200" rtl="0" eaLnBrk="1" latinLnBrk="1" hangingPunct="1">
         <a:defRPr sz="1800" kern="1200">
           <a:solidFill>
             <a:schemeClr val="tx1"/>
@@ -3150,15 +5797,7 @@
           <a:cs typeface="+mn-cs"/>
         </a:defRPr>
       </a:lvl6pPr>
-      <a:lvl7pPr marL="2971800" indent="-228600" algn="l" defTabSz="914400" rtl="0" eaLnBrk="1" latinLnBrk="1" hangingPunct="1">
-        <a:lnSpc>
-          <a:spcPct val="90000"/>
-        </a:lnSpc>
-        <a:spcBef>
-          <a:spcPts val="500"/>
-        </a:spcBef>
-        <a:buFont typeface="Arial" panose="020B0604020202020204" pitchFamily="34" charset="0"/>
-        <a:buChar char="•"/>
+      <a:lvl7pPr marL="2743200" algn="l" defTabSz="457200" rtl="0" eaLnBrk="1" latinLnBrk="1" hangingPunct="1">
         <a:defRPr sz="1800" kern="1200">
           <a:solidFill>
             <a:schemeClr val="tx1"/>
@@ -3168,15 +5807,7 @@
           <a:cs typeface="+mn-cs"/>
         </a:defRPr>
       </a:lvl7pPr>
-      <a:lvl8pPr marL="3429000" indent="-228600" algn="l" defTabSz="914400" rtl="0" eaLnBrk="1" latinLnBrk="1" hangingPunct="1">
-        <a:lnSpc>
-          <a:spcPct val="90000"/>
-        </a:lnSpc>
-        <a:spcBef>
-          <a:spcPts val="500"/>
-        </a:spcBef>
-        <a:buFont typeface="Arial" panose="020B0604020202020204" pitchFamily="34" charset="0"/>
-        <a:buChar char="•"/>
+      <a:lvl8pPr marL="3200400" algn="l" defTabSz="457200" rtl="0" eaLnBrk="1" latinLnBrk="1" hangingPunct="1">
         <a:defRPr sz="1800" kern="1200">
           <a:solidFill>
             <a:schemeClr val="tx1"/>
@@ -3186,110 +5817,7 @@
           <a:cs typeface="+mn-cs"/>
         </a:defRPr>
       </a:lvl8pPr>
-      <a:lvl9pPr marL="3886200" indent="-228600" algn="l" defTabSz="914400" rtl="0" eaLnBrk="1" latinLnBrk="1" hangingPunct="1">
-        <a:lnSpc>
-          <a:spcPct val="90000"/>
-        </a:lnSpc>
-        <a:spcBef>
-          <a:spcPts val="500"/>
-        </a:spcBef>
-        <a:buFont typeface="Arial" panose="020B0604020202020204" pitchFamily="34" charset="0"/>
-        <a:buChar char="•"/>
-        <a:defRPr sz="1800" kern="1200">
-          <a:solidFill>
-            <a:schemeClr val="tx1"/>
-          </a:solidFill>
-          <a:latin typeface="+mn-lt"/>
-          <a:ea typeface="+mn-ea"/>
-          <a:cs typeface="+mn-cs"/>
-        </a:defRPr>
-      </a:lvl9pPr>
-    </p:bodyStyle>
-    <p:otherStyle>
-      <a:defPPr>
-        <a:defRPr lang="ko-KR"/>
-      </a:defPPr>
-      <a:lvl1pPr marL="0" algn="l" defTabSz="914400" rtl="0" eaLnBrk="1" latinLnBrk="1" hangingPunct="1">
-        <a:defRPr sz="1800" kern="1200">
-          <a:solidFill>
-            <a:schemeClr val="tx1"/>
-          </a:solidFill>
-          <a:latin typeface="+mn-lt"/>
-          <a:ea typeface="+mn-ea"/>
-          <a:cs typeface="+mn-cs"/>
-        </a:defRPr>
-      </a:lvl1pPr>
-      <a:lvl2pPr marL="457200" algn="l" defTabSz="914400" rtl="0" eaLnBrk="1" latinLnBrk="1" hangingPunct="1">
-        <a:defRPr sz="1800" kern="1200">
-          <a:solidFill>
-            <a:schemeClr val="tx1"/>
-          </a:solidFill>
-          <a:latin typeface="+mn-lt"/>
-          <a:ea typeface="+mn-ea"/>
-          <a:cs typeface="+mn-cs"/>
-        </a:defRPr>
-      </a:lvl2pPr>
-      <a:lvl3pPr marL="914400" algn="l" defTabSz="914400" rtl="0" eaLnBrk="1" latinLnBrk="1" hangingPunct="1">
-        <a:defRPr sz="1800" kern="1200">
-          <a:solidFill>
-            <a:schemeClr val="tx1"/>
-          </a:solidFill>
-          <a:latin typeface="+mn-lt"/>
-          <a:ea typeface="+mn-ea"/>
-          <a:cs typeface="+mn-cs"/>
-        </a:defRPr>
-      </a:lvl3pPr>
-      <a:lvl4pPr marL="1371600" algn="l" defTabSz="914400" rtl="0" eaLnBrk="1" latinLnBrk="1" hangingPunct="1">
-        <a:defRPr sz="1800" kern="1200">
-          <a:solidFill>
-            <a:schemeClr val="tx1"/>
-          </a:solidFill>
-          <a:latin typeface="+mn-lt"/>
-          <a:ea typeface="+mn-ea"/>
-          <a:cs typeface="+mn-cs"/>
-        </a:defRPr>
-      </a:lvl4pPr>
-      <a:lvl5pPr marL="1828800" algn="l" defTabSz="914400" rtl="0" eaLnBrk="1" latinLnBrk="1" hangingPunct="1">
-        <a:defRPr sz="1800" kern="1200">
-          <a:solidFill>
-            <a:schemeClr val="tx1"/>
-          </a:solidFill>
-          <a:latin typeface="+mn-lt"/>
-          <a:ea typeface="+mn-ea"/>
-          <a:cs typeface="+mn-cs"/>
-        </a:defRPr>
-      </a:lvl5pPr>
-      <a:lvl6pPr marL="2286000" algn="l" defTabSz="914400" rtl="0" eaLnBrk="1" latinLnBrk="1" hangingPunct="1">
-        <a:defRPr sz="1800" kern="1200">
-          <a:solidFill>
-            <a:schemeClr val="tx1"/>
-          </a:solidFill>
-          <a:latin typeface="+mn-lt"/>
-          <a:ea typeface="+mn-ea"/>
-          <a:cs typeface="+mn-cs"/>
-        </a:defRPr>
-      </a:lvl6pPr>
-      <a:lvl7pPr marL="2743200" algn="l" defTabSz="914400" rtl="0" eaLnBrk="1" latinLnBrk="1" hangingPunct="1">
-        <a:defRPr sz="1800" kern="1200">
-          <a:solidFill>
-            <a:schemeClr val="tx1"/>
-          </a:solidFill>
-          <a:latin typeface="+mn-lt"/>
-          <a:ea typeface="+mn-ea"/>
-          <a:cs typeface="+mn-cs"/>
-        </a:defRPr>
-      </a:lvl7pPr>
-      <a:lvl8pPr marL="3200400" algn="l" defTabSz="914400" rtl="0" eaLnBrk="1" latinLnBrk="1" hangingPunct="1">
-        <a:defRPr sz="1800" kern="1200">
-          <a:solidFill>
-            <a:schemeClr val="tx1"/>
-          </a:solidFill>
-          <a:latin typeface="+mn-lt"/>
-          <a:ea typeface="+mn-ea"/>
-          <a:cs typeface="+mn-cs"/>
-        </a:defRPr>
-      </a:lvl8pPr>
-      <a:lvl9pPr marL="3657600" algn="l" defTabSz="914400" rtl="0" eaLnBrk="1" latinLnBrk="1" hangingPunct="1">
+      <a:lvl9pPr marL="3657600" algn="l" defTabSz="457200" rtl="0" eaLnBrk="1" latinLnBrk="1" hangingPunct="1">
         <a:defRPr sz="1800" kern="1200">
           <a:solidFill>
             <a:schemeClr val="tx1"/>
@@ -3342,7 +5870,10 @@
           <a:bodyPr/>
           <a:lstStyle/>
           <a:p>
-            <a:endParaRPr lang="ko-KR" altLang="en-US"/>
+            <a:r>
+              <a:rPr lang="ko-KR" altLang="en-US" dirty="0"/>
+              <a:t>나만의 포트폴리오 관리 사업계획서</a:t>
+            </a:r>
           </a:p>
         </p:txBody>
       </p:sp>
@@ -3367,7 +5898,16 @@
           <a:bodyPr/>
           <a:lstStyle/>
           <a:p>
-            <a:endParaRPr lang="ko-KR" altLang="en-US"/>
+            <a:r>
+              <a:rPr lang="en-US" altLang="ko-KR" dirty="0"/>
+              <a:t>2020.07.04</a:t>
+            </a:r>
+          </a:p>
+          <a:p>
+            <a:r>
+              <a:rPr lang="ko-KR" altLang="en-US" dirty="0"/>
+              <a:t>김범수</a:t>
+            </a:r>
           </a:p>
         </p:txBody>
       </p:sp>
@@ -3384,10 +5924,2485 @@
 </p:sld>
 </file>
 
+<file path=ppt/slides/slide10.xml><?xml version="1.0" encoding="utf-8"?>
+<p:sld xmlns:a="http://schemas.openxmlformats.org/drawingml/2006/main" xmlns:r="http://schemas.openxmlformats.org/officeDocument/2006/relationships" xmlns:p="http://schemas.openxmlformats.org/presentationml/2006/main">
+  <p:cSld>
+    <p:spTree>
+      <p:nvGrpSpPr>
+        <p:cNvPr id="1" name=""/>
+        <p:cNvGrpSpPr/>
+        <p:nvPr/>
+      </p:nvGrpSpPr>
+      <p:grpSpPr>
+        <a:xfrm>
+          <a:off x="0" y="0"/>
+          <a:ext cx="0" cy="0"/>
+          <a:chOff x="0" y="0"/>
+          <a:chExt cx="0" cy="0"/>
+        </a:xfrm>
+      </p:grpSpPr>
+      <p:sp>
+        <p:nvSpPr>
+          <p:cNvPr id="2" name="제목 1">
+            <a:extLst>
+              <a:ext uri="{FF2B5EF4-FFF2-40B4-BE49-F238E27FC236}">
+                <a16:creationId xmlns:a16="http://schemas.microsoft.com/office/drawing/2014/main" id="{3E69B9D1-D257-4F48-8272-B1CC9AB771FE}"/>
+              </a:ext>
+            </a:extLst>
+          </p:cNvPr>
+          <p:cNvSpPr>
+            <a:spLocks noGrp="1"/>
+          </p:cNvSpPr>
+          <p:nvPr>
+            <p:ph type="title"/>
+          </p:nvPr>
+        </p:nvSpPr>
+        <p:spPr>
+          <a:xfrm>
+            <a:off x="229099" y="224119"/>
+            <a:ext cx="8596668" cy="663388"/>
+          </a:xfrm>
+        </p:spPr>
+        <p:txBody>
+          <a:bodyPr/>
+          <a:lstStyle/>
+          <a:p>
+            <a:r>
+              <a:rPr lang="ko-KR" altLang="en-US" dirty="0"/>
+              <a:t>마케팅 계획</a:t>
+            </a:r>
+          </a:p>
+        </p:txBody>
+      </p:sp>
+      <p:sp>
+        <p:nvSpPr>
+          <p:cNvPr id="3" name="내용 개체 틀 2">
+            <a:extLst>
+              <a:ext uri="{FF2B5EF4-FFF2-40B4-BE49-F238E27FC236}">
+                <a16:creationId xmlns:a16="http://schemas.microsoft.com/office/drawing/2014/main" id="{D06F3CE7-D3B5-4230-9349-8196B3044D99}"/>
+              </a:ext>
+            </a:extLst>
+          </p:cNvPr>
+          <p:cNvSpPr>
+            <a:spLocks noGrp="1"/>
+          </p:cNvSpPr>
+          <p:nvPr>
+            <p:ph idx="1"/>
+          </p:nvPr>
+        </p:nvSpPr>
+        <p:spPr>
+          <a:xfrm>
+            <a:off x="650440" y="1129552"/>
+            <a:ext cx="8596668" cy="5325035"/>
+          </a:xfrm>
+        </p:spPr>
+        <p:txBody>
+          <a:bodyPr>
+            <a:noAutofit/>
+          </a:bodyPr>
+          <a:lstStyle/>
+          <a:p>
+            <a:endParaRPr lang="ko-KR" altLang="en-US" sz="2300" dirty="0"/>
+          </a:p>
+        </p:txBody>
+      </p:sp>
+    </p:spTree>
+    <p:extLst>
+      <p:ext uri="{BB962C8B-B14F-4D97-AF65-F5344CB8AC3E}">
+        <p14:creationId xmlns:p14="http://schemas.microsoft.com/office/powerpoint/2010/main" val="379081672"/>
+      </p:ext>
+    </p:extLst>
+  </p:cSld>
+  <p:clrMapOvr>
+    <a:masterClrMapping/>
+  </p:clrMapOvr>
+</p:sld>
+</file>
+
+<file path=ppt/slides/slide11.xml><?xml version="1.0" encoding="utf-8"?>
+<p:sld xmlns:a="http://schemas.openxmlformats.org/drawingml/2006/main" xmlns:r="http://schemas.openxmlformats.org/officeDocument/2006/relationships" xmlns:p="http://schemas.openxmlformats.org/presentationml/2006/main">
+  <p:cSld>
+    <p:spTree>
+      <p:nvGrpSpPr>
+        <p:cNvPr id="1" name=""/>
+        <p:cNvGrpSpPr/>
+        <p:nvPr/>
+      </p:nvGrpSpPr>
+      <p:grpSpPr>
+        <a:xfrm>
+          <a:off x="0" y="0"/>
+          <a:ext cx="0" cy="0"/>
+          <a:chOff x="0" y="0"/>
+          <a:chExt cx="0" cy="0"/>
+        </a:xfrm>
+      </p:grpSpPr>
+      <p:sp>
+        <p:nvSpPr>
+          <p:cNvPr id="2" name="제목 1">
+            <a:extLst>
+              <a:ext uri="{FF2B5EF4-FFF2-40B4-BE49-F238E27FC236}">
+                <a16:creationId xmlns:a16="http://schemas.microsoft.com/office/drawing/2014/main" id="{3E69B9D1-D257-4F48-8272-B1CC9AB771FE}"/>
+              </a:ext>
+            </a:extLst>
+          </p:cNvPr>
+          <p:cNvSpPr>
+            <a:spLocks noGrp="1"/>
+          </p:cNvSpPr>
+          <p:nvPr>
+            <p:ph type="title"/>
+          </p:nvPr>
+        </p:nvSpPr>
+        <p:spPr>
+          <a:xfrm>
+            <a:off x="229099" y="224119"/>
+            <a:ext cx="8596668" cy="663388"/>
+          </a:xfrm>
+        </p:spPr>
+        <p:txBody>
+          <a:bodyPr/>
+          <a:lstStyle/>
+          <a:p>
+            <a:r>
+              <a:rPr lang="ko-KR" altLang="en-US" dirty="0"/>
+              <a:t>제작 계획</a:t>
+            </a:r>
+          </a:p>
+        </p:txBody>
+      </p:sp>
+    </p:spTree>
+    <p:extLst>
+      <p:ext uri="{BB962C8B-B14F-4D97-AF65-F5344CB8AC3E}">
+        <p14:creationId xmlns:p14="http://schemas.microsoft.com/office/powerpoint/2010/main" val="2975198235"/>
+      </p:ext>
+    </p:extLst>
+  </p:cSld>
+  <p:clrMapOvr>
+    <a:masterClrMapping/>
+  </p:clrMapOvr>
+</p:sld>
+</file>
+
+<file path=ppt/slides/slide2.xml><?xml version="1.0" encoding="utf-8"?>
+<p:sld xmlns:a="http://schemas.openxmlformats.org/drawingml/2006/main" xmlns:r="http://schemas.openxmlformats.org/officeDocument/2006/relationships" xmlns:p="http://schemas.openxmlformats.org/presentationml/2006/main">
+  <p:cSld>
+    <p:spTree>
+      <p:nvGrpSpPr>
+        <p:cNvPr id="1" name=""/>
+        <p:cNvGrpSpPr/>
+        <p:nvPr/>
+      </p:nvGrpSpPr>
+      <p:grpSpPr>
+        <a:xfrm>
+          <a:off x="0" y="0"/>
+          <a:ext cx="0" cy="0"/>
+          <a:chOff x="0" y="0"/>
+          <a:chExt cx="0" cy="0"/>
+        </a:xfrm>
+      </p:grpSpPr>
+      <p:sp>
+        <p:nvSpPr>
+          <p:cNvPr id="2" name="제목 1">
+            <a:extLst>
+              <a:ext uri="{FF2B5EF4-FFF2-40B4-BE49-F238E27FC236}">
+                <a16:creationId xmlns:a16="http://schemas.microsoft.com/office/drawing/2014/main" id="{3E69B9D1-D257-4F48-8272-B1CC9AB771FE}"/>
+              </a:ext>
+            </a:extLst>
+          </p:cNvPr>
+          <p:cNvSpPr>
+            <a:spLocks noGrp="1"/>
+          </p:cNvSpPr>
+          <p:nvPr>
+            <p:ph type="title"/>
+          </p:nvPr>
+        </p:nvSpPr>
+        <p:spPr>
+          <a:xfrm>
+            <a:off x="229099" y="224119"/>
+            <a:ext cx="8596668" cy="663388"/>
+          </a:xfrm>
+        </p:spPr>
+        <p:txBody>
+          <a:bodyPr/>
+          <a:lstStyle/>
+          <a:p>
+            <a:r>
+              <a:rPr lang="ko-KR" altLang="en-US" dirty="0"/>
+              <a:t>목차</a:t>
+            </a:r>
+          </a:p>
+        </p:txBody>
+      </p:sp>
+      <p:sp>
+        <p:nvSpPr>
+          <p:cNvPr id="3" name="내용 개체 틀 2">
+            <a:extLst>
+              <a:ext uri="{FF2B5EF4-FFF2-40B4-BE49-F238E27FC236}">
+                <a16:creationId xmlns:a16="http://schemas.microsoft.com/office/drawing/2014/main" id="{D06F3CE7-D3B5-4230-9349-8196B3044D99}"/>
+              </a:ext>
+            </a:extLst>
+          </p:cNvPr>
+          <p:cNvSpPr>
+            <a:spLocks noGrp="1"/>
+          </p:cNvSpPr>
+          <p:nvPr>
+            <p:ph idx="1"/>
+          </p:nvPr>
+        </p:nvSpPr>
+        <p:spPr>
+          <a:xfrm>
+            <a:off x="650440" y="1129552"/>
+            <a:ext cx="8596668" cy="5325035"/>
+          </a:xfrm>
+        </p:spPr>
+        <p:txBody>
+          <a:bodyPr>
+            <a:noAutofit/>
+          </a:bodyPr>
+          <a:lstStyle/>
+          <a:p>
+            <a:r>
+              <a:rPr lang="ko-KR" altLang="en-US" sz="2300" dirty="0"/>
+              <a:t>사업의 필요성</a:t>
+            </a:r>
+            <a:endParaRPr lang="en-US" altLang="ko-KR" sz="2300" dirty="0"/>
+          </a:p>
+          <a:p>
+            <a:r>
+              <a:rPr lang="ko-KR" altLang="en-US" sz="2300" dirty="0"/>
+              <a:t>시장 분석</a:t>
+            </a:r>
+            <a:endParaRPr lang="en-US" altLang="ko-KR" sz="2300" dirty="0"/>
+          </a:p>
+          <a:p>
+            <a:r>
+              <a:rPr lang="ko-KR" altLang="en-US" sz="2300" dirty="0"/>
+              <a:t>홈페이지 소개</a:t>
+            </a:r>
+            <a:endParaRPr lang="en-US" altLang="ko-KR" sz="2300" dirty="0"/>
+          </a:p>
+          <a:p>
+            <a:r>
+              <a:rPr lang="ko-KR" altLang="en-US" sz="2300" dirty="0"/>
+              <a:t>홈페이지 특징</a:t>
+            </a:r>
+            <a:endParaRPr lang="en-US" altLang="ko-KR" sz="2300" dirty="0"/>
+          </a:p>
+          <a:p>
+            <a:r>
+              <a:rPr lang="ko-KR" altLang="en-US" sz="2300" dirty="0"/>
+              <a:t>매출계획</a:t>
+            </a:r>
+            <a:endParaRPr lang="en-US" altLang="ko-KR" sz="2300" dirty="0"/>
+          </a:p>
+          <a:p>
+            <a:r>
+              <a:rPr lang="ko-KR" altLang="en-US" sz="2300" dirty="0"/>
+              <a:t>경쟁사 분석</a:t>
+            </a:r>
+            <a:endParaRPr lang="en-US" altLang="ko-KR" sz="2300" dirty="0"/>
+          </a:p>
+          <a:p>
+            <a:r>
+              <a:rPr lang="ko-KR" altLang="en-US" sz="2300" dirty="0"/>
+              <a:t>디자인 계획</a:t>
+            </a:r>
+            <a:endParaRPr lang="en-US" altLang="ko-KR" sz="2300" dirty="0"/>
+          </a:p>
+          <a:p>
+            <a:r>
+              <a:rPr lang="ko-KR" altLang="en-US" sz="2300" dirty="0"/>
+              <a:t>마케팅 계획</a:t>
+            </a:r>
+            <a:endParaRPr lang="en-US" altLang="ko-KR" sz="2300" dirty="0"/>
+          </a:p>
+          <a:p>
+            <a:r>
+              <a:rPr lang="ko-KR" altLang="en-US" sz="2300" dirty="0"/>
+              <a:t>제작 기획</a:t>
+            </a:r>
+          </a:p>
+        </p:txBody>
+      </p:sp>
+    </p:spTree>
+    <p:extLst>
+      <p:ext uri="{BB962C8B-B14F-4D97-AF65-F5344CB8AC3E}">
+        <p14:creationId xmlns:p14="http://schemas.microsoft.com/office/powerpoint/2010/main" val="3111905001"/>
+      </p:ext>
+    </p:extLst>
+  </p:cSld>
+  <p:clrMapOvr>
+    <a:masterClrMapping/>
+  </p:clrMapOvr>
+</p:sld>
+</file>
+
+<file path=ppt/slides/slide3.xml><?xml version="1.0" encoding="utf-8"?>
+<p:sld xmlns:a="http://schemas.openxmlformats.org/drawingml/2006/main" xmlns:r="http://schemas.openxmlformats.org/officeDocument/2006/relationships" xmlns:p="http://schemas.openxmlformats.org/presentationml/2006/main">
+  <p:cSld>
+    <p:spTree>
+      <p:nvGrpSpPr>
+        <p:cNvPr id="1" name=""/>
+        <p:cNvGrpSpPr/>
+        <p:nvPr/>
+      </p:nvGrpSpPr>
+      <p:grpSpPr>
+        <a:xfrm>
+          <a:off x="0" y="0"/>
+          <a:ext cx="0" cy="0"/>
+          <a:chOff x="0" y="0"/>
+          <a:chExt cx="0" cy="0"/>
+        </a:xfrm>
+      </p:grpSpPr>
+      <p:sp>
+        <p:nvSpPr>
+          <p:cNvPr id="2" name="제목 1">
+            <a:extLst>
+              <a:ext uri="{FF2B5EF4-FFF2-40B4-BE49-F238E27FC236}">
+                <a16:creationId xmlns:a16="http://schemas.microsoft.com/office/drawing/2014/main" id="{3E69B9D1-D257-4F48-8272-B1CC9AB771FE}"/>
+              </a:ext>
+            </a:extLst>
+          </p:cNvPr>
+          <p:cNvSpPr>
+            <a:spLocks noGrp="1"/>
+          </p:cNvSpPr>
+          <p:nvPr>
+            <p:ph type="title"/>
+          </p:nvPr>
+        </p:nvSpPr>
+        <p:spPr>
+          <a:xfrm>
+            <a:off x="229099" y="224119"/>
+            <a:ext cx="8596668" cy="663388"/>
+          </a:xfrm>
+        </p:spPr>
+        <p:txBody>
+          <a:bodyPr/>
+          <a:lstStyle/>
+          <a:p>
+            <a:r>
+              <a:rPr lang="ko-KR" altLang="en-US" dirty="0"/>
+              <a:t>사업의 필요성</a:t>
+            </a:r>
+          </a:p>
+        </p:txBody>
+      </p:sp>
+      <p:pic>
+        <p:nvPicPr>
+          <p:cNvPr id="1026" name="Picture 2" descr="블라인드 | 잡코리아 기업정보">
+            <a:extLst>
+              <a:ext uri="{FF2B5EF4-FFF2-40B4-BE49-F238E27FC236}">
+                <a16:creationId xmlns:a16="http://schemas.microsoft.com/office/drawing/2014/main" id="{774228E7-C9C7-44B6-AC4E-EF57C48AADD0}"/>
+              </a:ext>
+            </a:extLst>
+          </p:cNvPr>
+          <p:cNvPicPr>
+            <a:picLocks noChangeAspect="1" noChangeArrowheads="1"/>
+          </p:cNvPicPr>
+          <p:nvPr/>
+        </p:nvPicPr>
+        <p:blipFill>
+          <a:blip r:embed="rId2">
+            <a:extLst>
+              <a:ext uri="{28A0092B-C50C-407E-A947-70E740481C1C}">
+                <a14:useLocalDpi xmlns:a14="http://schemas.microsoft.com/office/drawing/2010/main" val="0"/>
+              </a:ext>
+            </a:extLst>
+          </a:blip>
+          <a:srcRect/>
+          <a:stretch>
+            <a:fillRect/>
+          </a:stretch>
+        </p:blipFill>
+        <p:spPr bwMode="auto">
+          <a:xfrm>
+            <a:off x="1526802" y="1567143"/>
+            <a:ext cx="2038350" cy="2038350"/>
+          </a:xfrm>
+          <a:prstGeom prst="rect">
+            <a:avLst/>
+          </a:prstGeom>
+          <a:noFill/>
+          <a:extLst>
+            <a:ext uri="{909E8E84-426E-40DD-AFC4-6F175D3DCCD1}">
+              <a14:hiddenFill xmlns:a14="http://schemas.microsoft.com/office/drawing/2010/main">
+                <a:solidFill>
+                  <a:srgbClr val="FFFFFF"/>
+                </a:solidFill>
+              </a14:hiddenFill>
+            </a:ext>
+          </a:extLst>
+        </p:spPr>
+      </p:pic>
+      <p:sp>
+        <p:nvSpPr>
+          <p:cNvPr id="4" name="TextBox 3">
+            <a:extLst>
+              <a:ext uri="{FF2B5EF4-FFF2-40B4-BE49-F238E27FC236}">
+                <a16:creationId xmlns:a16="http://schemas.microsoft.com/office/drawing/2014/main" id="{1F3ADD65-9578-4D92-A736-66EA43E2CD37}"/>
+              </a:ext>
+            </a:extLst>
+          </p:cNvPr>
+          <p:cNvSpPr txBox="1"/>
+          <p:nvPr/>
+        </p:nvSpPr>
+        <p:spPr>
+          <a:xfrm>
+            <a:off x="1277471" y="3729318"/>
+            <a:ext cx="2537012" cy="646331"/>
+          </a:xfrm>
+          <a:prstGeom prst="rect">
+            <a:avLst/>
+          </a:prstGeom>
+          <a:noFill/>
+        </p:spPr>
+        <p:txBody>
+          <a:bodyPr wrap="square" rtlCol="0">
+            <a:spAutoFit/>
+          </a:bodyPr>
+          <a:lstStyle/>
+          <a:p>
+            <a:r>
+              <a:rPr lang="ko-KR" altLang="en-US" dirty="0"/>
+              <a:t>이력서</a:t>
+            </a:r>
+            <a:r>
+              <a:rPr lang="en-US" altLang="ko-KR" dirty="0"/>
+              <a:t>, </a:t>
+            </a:r>
+            <a:r>
+              <a:rPr lang="ko-KR" altLang="en-US" dirty="0"/>
+              <a:t>자소서 관리는 </a:t>
+            </a:r>
+            <a:r>
+              <a:rPr lang="en-US" altLang="ko-KR" dirty="0" err="1"/>
+              <a:t>JobKorea</a:t>
+            </a:r>
+            <a:endParaRPr lang="ko-KR" altLang="en-US" dirty="0"/>
+          </a:p>
+        </p:txBody>
+      </p:sp>
+      <p:pic>
+        <p:nvPicPr>
+          <p:cNvPr id="1028" name="Picture 4" descr="GitHub] GitHub 정리하기">
+            <a:extLst>
+              <a:ext uri="{FF2B5EF4-FFF2-40B4-BE49-F238E27FC236}">
+                <a16:creationId xmlns:a16="http://schemas.microsoft.com/office/drawing/2014/main" id="{6A086142-4133-41F8-94EF-1E61FE1AE7A9}"/>
+              </a:ext>
+            </a:extLst>
+          </p:cNvPr>
+          <p:cNvPicPr>
+            <a:picLocks noChangeAspect="1" noChangeArrowheads="1"/>
+          </p:cNvPicPr>
+          <p:nvPr/>
+        </p:nvPicPr>
+        <p:blipFill>
+          <a:blip r:embed="rId3">
+            <a:extLst>
+              <a:ext uri="{28A0092B-C50C-407E-A947-70E740481C1C}">
+                <a14:useLocalDpi xmlns:a14="http://schemas.microsoft.com/office/drawing/2010/main" val="0"/>
+              </a:ext>
+            </a:extLst>
+          </a:blip>
+          <a:srcRect/>
+          <a:stretch>
+            <a:fillRect/>
+          </a:stretch>
+        </p:blipFill>
+        <p:spPr bwMode="auto">
+          <a:xfrm>
+            <a:off x="4877361" y="1829080"/>
+            <a:ext cx="3028950" cy="1514475"/>
+          </a:xfrm>
+          <a:prstGeom prst="rect">
+            <a:avLst/>
+          </a:prstGeom>
+          <a:noFill/>
+          <a:extLst>
+            <a:ext uri="{909E8E84-426E-40DD-AFC4-6F175D3DCCD1}">
+              <a14:hiddenFill xmlns:a14="http://schemas.microsoft.com/office/drawing/2010/main">
+                <a:solidFill>
+                  <a:srgbClr val="FFFFFF"/>
+                </a:solidFill>
+              </a14:hiddenFill>
+            </a:ext>
+          </a:extLst>
+        </p:spPr>
+      </p:pic>
+      <p:sp>
+        <p:nvSpPr>
+          <p:cNvPr id="7" name="TextBox 6">
+            <a:extLst>
+              <a:ext uri="{FF2B5EF4-FFF2-40B4-BE49-F238E27FC236}">
+                <a16:creationId xmlns:a16="http://schemas.microsoft.com/office/drawing/2014/main" id="{2C720D9B-07D9-4984-AFE3-ECF033F66728}"/>
+              </a:ext>
+            </a:extLst>
+          </p:cNvPr>
+          <p:cNvSpPr txBox="1"/>
+          <p:nvPr/>
+        </p:nvSpPr>
+        <p:spPr>
+          <a:xfrm>
+            <a:off x="5123330" y="3854385"/>
+            <a:ext cx="2537012" cy="646331"/>
+          </a:xfrm>
+          <a:prstGeom prst="rect">
+            <a:avLst/>
+          </a:prstGeom>
+          <a:noFill/>
+        </p:spPr>
+        <p:txBody>
+          <a:bodyPr wrap="square" rtlCol="0">
+            <a:spAutoFit/>
+          </a:bodyPr>
+          <a:lstStyle/>
+          <a:p>
+            <a:r>
+              <a:rPr lang="ko-KR" altLang="en-US" dirty="0"/>
+              <a:t>코드</a:t>
+            </a:r>
+            <a:r>
+              <a:rPr lang="en-US" altLang="ko-KR" dirty="0"/>
+              <a:t>, </a:t>
+            </a:r>
+            <a:r>
+              <a:rPr lang="ko-KR" altLang="en-US" dirty="0" err="1"/>
+              <a:t>작업물</a:t>
+            </a:r>
+            <a:r>
+              <a:rPr lang="ko-KR" altLang="en-US" dirty="0"/>
+              <a:t> 관리는 </a:t>
+            </a:r>
+            <a:r>
+              <a:rPr lang="en-US" altLang="ko-KR" dirty="0"/>
+              <a:t>GitHub</a:t>
+            </a:r>
+            <a:endParaRPr lang="ko-KR" altLang="en-US" dirty="0"/>
+          </a:p>
+        </p:txBody>
+      </p:sp>
+      <p:pic>
+        <p:nvPicPr>
+          <p:cNvPr id="1030" name="Picture 6" descr="큐넷(Q-Net) - 자격증의 모든 것">
+            <a:extLst>
+              <a:ext uri="{FF2B5EF4-FFF2-40B4-BE49-F238E27FC236}">
+                <a16:creationId xmlns:a16="http://schemas.microsoft.com/office/drawing/2014/main" id="{E928D7A2-953B-4132-BA1A-6AD9E49A8FF1}"/>
+              </a:ext>
+            </a:extLst>
+          </p:cNvPr>
+          <p:cNvPicPr>
+            <a:picLocks noChangeAspect="1" noChangeArrowheads="1"/>
+          </p:cNvPicPr>
+          <p:nvPr/>
+        </p:nvPicPr>
+        <p:blipFill>
+          <a:blip r:embed="rId4">
+            <a:extLst>
+              <a:ext uri="{28A0092B-C50C-407E-A947-70E740481C1C}">
+                <a14:useLocalDpi xmlns:a14="http://schemas.microsoft.com/office/drawing/2010/main" val="0"/>
+              </a:ext>
+            </a:extLst>
+          </a:blip>
+          <a:srcRect/>
+          <a:stretch>
+            <a:fillRect/>
+          </a:stretch>
+        </p:blipFill>
+        <p:spPr bwMode="auto">
+          <a:xfrm>
+            <a:off x="9331979" y="1733829"/>
+            <a:ext cx="1685925" cy="1704975"/>
+          </a:xfrm>
+          <a:prstGeom prst="rect">
+            <a:avLst/>
+          </a:prstGeom>
+          <a:noFill/>
+          <a:extLst>
+            <a:ext uri="{909E8E84-426E-40DD-AFC4-6F175D3DCCD1}">
+              <a14:hiddenFill xmlns:a14="http://schemas.microsoft.com/office/drawing/2010/main">
+                <a:solidFill>
+                  <a:srgbClr val="FFFFFF"/>
+                </a:solidFill>
+              </a14:hiddenFill>
+            </a:ext>
+          </a:extLst>
+        </p:spPr>
+      </p:pic>
+      <p:sp>
+        <p:nvSpPr>
+          <p:cNvPr id="9" name="TextBox 8">
+            <a:extLst>
+              <a:ext uri="{FF2B5EF4-FFF2-40B4-BE49-F238E27FC236}">
+                <a16:creationId xmlns:a16="http://schemas.microsoft.com/office/drawing/2014/main" id="{945CD5E3-6B17-4705-88BB-DEFC2D86FEA8}"/>
+              </a:ext>
+            </a:extLst>
+          </p:cNvPr>
+          <p:cNvSpPr txBox="1"/>
+          <p:nvPr/>
+        </p:nvSpPr>
+        <p:spPr>
+          <a:xfrm>
+            <a:off x="8906435" y="3854385"/>
+            <a:ext cx="2537012" cy="369332"/>
+          </a:xfrm>
+          <a:prstGeom prst="rect">
+            <a:avLst/>
+          </a:prstGeom>
+          <a:noFill/>
+        </p:spPr>
+        <p:txBody>
+          <a:bodyPr wrap="square" rtlCol="0">
+            <a:spAutoFit/>
+          </a:bodyPr>
+          <a:lstStyle/>
+          <a:p>
+            <a:r>
+              <a:rPr lang="ko-KR" altLang="en-US" dirty="0"/>
+              <a:t>자격증 관리는 </a:t>
+            </a:r>
+            <a:r>
+              <a:rPr lang="en-US" altLang="ko-KR" dirty="0"/>
+              <a:t>Q-Net</a:t>
+            </a:r>
+            <a:endParaRPr lang="ko-KR" altLang="en-US" dirty="0"/>
+          </a:p>
+        </p:txBody>
+      </p:sp>
+      <p:sp>
+        <p:nvSpPr>
+          <p:cNvPr id="5" name="TextBox 4">
+            <a:extLst>
+              <a:ext uri="{FF2B5EF4-FFF2-40B4-BE49-F238E27FC236}">
+                <a16:creationId xmlns:a16="http://schemas.microsoft.com/office/drawing/2014/main" id="{F4A8BD40-FEDF-4F20-B287-90C75B7DF036}"/>
+              </a:ext>
+            </a:extLst>
+          </p:cNvPr>
+          <p:cNvSpPr txBox="1"/>
+          <p:nvPr/>
+        </p:nvSpPr>
+        <p:spPr>
+          <a:xfrm>
+            <a:off x="2061882" y="5378824"/>
+            <a:ext cx="8068235" cy="553998"/>
+          </a:xfrm>
+          <a:prstGeom prst="rect">
+            <a:avLst/>
+          </a:prstGeom>
+          <a:noFill/>
+        </p:spPr>
+        <p:txBody>
+          <a:bodyPr wrap="square" rtlCol="0">
+            <a:spAutoFit/>
+          </a:bodyPr>
+          <a:lstStyle/>
+          <a:p>
+            <a:pPr algn="ctr"/>
+            <a:r>
+              <a:rPr lang="ko-KR" altLang="en-US" sz="3000" b="1" dirty="0">
+                <a:solidFill>
+                  <a:schemeClr val="accent2">
+                    <a:lumMod val="75000"/>
+                  </a:schemeClr>
+                </a:solidFill>
+              </a:rPr>
+              <a:t>이러한 스펙 관리를 한번에 할 수는 없을까</a:t>
+            </a:r>
+            <a:r>
+              <a:rPr lang="en-US" altLang="ko-KR" sz="3000" b="1" dirty="0">
+                <a:solidFill>
+                  <a:schemeClr val="accent2">
+                    <a:lumMod val="75000"/>
+                  </a:schemeClr>
+                </a:solidFill>
+              </a:rPr>
+              <a:t>?</a:t>
+            </a:r>
+            <a:endParaRPr lang="ko-KR" altLang="en-US" sz="3000" b="1" dirty="0">
+              <a:solidFill>
+                <a:schemeClr val="accent2">
+                  <a:lumMod val="75000"/>
+                </a:schemeClr>
+              </a:solidFill>
+            </a:endParaRPr>
+          </a:p>
+        </p:txBody>
+      </p:sp>
+    </p:spTree>
+    <p:extLst>
+      <p:ext uri="{BB962C8B-B14F-4D97-AF65-F5344CB8AC3E}">
+        <p14:creationId xmlns:p14="http://schemas.microsoft.com/office/powerpoint/2010/main" val="2682069016"/>
+      </p:ext>
+    </p:extLst>
+  </p:cSld>
+  <p:clrMapOvr>
+    <a:masterClrMapping/>
+  </p:clrMapOvr>
+</p:sld>
+</file>
+
+<file path=ppt/slides/slide4.xml><?xml version="1.0" encoding="utf-8"?>
+<p:sld xmlns:a="http://schemas.openxmlformats.org/drawingml/2006/main" xmlns:r="http://schemas.openxmlformats.org/officeDocument/2006/relationships" xmlns:p="http://schemas.openxmlformats.org/presentationml/2006/main">
+  <p:cSld>
+    <p:spTree>
+      <p:nvGrpSpPr>
+        <p:cNvPr id="1" name=""/>
+        <p:cNvGrpSpPr/>
+        <p:nvPr/>
+      </p:nvGrpSpPr>
+      <p:grpSpPr>
+        <a:xfrm>
+          <a:off x="0" y="0"/>
+          <a:ext cx="0" cy="0"/>
+          <a:chOff x="0" y="0"/>
+          <a:chExt cx="0" cy="0"/>
+        </a:xfrm>
+      </p:grpSpPr>
+      <p:sp>
+        <p:nvSpPr>
+          <p:cNvPr id="2" name="제목 1">
+            <a:extLst>
+              <a:ext uri="{FF2B5EF4-FFF2-40B4-BE49-F238E27FC236}">
+                <a16:creationId xmlns:a16="http://schemas.microsoft.com/office/drawing/2014/main" id="{3E69B9D1-D257-4F48-8272-B1CC9AB771FE}"/>
+              </a:ext>
+            </a:extLst>
+          </p:cNvPr>
+          <p:cNvSpPr>
+            <a:spLocks noGrp="1"/>
+          </p:cNvSpPr>
+          <p:nvPr>
+            <p:ph type="title"/>
+          </p:nvPr>
+        </p:nvSpPr>
+        <p:spPr>
+          <a:xfrm>
+            <a:off x="229099" y="224119"/>
+            <a:ext cx="8596668" cy="663388"/>
+          </a:xfrm>
+        </p:spPr>
+        <p:txBody>
+          <a:bodyPr/>
+          <a:lstStyle/>
+          <a:p>
+            <a:r>
+              <a:rPr lang="ko-KR" altLang="en-US" dirty="0"/>
+              <a:t>시장 분석</a:t>
+            </a:r>
+          </a:p>
+        </p:txBody>
+      </p:sp>
+      <p:sp>
+        <p:nvSpPr>
+          <p:cNvPr id="3" name="내용 개체 틀 2">
+            <a:extLst>
+              <a:ext uri="{FF2B5EF4-FFF2-40B4-BE49-F238E27FC236}">
+                <a16:creationId xmlns:a16="http://schemas.microsoft.com/office/drawing/2014/main" id="{D06F3CE7-D3B5-4230-9349-8196B3044D99}"/>
+              </a:ext>
+            </a:extLst>
+          </p:cNvPr>
+          <p:cNvSpPr>
+            <a:spLocks noGrp="1"/>
+          </p:cNvSpPr>
+          <p:nvPr>
+            <p:ph idx="1"/>
+          </p:nvPr>
+        </p:nvSpPr>
+        <p:spPr>
+          <a:xfrm>
+            <a:off x="650440" y="1129552"/>
+            <a:ext cx="8596668" cy="5325035"/>
+          </a:xfrm>
+        </p:spPr>
+        <p:txBody>
+          <a:bodyPr>
+            <a:noAutofit/>
+          </a:bodyPr>
+          <a:lstStyle/>
+          <a:p>
+            <a:endParaRPr lang="ko-KR" altLang="en-US" sz="2300" dirty="0"/>
+          </a:p>
+        </p:txBody>
+      </p:sp>
+    </p:spTree>
+    <p:extLst>
+      <p:ext uri="{BB962C8B-B14F-4D97-AF65-F5344CB8AC3E}">
+        <p14:creationId xmlns:p14="http://schemas.microsoft.com/office/powerpoint/2010/main" val="215654327"/>
+      </p:ext>
+    </p:extLst>
+  </p:cSld>
+  <p:clrMapOvr>
+    <a:masterClrMapping/>
+  </p:clrMapOvr>
+</p:sld>
+</file>
+
+<file path=ppt/slides/slide5.xml><?xml version="1.0" encoding="utf-8"?>
+<p:sld xmlns:a="http://schemas.openxmlformats.org/drawingml/2006/main" xmlns:r="http://schemas.openxmlformats.org/officeDocument/2006/relationships" xmlns:p="http://schemas.openxmlformats.org/presentationml/2006/main">
+  <p:cSld>
+    <p:spTree>
+      <p:nvGrpSpPr>
+        <p:cNvPr id="1" name=""/>
+        <p:cNvGrpSpPr/>
+        <p:nvPr/>
+      </p:nvGrpSpPr>
+      <p:grpSpPr>
+        <a:xfrm>
+          <a:off x="0" y="0"/>
+          <a:ext cx="0" cy="0"/>
+          <a:chOff x="0" y="0"/>
+          <a:chExt cx="0" cy="0"/>
+        </a:xfrm>
+      </p:grpSpPr>
+      <p:sp>
+        <p:nvSpPr>
+          <p:cNvPr id="2" name="제목 1">
+            <a:extLst>
+              <a:ext uri="{FF2B5EF4-FFF2-40B4-BE49-F238E27FC236}">
+                <a16:creationId xmlns:a16="http://schemas.microsoft.com/office/drawing/2014/main" id="{3E69B9D1-D257-4F48-8272-B1CC9AB771FE}"/>
+              </a:ext>
+            </a:extLst>
+          </p:cNvPr>
+          <p:cNvSpPr>
+            <a:spLocks noGrp="1"/>
+          </p:cNvSpPr>
+          <p:nvPr>
+            <p:ph type="title"/>
+          </p:nvPr>
+        </p:nvSpPr>
+        <p:spPr>
+          <a:xfrm>
+            <a:off x="229099" y="224119"/>
+            <a:ext cx="8596668" cy="663388"/>
+          </a:xfrm>
+        </p:spPr>
+        <p:txBody>
+          <a:bodyPr/>
+          <a:lstStyle/>
+          <a:p>
+            <a:r>
+              <a:rPr lang="ko-KR" altLang="en-US" dirty="0"/>
+              <a:t>홈페이지 소개</a:t>
+            </a:r>
+          </a:p>
+        </p:txBody>
+      </p:sp>
+      <p:sp>
+        <p:nvSpPr>
+          <p:cNvPr id="3" name="내용 개체 틀 2">
+            <a:extLst>
+              <a:ext uri="{FF2B5EF4-FFF2-40B4-BE49-F238E27FC236}">
+                <a16:creationId xmlns:a16="http://schemas.microsoft.com/office/drawing/2014/main" id="{D06F3CE7-D3B5-4230-9349-8196B3044D99}"/>
+              </a:ext>
+            </a:extLst>
+          </p:cNvPr>
+          <p:cNvSpPr>
+            <a:spLocks noGrp="1"/>
+          </p:cNvSpPr>
+          <p:nvPr>
+            <p:ph idx="1"/>
+          </p:nvPr>
+        </p:nvSpPr>
+        <p:spPr>
+          <a:xfrm>
+            <a:off x="614581" y="4132729"/>
+            <a:ext cx="4073960" cy="1891551"/>
+          </a:xfrm>
+        </p:spPr>
+        <p:txBody>
+          <a:bodyPr>
+            <a:noAutofit/>
+          </a:bodyPr>
+          <a:lstStyle/>
+          <a:p>
+            <a:pPr marL="0" indent="0">
+              <a:buNone/>
+            </a:pPr>
+            <a:r>
+              <a:rPr lang="ko-KR" altLang="en-US" sz="2300" dirty="0"/>
+              <a:t>하나의 페이지로 학교 학점</a:t>
+            </a:r>
+            <a:r>
+              <a:rPr lang="en-US" altLang="ko-KR" sz="2300" dirty="0"/>
+              <a:t>, </a:t>
+            </a:r>
+            <a:r>
+              <a:rPr lang="ko-KR" altLang="en-US" sz="2300" dirty="0"/>
+              <a:t>자격증 등 모든 스펙에 대해서 작성하고</a:t>
+            </a:r>
+            <a:r>
+              <a:rPr lang="en-US" altLang="ko-KR" sz="2300" dirty="0"/>
+              <a:t>,</a:t>
+            </a:r>
+            <a:r>
+              <a:rPr lang="ko-KR" altLang="en-US" sz="2300" dirty="0"/>
+              <a:t> 관리하기 쉽게 따로따로 입력</a:t>
+            </a:r>
+            <a:r>
+              <a:rPr lang="en-US" altLang="ko-KR" sz="2300" dirty="0"/>
+              <a:t>, </a:t>
+            </a:r>
+            <a:r>
+              <a:rPr lang="ko-KR" altLang="en-US" sz="2300" dirty="0"/>
+              <a:t>수정할 수 있도록 구현한 홈페이지</a:t>
+            </a:r>
+            <a:r>
+              <a:rPr lang="en-US" altLang="ko-KR" sz="2300" dirty="0"/>
+              <a:t>.</a:t>
+            </a:r>
+          </a:p>
+          <a:p>
+            <a:pPr marL="0" indent="0">
+              <a:buNone/>
+            </a:pPr>
+            <a:endParaRPr lang="ko-KR" altLang="en-US" sz="2300" dirty="0"/>
+          </a:p>
+        </p:txBody>
+      </p:sp>
+      <p:sp>
+        <p:nvSpPr>
+          <p:cNvPr id="4" name="TextBox 3">
+            <a:extLst>
+              <a:ext uri="{FF2B5EF4-FFF2-40B4-BE49-F238E27FC236}">
+                <a16:creationId xmlns:a16="http://schemas.microsoft.com/office/drawing/2014/main" id="{B2FA1255-EDAA-4D1F-B7C9-50AB49552CD3}"/>
+              </a:ext>
+            </a:extLst>
+          </p:cNvPr>
+          <p:cNvSpPr txBox="1"/>
+          <p:nvPr/>
+        </p:nvSpPr>
+        <p:spPr>
+          <a:xfrm>
+            <a:off x="2061882" y="952073"/>
+            <a:ext cx="8068235" cy="553998"/>
+          </a:xfrm>
+          <a:prstGeom prst="rect">
+            <a:avLst/>
+          </a:prstGeom>
+          <a:noFill/>
+        </p:spPr>
+        <p:txBody>
+          <a:bodyPr wrap="square" rtlCol="0">
+            <a:spAutoFit/>
+          </a:bodyPr>
+          <a:lstStyle/>
+          <a:p>
+            <a:pPr algn="ctr"/>
+            <a:r>
+              <a:rPr lang="ko-KR" altLang="en-US" sz="3000" b="1" dirty="0">
+                <a:solidFill>
+                  <a:schemeClr val="accent2">
+                    <a:lumMod val="75000"/>
+                  </a:schemeClr>
+                </a:solidFill>
+              </a:rPr>
+              <a:t>이력서</a:t>
+            </a:r>
+            <a:r>
+              <a:rPr lang="en-US" altLang="ko-KR" sz="3000" b="1" dirty="0">
+                <a:solidFill>
+                  <a:schemeClr val="accent2">
+                    <a:lumMod val="75000"/>
+                  </a:schemeClr>
+                </a:solidFill>
+              </a:rPr>
+              <a:t>, </a:t>
+            </a:r>
+            <a:r>
+              <a:rPr lang="ko-KR" altLang="en-US" sz="3000" b="1" dirty="0">
+                <a:solidFill>
+                  <a:schemeClr val="accent2">
+                    <a:lumMod val="75000"/>
+                  </a:schemeClr>
+                </a:solidFill>
+              </a:rPr>
+              <a:t>자격증</a:t>
+            </a:r>
+            <a:r>
+              <a:rPr lang="en-US" altLang="ko-KR" sz="3000" b="1" dirty="0">
+                <a:solidFill>
+                  <a:schemeClr val="accent2">
+                    <a:lumMod val="75000"/>
+                  </a:schemeClr>
+                </a:solidFill>
+              </a:rPr>
+              <a:t>, </a:t>
+            </a:r>
+            <a:r>
+              <a:rPr lang="ko-KR" altLang="en-US" sz="3000" b="1" dirty="0">
+                <a:solidFill>
+                  <a:schemeClr val="accent2">
+                    <a:lumMod val="75000"/>
+                  </a:schemeClr>
+                </a:solidFill>
+              </a:rPr>
+              <a:t>내 모든 스펙의 관리를 한번에</a:t>
+            </a:r>
+            <a:r>
+              <a:rPr lang="en-US" altLang="ko-KR" sz="3000" b="1" dirty="0">
+                <a:solidFill>
+                  <a:schemeClr val="accent2">
+                    <a:lumMod val="75000"/>
+                  </a:schemeClr>
+                </a:solidFill>
+              </a:rPr>
+              <a:t>!</a:t>
+            </a:r>
+            <a:endParaRPr lang="ko-KR" altLang="en-US" sz="3000" b="1" dirty="0">
+              <a:solidFill>
+                <a:schemeClr val="accent2">
+                  <a:lumMod val="75000"/>
+                </a:schemeClr>
+              </a:solidFill>
+            </a:endParaRPr>
+          </a:p>
+        </p:txBody>
+      </p:sp>
+      <p:graphicFrame>
+        <p:nvGraphicFramePr>
+          <p:cNvPr id="6" name="표 6">
+            <a:extLst>
+              <a:ext uri="{FF2B5EF4-FFF2-40B4-BE49-F238E27FC236}">
+                <a16:creationId xmlns:a16="http://schemas.microsoft.com/office/drawing/2014/main" id="{18A5D055-2E7E-483F-AB12-345703324D23}"/>
+              </a:ext>
+            </a:extLst>
+          </p:cNvPr>
+          <p:cNvGraphicFramePr>
+            <a:graphicFrameLocks noGrp="1"/>
+          </p:cNvGraphicFramePr>
+          <p:nvPr>
+            <p:extLst>
+              <p:ext uri="{D42A27DB-BD31-4B8C-83A1-F6EECF244321}">
+                <p14:modId xmlns:p14="http://schemas.microsoft.com/office/powerpoint/2010/main" val="1781522706"/>
+              </p:ext>
+            </p:extLst>
+          </p:nvPr>
+        </p:nvGraphicFramePr>
+        <p:xfrm>
+          <a:off x="5737409" y="1892302"/>
+          <a:ext cx="5611908" cy="3925793"/>
+        </p:xfrm>
+        <a:graphic>
+          <a:graphicData uri="http://schemas.openxmlformats.org/drawingml/2006/table">
+            <a:tbl>
+              <a:tblPr firstRow="1" bandRow="1">
+                <a:tableStyleId>{BC89EF96-8CEA-46FF-86C4-4CE0E7609802}</a:tableStyleId>
+              </a:tblPr>
+              <a:tblGrid>
+                <a:gridCol w="1371603">
+                  <a:extLst>
+                    <a:ext uri="{9D8B030D-6E8A-4147-A177-3AD203B41FA5}">
+                      <a16:colId xmlns:a16="http://schemas.microsoft.com/office/drawing/2014/main" val="294843664"/>
+                    </a:ext>
+                  </a:extLst>
+                </a:gridCol>
+                <a:gridCol w="4240305">
+                  <a:extLst>
+                    <a:ext uri="{9D8B030D-6E8A-4147-A177-3AD203B41FA5}">
+                      <a16:colId xmlns:a16="http://schemas.microsoft.com/office/drawing/2014/main" val="1313616934"/>
+                    </a:ext>
+                  </a:extLst>
+                </a:gridCol>
+              </a:tblGrid>
+              <a:tr h="826483">
+                <a:tc>
+                  <a:txBody>
+                    <a:bodyPr/>
+                    <a:lstStyle/>
+                    <a:p>
+                      <a:pPr latinLnBrk="1"/>
+                      <a:r>
+                        <a:rPr lang="ko-KR" altLang="en-US" dirty="0"/>
+                        <a:t>이름</a:t>
+                      </a:r>
+                    </a:p>
+                  </a:txBody>
+                  <a:tcPr anchor="ctr"/>
+                </a:tc>
+                <a:tc>
+                  <a:txBody>
+                    <a:bodyPr/>
+                    <a:lstStyle/>
+                    <a:p>
+                      <a:pPr latinLnBrk="1"/>
+                      <a:r>
+                        <a:rPr lang="en-US" altLang="ko-KR" dirty="0"/>
+                        <a:t>(</a:t>
+                      </a:r>
+                      <a:r>
+                        <a:rPr lang="ko-KR" altLang="en-US" dirty="0"/>
+                        <a:t>공백</a:t>
+                      </a:r>
+                      <a:r>
+                        <a:rPr lang="en-US" altLang="ko-KR" dirty="0"/>
+                        <a:t>)</a:t>
+                      </a:r>
+                      <a:endParaRPr lang="ko-KR" altLang="en-US" dirty="0"/>
+                    </a:p>
+                  </a:txBody>
+                  <a:tcPr anchor="ctr"/>
+                </a:tc>
+                <a:extLst>
+                  <a:ext uri="{0D108BD9-81ED-4DB2-BD59-A6C34878D82A}">
+                    <a16:rowId xmlns:a16="http://schemas.microsoft.com/office/drawing/2014/main" val="1958207240"/>
+                  </a:ext>
+                </a:extLst>
+              </a:tr>
+              <a:tr h="1446344">
+                <a:tc>
+                  <a:txBody>
+                    <a:bodyPr/>
+                    <a:lstStyle/>
+                    <a:p>
+                      <a:pPr latinLnBrk="1"/>
+                      <a:r>
+                        <a:rPr lang="ko-KR" altLang="en-US" dirty="0"/>
+                        <a:t>고객</a:t>
+                      </a:r>
+                    </a:p>
+                  </a:txBody>
+                  <a:tcPr anchor="ctr"/>
+                </a:tc>
+                <a:tc>
+                  <a:txBody>
+                    <a:bodyPr/>
+                    <a:lstStyle/>
+                    <a:p>
+                      <a:pPr latinLnBrk="1"/>
+                      <a:r>
+                        <a:rPr lang="ko-KR" altLang="en-US" dirty="0"/>
+                        <a:t>스펙 관리를 어려워 하는 대학생</a:t>
+                      </a:r>
+                      <a:r>
+                        <a:rPr lang="en-US" altLang="ko-KR" dirty="0"/>
+                        <a:t>, </a:t>
+                      </a:r>
+                      <a:r>
+                        <a:rPr lang="ko-KR" altLang="en-US" dirty="0"/>
+                        <a:t>취업준비생</a:t>
+                      </a:r>
+                    </a:p>
+                  </a:txBody>
+                  <a:tcPr anchor="ctr"/>
+                </a:tc>
+                <a:extLst>
+                  <a:ext uri="{0D108BD9-81ED-4DB2-BD59-A6C34878D82A}">
+                    <a16:rowId xmlns:a16="http://schemas.microsoft.com/office/drawing/2014/main" val="691725243"/>
+                  </a:ext>
+                </a:extLst>
+              </a:tr>
+              <a:tr h="826483">
+                <a:tc>
+                  <a:txBody>
+                    <a:bodyPr/>
+                    <a:lstStyle/>
+                    <a:p>
+                      <a:pPr latinLnBrk="1"/>
+                      <a:r>
+                        <a:rPr lang="ko-KR" altLang="en-US" dirty="0"/>
+                        <a:t>분류</a:t>
+                      </a:r>
+                    </a:p>
+                  </a:txBody>
+                  <a:tcPr anchor="ctr"/>
+                </a:tc>
+                <a:tc>
+                  <a:txBody>
+                    <a:bodyPr/>
+                    <a:lstStyle/>
+                    <a:p>
+                      <a:pPr latinLnBrk="1"/>
+                      <a:r>
+                        <a:rPr lang="ko-KR" altLang="en-US" dirty="0"/>
+                        <a:t>블로그</a:t>
+                      </a:r>
+                      <a:r>
+                        <a:rPr lang="en-US" altLang="ko-KR" dirty="0"/>
+                        <a:t>, </a:t>
+                      </a:r>
+                      <a:r>
+                        <a:rPr lang="ko-KR" altLang="en-US" dirty="0"/>
+                        <a:t>스펙 관리 사이트</a:t>
+                      </a:r>
+                    </a:p>
+                  </a:txBody>
+                  <a:tcPr anchor="ctr"/>
+                </a:tc>
+                <a:extLst>
+                  <a:ext uri="{0D108BD9-81ED-4DB2-BD59-A6C34878D82A}">
+                    <a16:rowId xmlns:a16="http://schemas.microsoft.com/office/drawing/2014/main" val="3308060572"/>
+                  </a:ext>
+                </a:extLst>
+              </a:tr>
+              <a:tr h="826483">
+                <a:tc>
+                  <a:txBody>
+                    <a:bodyPr/>
+                    <a:lstStyle/>
+                    <a:p>
+                      <a:r>
+                        <a:rPr lang="ko-KR" altLang="en-US" dirty="0"/>
+                        <a:t>도메인</a:t>
+                      </a:r>
+                    </a:p>
+                  </a:txBody>
+                  <a:tcPr anchor="ctr"/>
+                </a:tc>
+                <a:tc>
+                  <a:txBody>
+                    <a:bodyPr/>
+                    <a:lstStyle/>
+                    <a:p>
+                      <a:r>
+                        <a:rPr lang="en-US" altLang="ko-KR" dirty="0"/>
+                        <a:t>(</a:t>
+                      </a:r>
+                      <a:r>
+                        <a:rPr lang="ko-KR" altLang="en-US" dirty="0"/>
+                        <a:t>공백</a:t>
+                      </a:r>
+                      <a:r>
+                        <a:rPr lang="en-US" altLang="ko-KR" dirty="0"/>
+                        <a:t>)</a:t>
+                      </a:r>
+                      <a:endParaRPr lang="ko-KR" altLang="en-US" dirty="0"/>
+                    </a:p>
+                  </a:txBody>
+                  <a:tcPr anchor="ctr"/>
+                </a:tc>
+                <a:extLst>
+                  <a:ext uri="{0D108BD9-81ED-4DB2-BD59-A6C34878D82A}">
+                    <a16:rowId xmlns:a16="http://schemas.microsoft.com/office/drawing/2014/main" val="3417591514"/>
+                  </a:ext>
+                </a:extLst>
+              </a:tr>
+            </a:tbl>
+          </a:graphicData>
+        </a:graphic>
+      </p:graphicFrame>
+    </p:spTree>
+    <p:extLst>
+      <p:ext uri="{BB962C8B-B14F-4D97-AF65-F5344CB8AC3E}">
+        <p14:creationId xmlns:p14="http://schemas.microsoft.com/office/powerpoint/2010/main" val="2474951240"/>
+      </p:ext>
+    </p:extLst>
+  </p:cSld>
+  <p:clrMapOvr>
+    <a:masterClrMapping/>
+  </p:clrMapOvr>
+</p:sld>
+</file>
+
+<file path=ppt/slides/slide6.xml><?xml version="1.0" encoding="utf-8"?>
+<p:sld xmlns:a="http://schemas.openxmlformats.org/drawingml/2006/main" xmlns:r="http://schemas.openxmlformats.org/officeDocument/2006/relationships" xmlns:p="http://schemas.openxmlformats.org/presentationml/2006/main">
+  <p:cSld>
+    <p:spTree>
+      <p:nvGrpSpPr>
+        <p:cNvPr id="1" name=""/>
+        <p:cNvGrpSpPr/>
+        <p:nvPr/>
+      </p:nvGrpSpPr>
+      <p:grpSpPr>
+        <a:xfrm>
+          <a:off x="0" y="0"/>
+          <a:ext cx="0" cy="0"/>
+          <a:chOff x="0" y="0"/>
+          <a:chExt cx="0" cy="0"/>
+        </a:xfrm>
+      </p:grpSpPr>
+      <p:sp>
+        <p:nvSpPr>
+          <p:cNvPr id="2" name="제목 1">
+            <a:extLst>
+              <a:ext uri="{FF2B5EF4-FFF2-40B4-BE49-F238E27FC236}">
+                <a16:creationId xmlns:a16="http://schemas.microsoft.com/office/drawing/2014/main" id="{3E69B9D1-D257-4F48-8272-B1CC9AB771FE}"/>
+              </a:ext>
+            </a:extLst>
+          </p:cNvPr>
+          <p:cNvSpPr>
+            <a:spLocks noGrp="1"/>
+          </p:cNvSpPr>
+          <p:nvPr>
+            <p:ph type="title"/>
+          </p:nvPr>
+        </p:nvSpPr>
+        <p:spPr>
+          <a:xfrm>
+            <a:off x="229099" y="224119"/>
+            <a:ext cx="8596668" cy="663388"/>
+          </a:xfrm>
+        </p:spPr>
+        <p:txBody>
+          <a:bodyPr/>
+          <a:lstStyle/>
+          <a:p>
+            <a:r>
+              <a:rPr lang="ko-KR" altLang="en-US" dirty="0"/>
+              <a:t>홈페이지 특징</a:t>
+            </a:r>
+          </a:p>
+        </p:txBody>
+      </p:sp>
+      <p:pic>
+        <p:nvPicPr>
+          <p:cNvPr id="5" name="그래픽 4" descr="사용자 윤곽선">
+            <a:extLst>
+              <a:ext uri="{FF2B5EF4-FFF2-40B4-BE49-F238E27FC236}">
+                <a16:creationId xmlns:a16="http://schemas.microsoft.com/office/drawing/2014/main" id="{44223EDF-8959-45E1-89D8-6F072EDEB676}"/>
+              </a:ext>
+            </a:extLst>
+          </p:cNvPr>
+          <p:cNvPicPr>
+            <a:picLocks noChangeAspect="1"/>
+          </p:cNvPicPr>
+          <p:nvPr/>
+        </p:nvPicPr>
+        <p:blipFill>
+          <a:blip r:embed="rId2">
+            <a:extLst>
+              <a:ext uri="{28A0092B-C50C-407E-A947-70E740481C1C}">
+                <a14:useLocalDpi xmlns:a14="http://schemas.microsoft.com/office/drawing/2010/main" val="0"/>
+              </a:ext>
+              <a:ext uri="{96DAC541-7B7A-43D3-8B79-37D633B846F1}">
+                <asvg:svgBlip xmlns:asvg="http://schemas.microsoft.com/office/drawing/2016/SVG/main" r:embed="rId3"/>
+              </a:ext>
+            </a:extLst>
+          </a:blip>
+          <a:stretch>
+            <a:fillRect/>
+          </a:stretch>
+        </p:blipFill>
+        <p:spPr>
+          <a:xfrm>
+            <a:off x="833718" y="2279742"/>
+            <a:ext cx="1730188" cy="1730188"/>
+          </a:xfrm>
+          <a:prstGeom prst="rect">
+            <a:avLst/>
+          </a:prstGeom>
+        </p:spPr>
+      </p:pic>
+      <p:sp>
+        <p:nvSpPr>
+          <p:cNvPr id="6" name="TextBox 5">
+            <a:extLst>
+              <a:ext uri="{FF2B5EF4-FFF2-40B4-BE49-F238E27FC236}">
+                <a16:creationId xmlns:a16="http://schemas.microsoft.com/office/drawing/2014/main" id="{F6C97FEE-6344-4672-B774-AE6113BECCB2}"/>
+              </a:ext>
+            </a:extLst>
+          </p:cNvPr>
+          <p:cNvSpPr txBox="1"/>
+          <p:nvPr/>
+        </p:nvSpPr>
+        <p:spPr>
+          <a:xfrm>
+            <a:off x="735106" y="4162330"/>
+            <a:ext cx="1927412" cy="369332"/>
+          </a:xfrm>
+          <a:prstGeom prst="rect">
+            <a:avLst/>
+          </a:prstGeom>
+          <a:noFill/>
+        </p:spPr>
+        <p:txBody>
+          <a:bodyPr wrap="square" rtlCol="0">
+            <a:spAutoFit/>
+          </a:bodyPr>
+          <a:lstStyle/>
+          <a:p>
+            <a:pPr algn="ctr"/>
+            <a:r>
+              <a:rPr lang="ko-KR" altLang="en-US" dirty="0"/>
+              <a:t>사용자</a:t>
+            </a:r>
+          </a:p>
+        </p:txBody>
+      </p:sp>
+      <p:sp>
+        <p:nvSpPr>
+          <p:cNvPr id="7" name="타원 6">
+            <a:extLst>
+              <a:ext uri="{FF2B5EF4-FFF2-40B4-BE49-F238E27FC236}">
+                <a16:creationId xmlns:a16="http://schemas.microsoft.com/office/drawing/2014/main" id="{F54FF171-5C15-4913-B871-616228D70912}"/>
+              </a:ext>
+            </a:extLst>
+          </p:cNvPr>
+          <p:cNvSpPr/>
+          <p:nvPr/>
+        </p:nvSpPr>
+        <p:spPr>
+          <a:xfrm>
+            <a:off x="3227294" y="5230912"/>
+            <a:ext cx="1873624" cy="663388"/>
+          </a:xfrm>
+          <a:prstGeom prst="ellipse">
+            <a:avLst/>
+          </a:prstGeom>
+          <a:noFill/>
+          <a:ln w="9525" cap="flat" cmpd="sng" algn="ctr">
+            <a:solidFill>
+              <a:schemeClr val="accent1"/>
+            </a:solidFill>
+            <a:prstDash val="solid"/>
+            <a:round/>
+            <a:headEnd type="none" w="med" len="med"/>
+            <a:tailEnd type="none" w="med" len="med"/>
+          </a:ln>
+        </p:spPr>
+        <p:style>
+          <a:lnRef idx="0">
+            <a:scrgbClr r="0" g="0" b="0"/>
+          </a:lnRef>
+          <a:fillRef idx="0">
+            <a:scrgbClr r="0" g="0" b="0"/>
+          </a:fillRef>
+          <a:effectRef idx="0">
+            <a:scrgbClr r="0" g="0" b="0"/>
+          </a:effectRef>
+          <a:fontRef idx="minor">
+            <a:schemeClr val="accent1"/>
+          </a:fontRef>
+        </p:style>
+        <p:txBody>
+          <a:bodyPr rtlCol="0" anchor="ctr"/>
+          <a:lstStyle/>
+          <a:p>
+            <a:pPr algn="ctr"/>
+            <a:r>
+              <a:rPr lang="ko-KR" altLang="en-US" dirty="0"/>
+              <a:t>경력</a:t>
+            </a:r>
+          </a:p>
+        </p:txBody>
+      </p:sp>
+      <p:sp>
+        <p:nvSpPr>
+          <p:cNvPr id="8" name="타원 7">
+            <a:extLst>
+              <a:ext uri="{FF2B5EF4-FFF2-40B4-BE49-F238E27FC236}">
+                <a16:creationId xmlns:a16="http://schemas.microsoft.com/office/drawing/2014/main" id="{8D0DC7B6-A79A-41FC-8983-1E06212C99E4}"/>
+              </a:ext>
+            </a:extLst>
+          </p:cNvPr>
+          <p:cNvSpPr/>
+          <p:nvPr/>
+        </p:nvSpPr>
+        <p:spPr>
+          <a:xfrm>
+            <a:off x="3227294" y="1842248"/>
+            <a:ext cx="1873624" cy="663388"/>
+          </a:xfrm>
+          <a:prstGeom prst="ellipse">
+            <a:avLst/>
+          </a:prstGeom>
+          <a:noFill/>
+          <a:ln w="9525" cap="flat" cmpd="sng" algn="ctr">
+            <a:solidFill>
+              <a:schemeClr val="accent1"/>
+            </a:solidFill>
+            <a:prstDash val="solid"/>
+            <a:round/>
+            <a:headEnd type="none" w="med" len="med"/>
+            <a:tailEnd type="none" w="med" len="med"/>
+          </a:ln>
+        </p:spPr>
+        <p:style>
+          <a:lnRef idx="0">
+            <a:scrgbClr r="0" g="0" b="0"/>
+          </a:lnRef>
+          <a:fillRef idx="0">
+            <a:scrgbClr r="0" g="0" b="0"/>
+          </a:fillRef>
+          <a:effectRef idx="0">
+            <a:scrgbClr r="0" g="0" b="0"/>
+          </a:effectRef>
+          <a:fontRef idx="minor">
+            <a:schemeClr val="accent1"/>
+          </a:fontRef>
+        </p:style>
+        <p:txBody>
+          <a:bodyPr rtlCol="0" anchor="ctr"/>
+          <a:lstStyle/>
+          <a:p>
+            <a:pPr algn="ctr"/>
+            <a:r>
+              <a:rPr lang="ko-KR" altLang="en-US" dirty="0"/>
+              <a:t>토익</a:t>
+            </a:r>
+          </a:p>
+        </p:txBody>
+      </p:sp>
+      <p:sp>
+        <p:nvSpPr>
+          <p:cNvPr id="17" name="타원 16">
+            <a:extLst>
+              <a:ext uri="{FF2B5EF4-FFF2-40B4-BE49-F238E27FC236}">
+                <a16:creationId xmlns:a16="http://schemas.microsoft.com/office/drawing/2014/main" id="{B19D0DD4-9602-4C53-87E9-8717A52B84AD}"/>
+              </a:ext>
+            </a:extLst>
+          </p:cNvPr>
+          <p:cNvSpPr/>
+          <p:nvPr/>
+        </p:nvSpPr>
+        <p:spPr>
+          <a:xfrm>
+            <a:off x="3227294" y="2689414"/>
+            <a:ext cx="1873624" cy="663388"/>
+          </a:xfrm>
+          <a:prstGeom prst="ellipse">
+            <a:avLst/>
+          </a:prstGeom>
+          <a:noFill/>
+          <a:ln w="9525" cap="flat" cmpd="sng" algn="ctr">
+            <a:solidFill>
+              <a:schemeClr val="accent1"/>
+            </a:solidFill>
+            <a:prstDash val="solid"/>
+            <a:round/>
+            <a:headEnd type="none" w="med" len="med"/>
+            <a:tailEnd type="none" w="med" len="med"/>
+          </a:ln>
+        </p:spPr>
+        <p:style>
+          <a:lnRef idx="0">
+            <a:scrgbClr r="0" g="0" b="0"/>
+          </a:lnRef>
+          <a:fillRef idx="0">
+            <a:scrgbClr r="0" g="0" b="0"/>
+          </a:fillRef>
+          <a:effectRef idx="0">
+            <a:scrgbClr r="0" g="0" b="0"/>
+          </a:effectRef>
+          <a:fontRef idx="minor">
+            <a:schemeClr val="accent1"/>
+          </a:fontRef>
+        </p:style>
+        <p:txBody>
+          <a:bodyPr rtlCol="0" anchor="ctr"/>
+          <a:lstStyle/>
+          <a:p>
+            <a:pPr algn="ctr"/>
+            <a:r>
+              <a:rPr lang="ko-KR" altLang="en-US" dirty="0"/>
+              <a:t>자격증</a:t>
+            </a:r>
+          </a:p>
+        </p:txBody>
+      </p:sp>
+      <p:sp>
+        <p:nvSpPr>
+          <p:cNvPr id="18" name="타원 17">
+            <a:extLst>
+              <a:ext uri="{FF2B5EF4-FFF2-40B4-BE49-F238E27FC236}">
+                <a16:creationId xmlns:a16="http://schemas.microsoft.com/office/drawing/2014/main" id="{AD875415-3ACD-4FB2-B04B-E06AD293B1AD}"/>
+              </a:ext>
+            </a:extLst>
+          </p:cNvPr>
+          <p:cNvSpPr/>
+          <p:nvPr/>
+        </p:nvSpPr>
+        <p:spPr>
+          <a:xfrm>
+            <a:off x="3227294" y="3536580"/>
+            <a:ext cx="1873624" cy="663388"/>
+          </a:xfrm>
+          <a:prstGeom prst="ellipse">
+            <a:avLst/>
+          </a:prstGeom>
+          <a:noFill/>
+          <a:ln w="9525" cap="flat" cmpd="sng" algn="ctr">
+            <a:solidFill>
+              <a:schemeClr val="accent1"/>
+            </a:solidFill>
+            <a:prstDash val="solid"/>
+            <a:round/>
+            <a:headEnd type="none" w="med" len="med"/>
+            <a:tailEnd type="none" w="med" len="med"/>
+          </a:ln>
+        </p:spPr>
+        <p:style>
+          <a:lnRef idx="0">
+            <a:scrgbClr r="0" g="0" b="0"/>
+          </a:lnRef>
+          <a:fillRef idx="0">
+            <a:scrgbClr r="0" g="0" b="0"/>
+          </a:fillRef>
+          <a:effectRef idx="0">
+            <a:scrgbClr r="0" g="0" b="0"/>
+          </a:effectRef>
+          <a:fontRef idx="minor">
+            <a:schemeClr val="accent1"/>
+          </a:fontRef>
+        </p:style>
+        <p:txBody>
+          <a:bodyPr rtlCol="0" anchor="ctr"/>
+          <a:lstStyle/>
+          <a:p>
+            <a:pPr algn="ctr"/>
+            <a:r>
+              <a:rPr lang="ko-KR" altLang="en-US" dirty="0"/>
+              <a:t>포스팅</a:t>
+            </a:r>
+          </a:p>
+        </p:txBody>
+      </p:sp>
+      <p:sp>
+        <p:nvSpPr>
+          <p:cNvPr id="19" name="타원 18">
+            <a:extLst>
+              <a:ext uri="{FF2B5EF4-FFF2-40B4-BE49-F238E27FC236}">
+                <a16:creationId xmlns:a16="http://schemas.microsoft.com/office/drawing/2014/main" id="{8F509A27-BA56-4DCC-BB13-2787BEF790CD}"/>
+              </a:ext>
+            </a:extLst>
+          </p:cNvPr>
+          <p:cNvSpPr/>
+          <p:nvPr/>
+        </p:nvSpPr>
+        <p:spPr>
+          <a:xfrm>
+            <a:off x="3227294" y="4383746"/>
+            <a:ext cx="1873624" cy="663388"/>
+          </a:xfrm>
+          <a:prstGeom prst="ellipse">
+            <a:avLst/>
+          </a:prstGeom>
+          <a:noFill/>
+          <a:ln w="9525" cap="flat" cmpd="sng" algn="ctr">
+            <a:solidFill>
+              <a:schemeClr val="accent1"/>
+            </a:solidFill>
+            <a:prstDash val="solid"/>
+            <a:round/>
+            <a:headEnd type="none" w="med" len="med"/>
+            <a:tailEnd type="none" w="med" len="med"/>
+          </a:ln>
+        </p:spPr>
+        <p:style>
+          <a:lnRef idx="0">
+            <a:scrgbClr r="0" g="0" b="0"/>
+          </a:lnRef>
+          <a:fillRef idx="0">
+            <a:scrgbClr r="0" g="0" b="0"/>
+          </a:fillRef>
+          <a:effectRef idx="0">
+            <a:scrgbClr r="0" g="0" b="0"/>
+          </a:effectRef>
+          <a:fontRef idx="minor">
+            <a:schemeClr val="accent1"/>
+          </a:fontRef>
+        </p:style>
+        <p:txBody>
+          <a:bodyPr rtlCol="0" anchor="ctr"/>
+          <a:lstStyle/>
+          <a:p>
+            <a:pPr algn="ctr"/>
+            <a:r>
+              <a:rPr lang="ko-KR" altLang="en-US" dirty="0"/>
+              <a:t>자기소개</a:t>
+            </a:r>
+          </a:p>
+        </p:txBody>
+      </p:sp>
+      <p:sp>
+        <p:nvSpPr>
+          <p:cNvPr id="20" name="타원 19">
+            <a:extLst>
+              <a:ext uri="{FF2B5EF4-FFF2-40B4-BE49-F238E27FC236}">
+                <a16:creationId xmlns:a16="http://schemas.microsoft.com/office/drawing/2014/main" id="{6C3134DA-7A87-4C38-B64F-308D699B24D4}"/>
+              </a:ext>
+            </a:extLst>
+          </p:cNvPr>
+          <p:cNvSpPr/>
+          <p:nvPr/>
+        </p:nvSpPr>
+        <p:spPr>
+          <a:xfrm>
+            <a:off x="3227294" y="995082"/>
+            <a:ext cx="1873624" cy="663388"/>
+          </a:xfrm>
+          <a:prstGeom prst="ellipse">
+            <a:avLst/>
+          </a:prstGeom>
+          <a:noFill/>
+          <a:ln w="9525" cap="flat" cmpd="sng" algn="ctr">
+            <a:solidFill>
+              <a:schemeClr val="accent1"/>
+            </a:solidFill>
+            <a:prstDash val="solid"/>
+            <a:round/>
+            <a:headEnd type="none" w="med" len="med"/>
+            <a:tailEnd type="none" w="med" len="med"/>
+          </a:ln>
+        </p:spPr>
+        <p:style>
+          <a:lnRef idx="0">
+            <a:scrgbClr r="0" g="0" b="0"/>
+          </a:lnRef>
+          <a:fillRef idx="0">
+            <a:scrgbClr r="0" g="0" b="0"/>
+          </a:fillRef>
+          <a:effectRef idx="0">
+            <a:scrgbClr r="0" g="0" b="0"/>
+          </a:effectRef>
+          <a:fontRef idx="minor">
+            <a:schemeClr val="accent1"/>
+          </a:fontRef>
+        </p:style>
+        <p:txBody>
+          <a:bodyPr rtlCol="0" anchor="ctr"/>
+          <a:lstStyle/>
+          <a:p>
+            <a:pPr algn="ctr"/>
+            <a:r>
+              <a:rPr lang="ko-KR" altLang="en-US" dirty="0"/>
+              <a:t>학점</a:t>
+            </a:r>
+          </a:p>
+        </p:txBody>
+      </p:sp>
+      <p:cxnSp>
+        <p:nvCxnSpPr>
+          <p:cNvPr id="22" name="직선 연결선 21">
+            <a:extLst>
+              <a:ext uri="{FF2B5EF4-FFF2-40B4-BE49-F238E27FC236}">
+                <a16:creationId xmlns:a16="http://schemas.microsoft.com/office/drawing/2014/main" id="{64E3B97B-2BF4-4637-85B7-7F2B20B5F940}"/>
+              </a:ext>
+            </a:extLst>
+          </p:cNvPr>
+          <p:cNvCxnSpPr>
+            <a:stCxn id="5" idx="3"/>
+            <a:endCxn id="20" idx="2"/>
+          </p:cNvCxnSpPr>
+          <p:nvPr/>
+        </p:nvCxnSpPr>
+        <p:spPr>
+          <a:xfrm flipV="1">
+            <a:off x="2563906" y="1326776"/>
+            <a:ext cx="663388" cy="1818060"/>
+          </a:xfrm>
+          <a:prstGeom prst="line">
+            <a:avLst/>
+          </a:prstGeom>
+        </p:spPr>
+        <p:style>
+          <a:lnRef idx="1">
+            <a:schemeClr val="accent1"/>
+          </a:lnRef>
+          <a:fillRef idx="0">
+            <a:schemeClr val="accent1"/>
+          </a:fillRef>
+          <a:effectRef idx="0">
+            <a:schemeClr val="accent1"/>
+          </a:effectRef>
+          <a:fontRef idx="minor">
+            <a:schemeClr val="tx1"/>
+          </a:fontRef>
+        </p:style>
+      </p:cxnSp>
+      <p:cxnSp>
+        <p:nvCxnSpPr>
+          <p:cNvPr id="23" name="직선 연결선 22">
+            <a:extLst>
+              <a:ext uri="{FF2B5EF4-FFF2-40B4-BE49-F238E27FC236}">
+                <a16:creationId xmlns:a16="http://schemas.microsoft.com/office/drawing/2014/main" id="{C152BB2B-D9D2-4A14-AA53-620F566B8B32}"/>
+              </a:ext>
+            </a:extLst>
+          </p:cNvPr>
+          <p:cNvCxnSpPr>
+            <a:cxnSpLocks/>
+            <a:stCxn id="5" idx="3"/>
+            <a:endCxn id="8" idx="2"/>
+          </p:cNvCxnSpPr>
+          <p:nvPr/>
+        </p:nvCxnSpPr>
+        <p:spPr>
+          <a:xfrm flipV="1">
+            <a:off x="2563906" y="2173942"/>
+            <a:ext cx="663388" cy="970894"/>
+          </a:xfrm>
+          <a:prstGeom prst="line">
+            <a:avLst/>
+          </a:prstGeom>
+        </p:spPr>
+        <p:style>
+          <a:lnRef idx="1">
+            <a:schemeClr val="accent1"/>
+          </a:lnRef>
+          <a:fillRef idx="0">
+            <a:schemeClr val="accent1"/>
+          </a:fillRef>
+          <a:effectRef idx="0">
+            <a:schemeClr val="accent1"/>
+          </a:effectRef>
+          <a:fontRef idx="minor">
+            <a:schemeClr val="tx1"/>
+          </a:fontRef>
+        </p:style>
+      </p:cxnSp>
+      <p:cxnSp>
+        <p:nvCxnSpPr>
+          <p:cNvPr id="26" name="직선 연결선 25">
+            <a:extLst>
+              <a:ext uri="{FF2B5EF4-FFF2-40B4-BE49-F238E27FC236}">
+                <a16:creationId xmlns:a16="http://schemas.microsoft.com/office/drawing/2014/main" id="{396F739E-A246-44F7-A60F-7FF1431BC63B}"/>
+              </a:ext>
+            </a:extLst>
+          </p:cNvPr>
+          <p:cNvCxnSpPr>
+            <a:cxnSpLocks/>
+            <a:stCxn id="5" idx="3"/>
+            <a:endCxn id="17" idx="2"/>
+          </p:cNvCxnSpPr>
+          <p:nvPr/>
+        </p:nvCxnSpPr>
+        <p:spPr>
+          <a:xfrm flipV="1">
+            <a:off x="2563906" y="3021108"/>
+            <a:ext cx="663388" cy="123728"/>
+          </a:xfrm>
+          <a:prstGeom prst="line">
+            <a:avLst/>
+          </a:prstGeom>
+        </p:spPr>
+        <p:style>
+          <a:lnRef idx="1">
+            <a:schemeClr val="accent1"/>
+          </a:lnRef>
+          <a:fillRef idx="0">
+            <a:schemeClr val="accent1"/>
+          </a:fillRef>
+          <a:effectRef idx="0">
+            <a:schemeClr val="accent1"/>
+          </a:effectRef>
+          <a:fontRef idx="minor">
+            <a:schemeClr val="tx1"/>
+          </a:fontRef>
+        </p:style>
+      </p:cxnSp>
+      <p:cxnSp>
+        <p:nvCxnSpPr>
+          <p:cNvPr id="29" name="직선 연결선 28">
+            <a:extLst>
+              <a:ext uri="{FF2B5EF4-FFF2-40B4-BE49-F238E27FC236}">
+                <a16:creationId xmlns:a16="http://schemas.microsoft.com/office/drawing/2014/main" id="{50C87BBB-FA70-4769-AA8B-009A2E217349}"/>
+              </a:ext>
+            </a:extLst>
+          </p:cNvPr>
+          <p:cNvCxnSpPr>
+            <a:cxnSpLocks/>
+            <a:stCxn id="5" idx="3"/>
+            <a:endCxn id="18" idx="2"/>
+          </p:cNvCxnSpPr>
+          <p:nvPr/>
+        </p:nvCxnSpPr>
+        <p:spPr>
+          <a:xfrm>
+            <a:off x="2563906" y="3144836"/>
+            <a:ext cx="663388" cy="723438"/>
+          </a:xfrm>
+          <a:prstGeom prst="line">
+            <a:avLst/>
+          </a:prstGeom>
+        </p:spPr>
+        <p:style>
+          <a:lnRef idx="1">
+            <a:schemeClr val="accent1"/>
+          </a:lnRef>
+          <a:fillRef idx="0">
+            <a:schemeClr val="accent1"/>
+          </a:fillRef>
+          <a:effectRef idx="0">
+            <a:schemeClr val="accent1"/>
+          </a:effectRef>
+          <a:fontRef idx="minor">
+            <a:schemeClr val="tx1"/>
+          </a:fontRef>
+        </p:style>
+      </p:cxnSp>
+      <p:cxnSp>
+        <p:nvCxnSpPr>
+          <p:cNvPr id="32" name="직선 연결선 31">
+            <a:extLst>
+              <a:ext uri="{FF2B5EF4-FFF2-40B4-BE49-F238E27FC236}">
+                <a16:creationId xmlns:a16="http://schemas.microsoft.com/office/drawing/2014/main" id="{9D5D491D-F55A-40CF-8588-ED03FE43F991}"/>
+              </a:ext>
+            </a:extLst>
+          </p:cNvPr>
+          <p:cNvCxnSpPr>
+            <a:cxnSpLocks/>
+            <a:stCxn id="5" idx="3"/>
+            <a:endCxn id="19" idx="2"/>
+          </p:cNvCxnSpPr>
+          <p:nvPr/>
+        </p:nvCxnSpPr>
+        <p:spPr>
+          <a:xfrm>
+            <a:off x="2563906" y="3144836"/>
+            <a:ext cx="663388" cy="1570604"/>
+          </a:xfrm>
+          <a:prstGeom prst="line">
+            <a:avLst/>
+          </a:prstGeom>
+        </p:spPr>
+        <p:style>
+          <a:lnRef idx="1">
+            <a:schemeClr val="accent1"/>
+          </a:lnRef>
+          <a:fillRef idx="0">
+            <a:schemeClr val="accent1"/>
+          </a:fillRef>
+          <a:effectRef idx="0">
+            <a:schemeClr val="accent1"/>
+          </a:effectRef>
+          <a:fontRef idx="minor">
+            <a:schemeClr val="tx1"/>
+          </a:fontRef>
+        </p:style>
+      </p:cxnSp>
+      <p:cxnSp>
+        <p:nvCxnSpPr>
+          <p:cNvPr id="35" name="직선 연결선 34">
+            <a:extLst>
+              <a:ext uri="{FF2B5EF4-FFF2-40B4-BE49-F238E27FC236}">
+                <a16:creationId xmlns:a16="http://schemas.microsoft.com/office/drawing/2014/main" id="{CACDEDA0-6DE6-4A18-8678-B6ADEF903E58}"/>
+              </a:ext>
+            </a:extLst>
+          </p:cNvPr>
+          <p:cNvCxnSpPr>
+            <a:cxnSpLocks/>
+            <a:stCxn id="5" idx="3"/>
+            <a:endCxn id="7" idx="2"/>
+          </p:cNvCxnSpPr>
+          <p:nvPr/>
+        </p:nvCxnSpPr>
+        <p:spPr>
+          <a:xfrm>
+            <a:off x="2563906" y="3144836"/>
+            <a:ext cx="663388" cy="2417770"/>
+          </a:xfrm>
+          <a:prstGeom prst="line">
+            <a:avLst/>
+          </a:prstGeom>
+        </p:spPr>
+        <p:style>
+          <a:lnRef idx="1">
+            <a:schemeClr val="accent1"/>
+          </a:lnRef>
+          <a:fillRef idx="0">
+            <a:schemeClr val="accent1"/>
+          </a:fillRef>
+          <a:effectRef idx="0">
+            <a:schemeClr val="accent1"/>
+          </a:effectRef>
+          <a:fontRef idx="minor">
+            <a:schemeClr val="tx1"/>
+          </a:fontRef>
+        </p:style>
+      </p:cxnSp>
+      <p:cxnSp>
+        <p:nvCxnSpPr>
+          <p:cNvPr id="38" name="직선 연결선 37">
+            <a:extLst>
+              <a:ext uri="{FF2B5EF4-FFF2-40B4-BE49-F238E27FC236}">
+                <a16:creationId xmlns:a16="http://schemas.microsoft.com/office/drawing/2014/main" id="{CFE387EB-D505-4210-8848-B48D6C2D4A6A}"/>
+              </a:ext>
+            </a:extLst>
+          </p:cNvPr>
+          <p:cNvCxnSpPr>
+            <a:cxnSpLocks/>
+            <a:stCxn id="5" idx="3"/>
+            <a:endCxn id="40" idx="2"/>
+          </p:cNvCxnSpPr>
+          <p:nvPr/>
+        </p:nvCxnSpPr>
+        <p:spPr>
+          <a:xfrm>
+            <a:off x="2563906" y="3144836"/>
+            <a:ext cx="663388" cy="3264936"/>
+          </a:xfrm>
+          <a:prstGeom prst="line">
+            <a:avLst/>
+          </a:prstGeom>
+        </p:spPr>
+        <p:style>
+          <a:lnRef idx="1">
+            <a:schemeClr val="accent1"/>
+          </a:lnRef>
+          <a:fillRef idx="0">
+            <a:schemeClr val="accent1"/>
+          </a:fillRef>
+          <a:effectRef idx="0">
+            <a:schemeClr val="accent1"/>
+          </a:effectRef>
+          <a:fontRef idx="minor">
+            <a:schemeClr val="tx1"/>
+          </a:fontRef>
+        </p:style>
+      </p:cxnSp>
+      <p:sp>
+        <p:nvSpPr>
+          <p:cNvPr id="40" name="타원 39">
+            <a:extLst>
+              <a:ext uri="{FF2B5EF4-FFF2-40B4-BE49-F238E27FC236}">
+                <a16:creationId xmlns:a16="http://schemas.microsoft.com/office/drawing/2014/main" id="{BC49DAD3-D73D-4F47-BD1E-0DF53389EDAF}"/>
+              </a:ext>
+            </a:extLst>
+          </p:cNvPr>
+          <p:cNvSpPr/>
+          <p:nvPr/>
+        </p:nvSpPr>
+        <p:spPr>
+          <a:xfrm>
+            <a:off x="3227294" y="6078078"/>
+            <a:ext cx="1873624" cy="663388"/>
+          </a:xfrm>
+          <a:prstGeom prst="ellipse">
+            <a:avLst/>
+          </a:prstGeom>
+          <a:noFill/>
+          <a:ln w="9525" cap="flat" cmpd="sng" algn="ctr">
+            <a:solidFill>
+              <a:schemeClr val="accent1"/>
+            </a:solidFill>
+            <a:prstDash val="solid"/>
+            <a:round/>
+            <a:headEnd type="none" w="med" len="med"/>
+            <a:tailEnd type="none" w="med" len="med"/>
+          </a:ln>
+        </p:spPr>
+        <p:style>
+          <a:lnRef idx="0">
+            <a:scrgbClr r="0" g="0" b="0"/>
+          </a:lnRef>
+          <a:fillRef idx="0">
+            <a:scrgbClr r="0" g="0" b="0"/>
+          </a:fillRef>
+          <a:effectRef idx="0">
+            <a:scrgbClr r="0" g="0" b="0"/>
+          </a:effectRef>
+          <a:fontRef idx="minor">
+            <a:schemeClr val="accent1"/>
+          </a:fontRef>
+        </p:style>
+        <p:txBody>
+          <a:bodyPr rtlCol="0" anchor="ctr"/>
+          <a:lstStyle/>
+          <a:p>
+            <a:pPr algn="ctr"/>
+            <a:r>
+              <a:rPr lang="ko-KR" altLang="en-US" dirty="0"/>
+              <a:t>기타 등등</a:t>
+            </a:r>
+          </a:p>
+        </p:txBody>
+      </p:sp>
+      <p:sp>
+        <p:nvSpPr>
+          <p:cNvPr id="55" name="TextBox 54">
+            <a:extLst>
+              <a:ext uri="{FF2B5EF4-FFF2-40B4-BE49-F238E27FC236}">
+                <a16:creationId xmlns:a16="http://schemas.microsoft.com/office/drawing/2014/main" id="{61D97230-69DA-425F-B82A-E10304A6E4D8}"/>
+              </a:ext>
+            </a:extLst>
+          </p:cNvPr>
+          <p:cNvSpPr txBox="1"/>
+          <p:nvPr/>
+        </p:nvSpPr>
+        <p:spPr>
+          <a:xfrm>
+            <a:off x="5764306" y="2551837"/>
+            <a:ext cx="4043081" cy="1754326"/>
+          </a:xfrm>
+          <a:prstGeom prst="rect">
+            <a:avLst/>
+          </a:prstGeom>
+          <a:noFill/>
+        </p:spPr>
+        <p:txBody>
+          <a:bodyPr wrap="square" rtlCol="0">
+            <a:spAutoFit/>
+          </a:bodyPr>
+          <a:lstStyle/>
+          <a:p>
+            <a:r>
+              <a:rPr lang="ko-KR" altLang="en-US" dirty="0"/>
+              <a:t>사용자는 입력 하고싶은 자신의 스펙을 각 분류에 맞게 입력한다</a:t>
+            </a:r>
+            <a:r>
+              <a:rPr lang="en-US" altLang="ko-KR" dirty="0"/>
+              <a:t>.</a:t>
+            </a:r>
+          </a:p>
+          <a:p>
+            <a:r>
+              <a:rPr lang="ko-KR" altLang="en-US" dirty="0"/>
+              <a:t>추가로 자기소개</a:t>
+            </a:r>
+            <a:r>
+              <a:rPr lang="en-US" altLang="ko-KR" dirty="0"/>
+              <a:t>, </a:t>
+            </a:r>
+            <a:r>
+              <a:rPr lang="ko-KR" altLang="en-US" dirty="0"/>
+              <a:t>블로그 포스팅처럼 자기자신을 자연스럽게 보여줄 수 있는 요소를 넣어</a:t>
+            </a:r>
+            <a:r>
+              <a:rPr lang="en-US" altLang="ko-KR" dirty="0"/>
+              <a:t>,</a:t>
+            </a:r>
+            <a:r>
+              <a:rPr lang="ko-KR" altLang="en-US" dirty="0"/>
+              <a:t> 나중에 이력서</a:t>
+            </a:r>
+            <a:r>
+              <a:rPr lang="en-US" altLang="ko-KR" dirty="0"/>
+              <a:t>, </a:t>
+            </a:r>
+            <a:r>
+              <a:rPr lang="ko-KR" altLang="en-US" dirty="0"/>
+              <a:t>자기소개서를 쓸 때 도움을 줄 수 있다</a:t>
+            </a:r>
+            <a:r>
+              <a:rPr lang="en-US" altLang="ko-KR" dirty="0"/>
+              <a:t>.</a:t>
+            </a:r>
+            <a:endParaRPr lang="ko-KR" altLang="en-US" dirty="0"/>
+          </a:p>
+        </p:txBody>
+      </p:sp>
+    </p:spTree>
+    <p:extLst>
+      <p:ext uri="{BB962C8B-B14F-4D97-AF65-F5344CB8AC3E}">
+        <p14:creationId xmlns:p14="http://schemas.microsoft.com/office/powerpoint/2010/main" val="680936960"/>
+      </p:ext>
+    </p:extLst>
+  </p:cSld>
+  <p:clrMapOvr>
+    <a:masterClrMapping/>
+  </p:clrMapOvr>
+</p:sld>
+</file>
+
+<file path=ppt/slides/slide7.xml><?xml version="1.0" encoding="utf-8"?>
+<p:sld xmlns:a="http://schemas.openxmlformats.org/drawingml/2006/main" xmlns:r="http://schemas.openxmlformats.org/officeDocument/2006/relationships" xmlns:p="http://schemas.openxmlformats.org/presentationml/2006/main">
+  <p:cSld>
+    <p:spTree>
+      <p:nvGrpSpPr>
+        <p:cNvPr id="1" name=""/>
+        <p:cNvGrpSpPr/>
+        <p:nvPr/>
+      </p:nvGrpSpPr>
+      <p:grpSpPr>
+        <a:xfrm>
+          <a:off x="0" y="0"/>
+          <a:ext cx="0" cy="0"/>
+          <a:chOff x="0" y="0"/>
+          <a:chExt cx="0" cy="0"/>
+        </a:xfrm>
+      </p:grpSpPr>
+      <p:sp>
+        <p:nvSpPr>
+          <p:cNvPr id="2" name="제목 1">
+            <a:extLst>
+              <a:ext uri="{FF2B5EF4-FFF2-40B4-BE49-F238E27FC236}">
+                <a16:creationId xmlns:a16="http://schemas.microsoft.com/office/drawing/2014/main" id="{3E69B9D1-D257-4F48-8272-B1CC9AB771FE}"/>
+              </a:ext>
+            </a:extLst>
+          </p:cNvPr>
+          <p:cNvSpPr>
+            <a:spLocks noGrp="1"/>
+          </p:cNvSpPr>
+          <p:nvPr>
+            <p:ph type="title"/>
+          </p:nvPr>
+        </p:nvSpPr>
+        <p:spPr>
+          <a:xfrm>
+            <a:off x="229099" y="224119"/>
+            <a:ext cx="8596668" cy="663388"/>
+          </a:xfrm>
+        </p:spPr>
+        <p:txBody>
+          <a:bodyPr/>
+          <a:lstStyle/>
+          <a:p>
+            <a:r>
+              <a:rPr lang="ko-KR" altLang="en-US" dirty="0"/>
+              <a:t>매출 계획</a:t>
+            </a:r>
+          </a:p>
+        </p:txBody>
+      </p:sp>
+      <p:sp>
+        <p:nvSpPr>
+          <p:cNvPr id="3" name="내용 개체 틀 2">
+            <a:extLst>
+              <a:ext uri="{FF2B5EF4-FFF2-40B4-BE49-F238E27FC236}">
+                <a16:creationId xmlns:a16="http://schemas.microsoft.com/office/drawing/2014/main" id="{D06F3CE7-D3B5-4230-9349-8196B3044D99}"/>
+              </a:ext>
+            </a:extLst>
+          </p:cNvPr>
+          <p:cNvSpPr>
+            <a:spLocks noGrp="1"/>
+          </p:cNvSpPr>
+          <p:nvPr>
+            <p:ph idx="1"/>
+          </p:nvPr>
+        </p:nvSpPr>
+        <p:spPr>
+          <a:xfrm>
+            <a:off x="650440" y="1129552"/>
+            <a:ext cx="8596668" cy="5325035"/>
+          </a:xfrm>
+        </p:spPr>
+        <p:txBody>
+          <a:bodyPr>
+            <a:noAutofit/>
+          </a:bodyPr>
+          <a:lstStyle/>
+          <a:p>
+            <a:endParaRPr lang="ko-KR" altLang="en-US" sz="2300" dirty="0"/>
+          </a:p>
+        </p:txBody>
+      </p:sp>
+    </p:spTree>
+    <p:extLst>
+      <p:ext uri="{BB962C8B-B14F-4D97-AF65-F5344CB8AC3E}">
+        <p14:creationId xmlns:p14="http://schemas.microsoft.com/office/powerpoint/2010/main" val="2924550571"/>
+      </p:ext>
+    </p:extLst>
+  </p:cSld>
+  <p:clrMapOvr>
+    <a:masterClrMapping/>
+  </p:clrMapOvr>
+</p:sld>
+</file>
+
+<file path=ppt/slides/slide8.xml><?xml version="1.0" encoding="utf-8"?>
+<p:sld xmlns:a="http://schemas.openxmlformats.org/drawingml/2006/main" xmlns:r="http://schemas.openxmlformats.org/officeDocument/2006/relationships" xmlns:p="http://schemas.openxmlformats.org/presentationml/2006/main">
+  <p:cSld>
+    <p:spTree>
+      <p:nvGrpSpPr>
+        <p:cNvPr id="1" name=""/>
+        <p:cNvGrpSpPr/>
+        <p:nvPr/>
+      </p:nvGrpSpPr>
+      <p:grpSpPr>
+        <a:xfrm>
+          <a:off x="0" y="0"/>
+          <a:ext cx="0" cy="0"/>
+          <a:chOff x="0" y="0"/>
+          <a:chExt cx="0" cy="0"/>
+        </a:xfrm>
+      </p:grpSpPr>
+      <p:sp>
+        <p:nvSpPr>
+          <p:cNvPr id="2" name="제목 1">
+            <a:extLst>
+              <a:ext uri="{FF2B5EF4-FFF2-40B4-BE49-F238E27FC236}">
+                <a16:creationId xmlns:a16="http://schemas.microsoft.com/office/drawing/2014/main" id="{3E69B9D1-D257-4F48-8272-B1CC9AB771FE}"/>
+              </a:ext>
+            </a:extLst>
+          </p:cNvPr>
+          <p:cNvSpPr>
+            <a:spLocks noGrp="1"/>
+          </p:cNvSpPr>
+          <p:nvPr>
+            <p:ph type="title"/>
+          </p:nvPr>
+        </p:nvSpPr>
+        <p:spPr>
+          <a:xfrm>
+            <a:off x="229099" y="224119"/>
+            <a:ext cx="8596668" cy="663388"/>
+          </a:xfrm>
+        </p:spPr>
+        <p:txBody>
+          <a:bodyPr/>
+          <a:lstStyle/>
+          <a:p>
+            <a:r>
+              <a:rPr lang="ko-KR" altLang="en-US" dirty="0"/>
+              <a:t>경쟁사 분석</a:t>
+            </a:r>
+          </a:p>
+        </p:txBody>
+      </p:sp>
+      <p:sp>
+        <p:nvSpPr>
+          <p:cNvPr id="3" name="내용 개체 틀 2">
+            <a:extLst>
+              <a:ext uri="{FF2B5EF4-FFF2-40B4-BE49-F238E27FC236}">
+                <a16:creationId xmlns:a16="http://schemas.microsoft.com/office/drawing/2014/main" id="{D06F3CE7-D3B5-4230-9349-8196B3044D99}"/>
+              </a:ext>
+            </a:extLst>
+          </p:cNvPr>
+          <p:cNvSpPr>
+            <a:spLocks noGrp="1"/>
+          </p:cNvSpPr>
+          <p:nvPr>
+            <p:ph idx="1"/>
+          </p:nvPr>
+        </p:nvSpPr>
+        <p:spPr>
+          <a:xfrm>
+            <a:off x="650440" y="1129552"/>
+            <a:ext cx="8596668" cy="5325035"/>
+          </a:xfrm>
+        </p:spPr>
+        <p:txBody>
+          <a:bodyPr>
+            <a:noAutofit/>
+          </a:bodyPr>
+          <a:lstStyle/>
+          <a:p>
+            <a:r>
+              <a:rPr lang="en-US" altLang="ko-KR" sz="2300" dirty="0" err="1"/>
+              <a:t>JobKorea</a:t>
+            </a:r>
+            <a:endParaRPr lang="en-US" altLang="ko-KR" sz="2300" dirty="0"/>
+          </a:p>
+          <a:p>
+            <a:pPr marL="0" indent="0">
+              <a:buNone/>
+            </a:pPr>
+            <a:endParaRPr lang="en-US" altLang="ko-KR" sz="2300" dirty="0"/>
+          </a:p>
+          <a:p>
+            <a:pPr marL="0" indent="0">
+              <a:buNone/>
+            </a:pPr>
+            <a:endParaRPr lang="en-US" altLang="ko-KR" sz="2300" dirty="0"/>
+          </a:p>
+          <a:p>
+            <a:r>
+              <a:rPr lang="en-US" altLang="ko-KR" sz="2300" dirty="0"/>
+              <a:t>GitHub</a:t>
+            </a:r>
+          </a:p>
+          <a:p>
+            <a:pPr marL="0" indent="0">
+              <a:buNone/>
+            </a:pPr>
+            <a:endParaRPr lang="en-US" altLang="ko-KR" sz="2300" dirty="0"/>
+          </a:p>
+          <a:p>
+            <a:pPr marL="0" indent="0">
+              <a:buNone/>
+            </a:pPr>
+            <a:endParaRPr lang="ko-KR" altLang="en-US" sz="2300" dirty="0"/>
+          </a:p>
+        </p:txBody>
+      </p:sp>
+    </p:spTree>
+    <p:extLst>
+      <p:ext uri="{BB962C8B-B14F-4D97-AF65-F5344CB8AC3E}">
+        <p14:creationId xmlns:p14="http://schemas.microsoft.com/office/powerpoint/2010/main" val="793584365"/>
+      </p:ext>
+    </p:extLst>
+  </p:cSld>
+  <p:clrMapOvr>
+    <a:masterClrMapping/>
+  </p:clrMapOvr>
+</p:sld>
+</file>
+
+<file path=ppt/slides/slide9.xml><?xml version="1.0" encoding="utf-8"?>
+<p:sld xmlns:a="http://schemas.openxmlformats.org/drawingml/2006/main" xmlns:r="http://schemas.openxmlformats.org/officeDocument/2006/relationships" xmlns:p="http://schemas.openxmlformats.org/presentationml/2006/main">
+  <p:cSld>
+    <p:spTree>
+      <p:nvGrpSpPr>
+        <p:cNvPr id="1" name=""/>
+        <p:cNvGrpSpPr/>
+        <p:nvPr/>
+      </p:nvGrpSpPr>
+      <p:grpSpPr>
+        <a:xfrm>
+          <a:off x="0" y="0"/>
+          <a:ext cx="0" cy="0"/>
+          <a:chOff x="0" y="0"/>
+          <a:chExt cx="0" cy="0"/>
+        </a:xfrm>
+      </p:grpSpPr>
+      <p:sp>
+        <p:nvSpPr>
+          <p:cNvPr id="2" name="제목 1">
+            <a:extLst>
+              <a:ext uri="{FF2B5EF4-FFF2-40B4-BE49-F238E27FC236}">
+                <a16:creationId xmlns:a16="http://schemas.microsoft.com/office/drawing/2014/main" id="{3E69B9D1-D257-4F48-8272-B1CC9AB771FE}"/>
+              </a:ext>
+            </a:extLst>
+          </p:cNvPr>
+          <p:cNvSpPr>
+            <a:spLocks noGrp="1"/>
+          </p:cNvSpPr>
+          <p:nvPr>
+            <p:ph type="title"/>
+          </p:nvPr>
+        </p:nvSpPr>
+        <p:spPr>
+          <a:xfrm>
+            <a:off x="229099" y="224119"/>
+            <a:ext cx="8596668" cy="663388"/>
+          </a:xfrm>
+        </p:spPr>
+        <p:txBody>
+          <a:bodyPr/>
+          <a:lstStyle/>
+          <a:p>
+            <a:r>
+              <a:rPr lang="ko-KR" altLang="en-US" dirty="0"/>
+              <a:t>디자인 계획</a:t>
+            </a:r>
+          </a:p>
+        </p:txBody>
+      </p:sp>
+      <p:sp>
+        <p:nvSpPr>
+          <p:cNvPr id="3" name="내용 개체 틀 2">
+            <a:extLst>
+              <a:ext uri="{FF2B5EF4-FFF2-40B4-BE49-F238E27FC236}">
+                <a16:creationId xmlns:a16="http://schemas.microsoft.com/office/drawing/2014/main" id="{D06F3CE7-D3B5-4230-9349-8196B3044D99}"/>
+              </a:ext>
+            </a:extLst>
+          </p:cNvPr>
+          <p:cNvSpPr>
+            <a:spLocks noGrp="1"/>
+          </p:cNvSpPr>
+          <p:nvPr>
+            <p:ph idx="1"/>
+          </p:nvPr>
+        </p:nvSpPr>
+        <p:spPr>
+          <a:xfrm>
+            <a:off x="650440" y="1129552"/>
+            <a:ext cx="8596668" cy="5325035"/>
+          </a:xfrm>
+        </p:spPr>
+        <p:txBody>
+          <a:bodyPr>
+            <a:noAutofit/>
+          </a:bodyPr>
+          <a:lstStyle/>
+          <a:p>
+            <a:endParaRPr lang="ko-KR" altLang="en-US" sz="2300" dirty="0"/>
+          </a:p>
+        </p:txBody>
+      </p:sp>
+    </p:spTree>
+    <p:extLst>
+      <p:ext uri="{BB962C8B-B14F-4D97-AF65-F5344CB8AC3E}">
+        <p14:creationId xmlns:p14="http://schemas.microsoft.com/office/powerpoint/2010/main" val="984066230"/>
+      </p:ext>
+    </p:extLst>
+  </p:cSld>
+  <p:clrMapOvr>
+    <a:masterClrMapping/>
+  </p:clrMapOvr>
+</p:sld>
+</file>
+
 <file path=ppt/theme/theme1.xml><?xml version="1.0" encoding="utf-8"?>
-<a:theme xmlns:a="http://schemas.openxmlformats.org/drawingml/2006/main" name="Office 테마">
+<a:theme xmlns:a="http://schemas.openxmlformats.org/drawingml/2006/main" name="패싯">
   <a:themeElements>
-    <a:clrScheme name="Office">
+    <a:clrScheme name="패싯">
       <a:dk1>
         <a:sysClr val="windowText" lastClr="000000"/>
       </a:dk1>
@@ -3395,52 +8410,52 @@
         <a:sysClr val="window" lastClr="FFFFFF"/>
       </a:lt1>
       <a:dk2>
-        <a:srgbClr val="44546A"/>
+        <a:srgbClr val="2C3C43"/>
       </a:dk2>
       <a:lt2>
-        <a:srgbClr val="E7E6E6"/>
+        <a:srgbClr val="EBEBEB"/>
       </a:lt2>
       <a:accent1>
-        <a:srgbClr val="4472C4"/>
+        <a:srgbClr val="5FCBEF"/>
       </a:accent1>
       <a:accent2>
-        <a:srgbClr val="ED7D31"/>
+        <a:srgbClr val="2E83C3"/>
       </a:accent2>
       <a:accent3>
-        <a:srgbClr val="A5A5A5"/>
+        <a:srgbClr val="42D0A2"/>
       </a:accent3>
       <a:accent4>
-        <a:srgbClr val="FFC000"/>
+        <a:srgbClr val="2E946B"/>
       </a:accent4>
       <a:accent5>
-        <a:srgbClr val="5B9BD5"/>
+        <a:srgbClr val="42B051"/>
       </a:accent5>
       <a:accent6>
-        <a:srgbClr val="70AD47"/>
+        <a:srgbClr val="96D141"/>
       </a:accent6>
       <a:hlink>
-        <a:srgbClr val="0563C1"/>
+        <a:srgbClr val="3FCDE7"/>
       </a:hlink>
       <a:folHlink>
-        <a:srgbClr val="954F72"/>
+        <a:srgbClr val="A9D3E1"/>
       </a:folHlink>
     </a:clrScheme>
-    <a:fontScheme name="Office">
+    <a:fontScheme name="패싯">
       <a:majorFont>
-        <a:latin typeface="맑은 고딕" panose="020F0302020204030204"/>
+        <a:latin typeface="Trebuchet MS" panose="020B0603020202020204"/>
         <a:ea typeface=""/>
         <a:cs typeface=""/>
-        <a:font script="Jpan" typeface="游ゴシック Light"/>
+        <a:font script="Jpan" typeface="メイリオ"/>
         <a:font script="Hang" typeface="맑은 고딕"/>
-        <a:font script="Hans" typeface="等线 Light"/>
-        <a:font script="Hant" typeface="新細明體"/>
-        <a:font script="Arab" typeface="Times New Roman"/>
-        <a:font script="Hebr" typeface="Times New Roman"/>
-        <a:font script="Thai" typeface="Angsana New"/>
+        <a:font script="Hans" typeface="方正姚体"/>
+        <a:font script="Hant" typeface="微軟正黑體"/>
+        <a:font script="Arab" typeface="Tahoma"/>
+        <a:font script="Hebr" typeface="Arial"/>
+        <a:font script="Thai" typeface="Cordia New"/>
         <a:font script="Ethi" typeface="Nyala"/>
         <a:font script="Beng" typeface="Vrinda"/>
         <a:font script="Gujr" typeface="Shruti"/>
-        <a:font script="Khmr" typeface="MoolBoran"/>
+        <a:font script="Khmr" typeface="DaunPenh"/>
         <a:font script="Knda" typeface="Tunga"/>
         <a:font script="Guru" typeface="Raavi"/>
         <a:font script="Cans" typeface="Euphemia"/>
@@ -3457,38 +8472,21 @@
         <a:font script="Laoo" typeface="DokChampa"/>
         <a:font script="Sinh" typeface="Iskoola Pota"/>
         <a:font script="Mong" typeface="Mongolian Baiti"/>
-        <a:font script="Viet" typeface="Times New Roman"/>
+        <a:font script="Viet" typeface="Tahoma"/>
         <a:font script="Uigh" typeface="Microsoft Uighur"/>
         <a:font script="Geor" typeface="Sylfaen"/>
-        <a:font script="Armn" typeface="Arial"/>
-        <a:font script="Bugi" typeface="Leelawadee UI"/>
-        <a:font script="Bopo" typeface="Microsoft JhengHei"/>
-        <a:font script="Java" typeface="Javanese Text"/>
-        <a:font script="Lisu" typeface="Segoe UI"/>
-        <a:font script="Mymr" typeface="Myanmar Text"/>
-        <a:font script="Nkoo" typeface="Ebrima"/>
-        <a:font script="Olck" typeface="Nirmala UI"/>
-        <a:font script="Osma" typeface="Ebrima"/>
-        <a:font script="Phag" typeface="Phagspa"/>
-        <a:font script="Syrn" typeface="Estrangelo Edessa"/>
-        <a:font script="Syrj" typeface="Estrangelo Edessa"/>
-        <a:font script="Syre" typeface="Estrangelo Edessa"/>
-        <a:font script="Sora" typeface="Nirmala UI"/>
-        <a:font script="Tale" typeface="Microsoft Tai Le"/>
-        <a:font script="Talu" typeface="Microsoft New Tai Lue"/>
-        <a:font script="Tfng" typeface="Ebrima"/>
       </a:majorFont>
       <a:minorFont>
-        <a:latin typeface="맑은 고딕" panose="020F0502020204030204"/>
+        <a:latin typeface="Trebuchet MS" panose="020B0603020202020204"/>
         <a:ea typeface=""/>
         <a:cs typeface=""/>
-        <a:font script="Jpan" typeface="游ゴシック"/>
-        <a:font script="Hang" typeface="맑은 고딕"/>
-        <a:font script="Hans" typeface="等线"/>
-        <a:font script="Hant" typeface="新細明體"/>
-        <a:font script="Arab" typeface="Arial"/>
-        <a:font script="Hebr" typeface="Arial"/>
-        <a:font script="Thai" typeface="Cordia New"/>
+        <a:font script="Jpan" typeface="メイリオ"/>
+        <a:font script="Hang" typeface="HY그래픽M"/>
+        <a:font script="Hans" typeface="华文新魏"/>
+        <a:font script="Hant" typeface="微軟正黑體"/>
+        <a:font script="Arab" typeface="Tahoma"/>
+        <a:font script="Hebr" typeface="Gisha"/>
+        <a:font script="Thai" typeface="IrisUPC"/>
         <a:font script="Ethi" typeface="Nyala"/>
         <a:font script="Beng" typeface="Vrinda"/>
         <a:font script="Gujr" typeface="Shruti"/>
@@ -3512,26 +8510,9 @@
         <a:font script="Viet" typeface="Arial"/>
         <a:font script="Uigh" typeface="Microsoft Uighur"/>
         <a:font script="Geor" typeface="Sylfaen"/>
-        <a:font script="Armn" typeface="Arial"/>
-        <a:font script="Bugi" typeface="Leelawadee UI"/>
-        <a:font script="Bopo" typeface="Microsoft JhengHei"/>
-        <a:font script="Java" typeface="Javanese Text"/>
-        <a:font script="Lisu" typeface="Segoe UI"/>
-        <a:font script="Mymr" typeface="Myanmar Text"/>
-        <a:font script="Nkoo" typeface="Ebrima"/>
-        <a:font script="Olck" typeface="Nirmala UI"/>
-        <a:font script="Osma" typeface="Ebrima"/>
-        <a:font script="Phag" typeface="Phagspa"/>
-        <a:font script="Syrn" typeface="Estrangelo Edessa"/>
-        <a:font script="Syrj" typeface="Estrangelo Edessa"/>
-        <a:font script="Syre" typeface="Estrangelo Edessa"/>
-        <a:font script="Sora" typeface="Nirmala UI"/>
-        <a:font script="Tale" typeface="Microsoft Tai Le"/>
-        <a:font script="Talu" typeface="Microsoft New Tai Lue"/>
-        <a:font script="Tfng" typeface="Ebrima"/>
       </a:minorFont>
     </a:fontScheme>
-    <a:fmtScheme name="Office">
+    <a:fmtScheme name="패싯">
       <a:fillStyleLst>
         <a:solidFill>
           <a:schemeClr val="phClr"/>
@@ -3540,23 +8521,13 @@
           <a:gsLst>
             <a:gs pos="0">
               <a:schemeClr val="phClr">
+                <a:tint val="65000"/>
                 <a:lumMod val="110000"/>
-                <a:satMod val="105000"/>
-                <a:tint val="67000"/>
               </a:schemeClr>
             </a:gs>
-            <a:gs pos="50000">
+            <a:gs pos="88000">
               <a:schemeClr val="phClr">
-                <a:lumMod val="105000"/>
-                <a:satMod val="103000"/>
-                <a:tint val="73000"/>
-              </a:schemeClr>
-            </a:gs>
-            <a:gs pos="100000">
-              <a:schemeClr val="phClr">
-                <a:lumMod val="105000"/>
-                <a:satMod val="109000"/>
-                <a:tint val="81000"/>
+                <a:tint val="90000"/>
               </a:schemeClr>
             </a:gs>
           </a:gsLst>
@@ -3566,23 +8537,14 @@
           <a:gsLst>
             <a:gs pos="0">
               <a:schemeClr val="phClr">
-                <a:satMod val="103000"/>
-                <a:lumMod val="102000"/>
-                <a:tint val="94000"/>
+                <a:tint val="96000"/>
+                <a:lumMod val="100000"/>
               </a:schemeClr>
             </a:gs>
-            <a:gs pos="50000">
+            <a:gs pos="78000">
               <a:schemeClr val="phClr">
-                <a:satMod val="110000"/>
-                <a:lumMod val="100000"/>
-                <a:shade val="100000"/>
-              </a:schemeClr>
-            </a:gs>
-            <a:gs pos="100000">
-              <a:schemeClr val="phClr">
-                <a:lumMod val="99000"/>
-                <a:satMod val="120000"/>
-                <a:shade val="78000"/>
+                <a:shade val="94000"/>
+                <a:lumMod val="94000"/>
               </a:schemeClr>
             </a:gs>
           </a:gsLst>
@@ -3590,26 +8552,23 @@
         </a:gradFill>
       </a:fillStyleLst>
       <a:lnStyleLst>
-        <a:ln w="6350" cap="flat" cmpd="sng" algn="ctr">
+        <a:ln w="12700" cap="rnd" cmpd="sng" algn="ctr">
           <a:solidFill>
             <a:schemeClr val="phClr"/>
           </a:solidFill>
           <a:prstDash val="solid"/>
-          <a:miter lim="800000"/>
         </a:ln>
-        <a:ln w="12700" cap="flat" cmpd="sng" algn="ctr">
+        <a:ln w="19050" cap="rnd" cmpd="sng" algn="ctr">
           <a:solidFill>
             <a:schemeClr val="phClr"/>
           </a:solidFill>
           <a:prstDash val="solid"/>
-          <a:miter lim="800000"/>
         </a:ln>
-        <a:ln w="19050" cap="flat" cmpd="sng" algn="ctr">
+        <a:ln w="25400" cap="rnd" cmpd="sng" algn="ctr">
           <a:solidFill>
             <a:schemeClr val="phClr"/>
           </a:solidFill>
           <a:prstDash val="solid"/>
-          <a:miter lim="800000"/>
         </a:ln>
       </a:lnStyleLst>
       <a:effectStyleLst>
@@ -3617,54 +8576,72 @@
           <a:effectLst/>
         </a:effectStyle>
         <a:effectStyle>
-          <a:effectLst/>
+          <a:effectLst>
+            <a:outerShdw blurRad="38100" dist="25400" dir="5400000" rotWithShape="0">
+              <a:srgbClr val="000000">
+                <a:alpha val="35000"/>
+              </a:srgbClr>
+            </a:outerShdw>
+          </a:effectLst>
         </a:effectStyle>
         <a:effectStyle>
           <a:effectLst>
-            <a:outerShdw blurRad="57150" dist="19050" dir="5400000" algn="ctr" rotWithShape="0">
+            <a:outerShdw blurRad="50800" dist="38100" dir="5400000" rotWithShape="0">
               <a:srgbClr val="000000">
-                <a:alpha val="63000"/>
+                <a:alpha val="35000"/>
               </a:srgbClr>
             </a:outerShdw>
           </a:effectLst>
+          <a:scene3d>
+            <a:camera prst="orthographicFront">
+              <a:rot lat="0" lon="0" rev="0"/>
+            </a:camera>
+            <a:lightRig rig="threePt" dir="tl"/>
+          </a:scene3d>
+          <a:sp3d prstMaterial="plastic">
+            <a:bevelT w="0" h="0"/>
+          </a:sp3d>
         </a:effectStyle>
       </a:effectStyleLst>
       <a:bgFillStyleLst>
         <a:solidFill>
           <a:schemeClr val="phClr"/>
         </a:solidFill>
-        <a:solidFill>
-          <a:schemeClr val="phClr">
-            <a:tint val="95000"/>
-            <a:satMod val="170000"/>
-          </a:schemeClr>
-        </a:solidFill>
         <a:gradFill rotWithShape="1">
           <a:gsLst>
             <a:gs pos="0">
               <a:schemeClr val="phClr">
-                <a:tint val="93000"/>
-                <a:satMod val="150000"/>
-                <a:shade val="98000"/>
-                <a:lumMod val="102000"/>
+                <a:tint val="90000"/>
+                <a:lumMod val="104000"/>
               </a:schemeClr>
             </a:gs>
-            <a:gs pos="50000">
+            <a:gs pos="94000">
               <a:schemeClr val="phClr">
-                <a:tint val="98000"/>
-                <a:satMod val="130000"/>
-                <a:shade val="90000"/>
-                <a:lumMod val="103000"/>
+                <a:shade val="96000"/>
+                <a:lumMod val="82000"/>
+              </a:schemeClr>
+            </a:gs>
+          </a:gsLst>
+          <a:lin ang="5400000" scaled="0"/>
+        </a:gradFill>
+        <a:gradFill rotWithShape="1">
+          <a:gsLst>
+            <a:gs pos="0">
+              <a:schemeClr val="phClr">
+                <a:tint val="90000"/>
+                <a:lumMod val="110000"/>
               </a:schemeClr>
             </a:gs>
             <a:gs pos="100000">
               <a:schemeClr val="phClr">
-                <a:shade val="63000"/>
-                <a:satMod val="120000"/>
+                <a:shade val="94000"/>
+                <a:lumMod val="96000"/>
               </a:schemeClr>
             </a:gs>
           </a:gsLst>
-          <a:lin ang="5400000" scaled="0"/>
+          <a:path path="circle">
+            <a:fillToRect l="50000" t="50000" r="100000" b="100000"/>
+          </a:path>
         </a:gradFill>
       </a:bgFillStyleLst>
     </a:fmtScheme>
@@ -3673,7 +8650,7 @@
   <a:extraClrSchemeLst/>
   <a:extLst>
     <a:ext uri="{05A4C25C-085E-4340-85A3-A5531E510DB2}">
-      <thm15:themeFamily xmlns:thm15="http://schemas.microsoft.com/office/thememl/2012/main" name="Office Theme" id="{62F939B6-93AF-4DB8-9C6B-D6C7DFDC589F}" vid="{4A3C46E8-61CC-4603-A589-7422A47A8E4A}"/>
+      <thm15:themeFamily xmlns:thm15="http://schemas.microsoft.com/office/thememl/2012/main" name="Facet" id="{C0C680CD-088A-49FC-A102-D699147F32B2}" vid="{0B5AB586-D108-4FC1-8368-649FE654B894}"/>
     </a:ext>
   </a:extLst>
 </a:theme>
